--- a/aware.pptx
+++ b/aware.pptx
@@ -1,26 +1,26 @@
 
 <file path=ppt/presentation.xml><?xml version="1.0" encoding="utf-8"?>
-<p:presentation xmlns:a="http://schemas.openxmlformats.org/drawingml/2006/main" xmlns:r="http://schemas.openxmlformats.org/officeDocument/2006/relationships" xmlns:p="http://schemas.openxmlformats.org/presentationml/2006/main">
+<p:presentation xmlns:a="http://schemas.openxmlformats.org/drawingml/2006/main" xmlns:r="http://schemas.openxmlformats.org/officeDocument/2006/relationships" xmlns:p="http://schemas.openxmlformats.org/presentationml/2006/main" saveSubsetFonts="1">
   <p:sldMasterIdLst>
-    <p:sldMasterId id="2147483648" r:id="rId5"/>
+    <p:sldMasterId id="2147483648" r:id="rId1"/>
   </p:sldMasterIdLst>
   <p:notesMasterIdLst>
-    <p:notesMasterId r:id="rId7"/>
+    <p:notesMasterId r:id="rId15"/>
   </p:notesMasterIdLst>
   <p:sldIdLst>
-    <p:sldId id="256" r:id="rId8"/>
-    <p:sldId id="257" r:id="rId9"/>
-    <p:sldId id="258" r:id="rId10"/>
-    <p:sldId id="259" r:id="rId11"/>
-    <p:sldId id="260" r:id="rId12"/>
-    <p:sldId id="261" r:id="rId13"/>
-    <p:sldId id="262" r:id="rId14"/>
-    <p:sldId id="263" r:id="rId15"/>
-    <p:sldId id="264" r:id="rId16"/>
-    <p:sldId id="265" r:id="rId17"/>
-    <p:sldId id="266" r:id="rId18"/>
-    <p:sldId id="267" r:id="rId19"/>
-    <p:sldId id="268" r:id="rId20"/>
+    <p:sldId id="256" r:id="rId2"/>
+    <p:sldId id="257" r:id="rId3"/>
+    <p:sldId id="258" r:id="rId4"/>
+    <p:sldId id="259" r:id="rId5"/>
+    <p:sldId id="260" r:id="rId6"/>
+    <p:sldId id="261" r:id="rId7"/>
+    <p:sldId id="262" r:id="rId8"/>
+    <p:sldId id="263" r:id="rId9"/>
+    <p:sldId id="264" r:id="rId10"/>
+    <p:sldId id="265" r:id="rId11"/>
+    <p:sldId id="266" r:id="rId12"/>
+    <p:sldId id="267" r:id="rId13"/>
+    <p:sldId id="268" r:id="rId14"/>
   </p:sldIdLst>
   <p:sldSz cx="24384000" cy="13716000"/>
   <p:notesSz cx="6858000" cy="9144000"/>
@@ -40,7 +40,7 @@
       <a:buFontTx/>
       <a:buNone/>
       <a:tabLst/>
-      <a:defRPr b="0" baseline="0" cap="none" i="0" spc="0" strike="noStrike" sz="1800" u="none" kumimoji="0" normalizeH="0">
+      <a:defRPr kumimoji="0" sz="1800" b="0" i="0" u="none" strike="noStrike" cap="none" spc="0" normalizeH="0" baseline="0">
         <a:ln>
           <a:noFill/>
         </a:ln>
@@ -66,7 +66,7 @@
       <a:buFontTx/>
       <a:buNone/>
       <a:tabLst/>
-      <a:defRPr b="0" baseline="0" cap="none" i="0" spc="0" strike="noStrike" sz="5000" u="none" kumimoji="0" normalizeH="0">
+      <a:defRPr kumimoji="0" sz="5000" b="0" i="0" u="none" strike="noStrike" cap="none" spc="0" normalizeH="0" baseline="0">
         <a:ln>
           <a:noFill/>
         </a:ln>
@@ -96,7 +96,7 @@
       <a:buFontTx/>
       <a:buNone/>
       <a:tabLst/>
-      <a:defRPr b="0" baseline="0" cap="none" i="0" spc="0" strike="noStrike" sz="5000" u="none" kumimoji="0" normalizeH="0">
+      <a:defRPr kumimoji="0" sz="5000" b="0" i="0" u="none" strike="noStrike" cap="none" spc="0" normalizeH="0" baseline="0">
         <a:ln>
           <a:noFill/>
         </a:ln>
@@ -126,7 +126,7 @@
       <a:buFontTx/>
       <a:buNone/>
       <a:tabLst/>
-      <a:defRPr b="0" baseline="0" cap="none" i="0" spc="0" strike="noStrike" sz="5000" u="none" kumimoji="0" normalizeH="0">
+      <a:defRPr kumimoji="0" sz="5000" b="0" i="0" u="none" strike="noStrike" cap="none" spc="0" normalizeH="0" baseline="0">
         <a:ln>
           <a:noFill/>
         </a:ln>
@@ -156,7 +156,7 @@
       <a:buFontTx/>
       <a:buNone/>
       <a:tabLst/>
-      <a:defRPr b="0" baseline="0" cap="none" i="0" spc="0" strike="noStrike" sz="5000" u="none" kumimoji="0" normalizeH="0">
+      <a:defRPr kumimoji="0" sz="5000" b="0" i="0" u="none" strike="noStrike" cap="none" spc="0" normalizeH="0" baseline="0">
         <a:ln>
           <a:noFill/>
         </a:ln>
@@ -186,7 +186,7 @@
       <a:buFontTx/>
       <a:buNone/>
       <a:tabLst/>
-      <a:defRPr b="0" baseline="0" cap="none" i="0" spc="0" strike="noStrike" sz="5000" u="none" kumimoji="0" normalizeH="0">
+      <a:defRPr kumimoji="0" sz="5000" b="0" i="0" u="none" strike="noStrike" cap="none" spc="0" normalizeH="0" baseline="0">
         <a:ln>
           <a:noFill/>
         </a:ln>
@@ -216,7 +216,7 @@
       <a:buFontTx/>
       <a:buNone/>
       <a:tabLst/>
-      <a:defRPr b="0" baseline="0" cap="none" i="0" spc="0" strike="noStrike" sz="5000" u="none" kumimoji="0" normalizeH="0">
+      <a:defRPr kumimoji="0" sz="5000" b="0" i="0" u="none" strike="noStrike" cap="none" spc="0" normalizeH="0" baseline="0">
         <a:ln>
           <a:noFill/>
         </a:ln>
@@ -246,7 +246,7 @@
       <a:buFontTx/>
       <a:buNone/>
       <a:tabLst/>
-      <a:defRPr b="0" baseline="0" cap="none" i="0" spc="0" strike="noStrike" sz="5000" u="none" kumimoji="0" normalizeH="0">
+      <a:defRPr kumimoji="0" sz="5000" b="0" i="0" u="none" strike="noStrike" cap="none" spc="0" normalizeH="0" baseline="0">
         <a:ln>
           <a:noFill/>
         </a:ln>
@@ -276,7 +276,7 @@
       <a:buFontTx/>
       <a:buNone/>
       <a:tabLst/>
-      <a:defRPr b="0" baseline="0" cap="none" i="0" spc="0" strike="noStrike" sz="5000" u="none" kumimoji="0" normalizeH="0">
+      <a:defRPr kumimoji="0" sz="5000" b="0" i="0" u="none" strike="noStrike" cap="none" spc="0" normalizeH="0" baseline="0">
         <a:ln>
           <a:noFill/>
         </a:ln>
@@ -306,7 +306,7 @@
       <a:buFontTx/>
       <a:buNone/>
       <a:tabLst/>
-      <a:defRPr b="0" baseline="0" cap="none" i="0" spc="0" strike="noStrike" sz="5000" u="none" kumimoji="0" normalizeH="0">
+      <a:defRPr kumimoji="0" sz="5000" b="0" i="0" u="none" strike="noStrike" cap="none" spc="0" normalizeH="0" baseline="0">
         <a:ln>
           <a:noFill/>
         </a:ln>
@@ -325,13 +325,14 @@
 </p:presentation>
 </file>
 
-<file path=ppt/commentAuthors.xml><?xml version="1.0" encoding="utf-8"?>
-<p:cmAuthorLst xmlns:a="http://schemas.openxmlformats.org/drawingml/2006/main" xmlns:r="http://schemas.openxmlformats.org/officeDocument/2006/relationships" xmlns:p="http://schemas.openxmlformats.org/presentationml/2006/main"/>
-</file>
-
 <file path=ppt/notesMasters/notesMaster1.xml><?xml version="1.0" encoding="utf-8"?>
 <p:notesMaster xmlns:a="http://schemas.openxmlformats.org/drawingml/2006/main" xmlns:r="http://schemas.openxmlformats.org/officeDocument/2006/relationships" xmlns:p="http://schemas.openxmlformats.org/presentationml/2006/main">
   <p:cSld>
+    <p:bg>
+      <p:bgRef idx="1001">
+        <a:schemeClr val="bg1"/>
+      </p:bgRef>
+    </p:bg>
     <p:spTree>
       <p:nvGrpSpPr>
         <p:cNvPr id="1" name=""/>
@@ -349,7 +350,9 @@
       <p:sp>
         <p:nvSpPr>
           <p:cNvPr id="134" name="Shape 134"/>
-          <p:cNvSpPr/>
+          <p:cNvSpPr>
+            <a:spLocks noGrp="1" noRot="1" noChangeAspect="1"/>
+          </p:cNvSpPr>
           <p:nvPr>
             <p:ph type="sldImg"/>
           </p:nvPr>
@@ -367,14 +370,16 @@
           <a:bodyPr/>
           <a:lstStyle/>
           <a:p>
-            <a:pPr/>
+            <a:endParaRPr/>
           </a:p>
         </p:txBody>
       </p:sp>
       <p:sp>
         <p:nvSpPr>
           <p:cNvPr id="135" name="Shape 135"/>
-          <p:cNvSpPr/>
+          <p:cNvSpPr>
+            <a:spLocks noGrp="1"/>
+          </p:cNvSpPr>
           <p:nvPr>
             <p:ph type="body" sz="quarter" idx="1"/>
           </p:nvPr>
@@ -392,11 +397,16 @@
           <a:bodyPr/>
           <a:lstStyle/>
           <a:p>
-            <a:pPr/>
+            <a:endParaRPr/>
           </a:p>
         </p:txBody>
       </p:sp>
     </p:spTree>
+    <p:extLst>
+      <p:ext uri="{BB962C8B-B14F-4D97-AF65-F5344CB8AC3E}">
+        <p14:creationId xmlns:p14="http://schemas.microsoft.com/office/powerpoint/2010/main" val="1738937395"/>
+      </p:ext>
+    </p:extLst>
   </p:cSld>
   <p:clrMap bg1="lt1" tx1="dk1" bg2="lt2" tx2="dk2" accent1="accent1" accent2="accent2" accent3="accent3" accent4="accent4" accent5="accent5" accent6="accent6" hlink="hlink" folHlink="folHlink"/>
   <p:notesStyle>
@@ -504,7 +514,7 @@
 </file>
 
 <file path=ppt/notesSlides/notesSlide1.xml><?xml version="1.0" encoding="utf-8"?>
-<p:notes xmlns:a="http://schemas.openxmlformats.org/drawingml/2006/main" xmlns:r="http://schemas.openxmlformats.org/officeDocument/2006/relationships" xmlns:p="http://schemas.openxmlformats.org/presentationml/2006/main" showMasterSp="1" showMasterPhAnim="1">
+<p:notes xmlns:a="http://schemas.openxmlformats.org/drawingml/2006/main" xmlns:r="http://schemas.openxmlformats.org/officeDocument/2006/relationships" xmlns:p="http://schemas.openxmlformats.org/presentationml/2006/main">
   <p:cSld>
     <p:spTree>
       <p:nvGrpSpPr>
@@ -523,7 +533,9 @@
       <p:sp>
         <p:nvSpPr>
           <p:cNvPr id="573" name="Shape 573"/>
-          <p:cNvSpPr/>
+          <p:cNvSpPr>
+            <a:spLocks noGrp="1" noRot="1" noChangeAspect="1"/>
+          </p:cNvSpPr>
           <p:nvPr>
             <p:ph type="sldImg"/>
           </p:nvPr>
@@ -537,14 +549,16 @@
           <a:bodyPr/>
           <a:lstStyle/>
           <a:p>
-            <a:pPr/>
+            <a:endParaRPr/>
           </a:p>
         </p:txBody>
       </p:sp>
       <p:sp>
         <p:nvSpPr>
           <p:cNvPr id="574" name="Shape 574"/>
-          <p:cNvSpPr/>
+          <p:cNvSpPr>
+            <a:spLocks noGrp="1"/>
+          </p:cNvSpPr>
           <p:nvPr>
             <p:ph type="body" sz="quarter" idx="1"/>
           </p:nvPr>
@@ -558,7 +572,6 @@
           <a:bodyPr/>
           <a:lstStyle/>
           <a:p>
-            <a:pPr/>
             <a:r>
               <a:t>Why work with Aware? We help companies be more in tune with its employees needs and how best to take action.</a:t>
             </a:r>
@@ -566,6 +579,11 @@
         </p:txBody>
       </p:sp>
     </p:spTree>
+    <p:extLst>
+      <p:ext uri="{BB962C8B-B14F-4D97-AF65-F5344CB8AC3E}">
+        <p14:creationId xmlns:p14="http://schemas.microsoft.com/office/powerpoint/2010/main" val="1215845742"/>
+      </p:ext>
+    </p:extLst>
   </p:cSld>
   <p:clrMapOvr>
     <a:masterClrMapping/>
@@ -574,7 +592,7 @@
 </file>
 
 <file path=ppt/notesSlides/notesSlide2.xml><?xml version="1.0" encoding="utf-8"?>
-<p:notes xmlns:a="http://schemas.openxmlformats.org/drawingml/2006/main" xmlns:r="http://schemas.openxmlformats.org/officeDocument/2006/relationships" xmlns:p="http://schemas.openxmlformats.org/presentationml/2006/main" showMasterSp="1" showMasterPhAnim="1">
+<p:notes xmlns:a="http://schemas.openxmlformats.org/drawingml/2006/main" xmlns:r="http://schemas.openxmlformats.org/officeDocument/2006/relationships" xmlns:p="http://schemas.openxmlformats.org/presentationml/2006/main">
   <p:cSld>
     <p:spTree>
       <p:nvGrpSpPr>
@@ -593,7 +611,9 @@
       <p:sp>
         <p:nvSpPr>
           <p:cNvPr id="578" name="Shape 578"/>
-          <p:cNvSpPr/>
+          <p:cNvSpPr>
+            <a:spLocks noGrp="1" noRot="1" noChangeAspect="1"/>
+          </p:cNvSpPr>
           <p:nvPr>
             <p:ph type="sldImg"/>
           </p:nvPr>
@@ -607,14 +627,16 @@
           <a:bodyPr/>
           <a:lstStyle/>
           <a:p>
-            <a:pPr/>
+            <a:endParaRPr/>
           </a:p>
         </p:txBody>
       </p:sp>
       <p:sp>
         <p:nvSpPr>
           <p:cNvPr id="579" name="Shape 579"/>
-          <p:cNvSpPr/>
+          <p:cNvSpPr>
+            <a:spLocks noGrp="1"/>
+          </p:cNvSpPr>
           <p:nvPr>
             <p:ph type="body" sz="quarter" idx="1"/>
           </p:nvPr>
@@ -628,7 +650,6 @@
           <a:bodyPr/>
           <a:lstStyle/>
           <a:p>
-            <a:pPr/>
             <a:r>
               <a:t>Why work with Aware? We help companies be more in tune with its employees needs and how best to take action.</a:t>
             </a:r>
@@ -636,6 +657,11 @@
         </p:txBody>
       </p:sp>
     </p:spTree>
+    <p:extLst>
+      <p:ext uri="{BB962C8B-B14F-4D97-AF65-F5344CB8AC3E}">
+        <p14:creationId xmlns:p14="http://schemas.microsoft.com/office/powerpoint/2010/main" val="1344253385"/>
+      </p:ext>
+    </p:extLst>
   </p:cSld>
   <p:clrMapOvr>
     <a:masterClrMapping/>
@@ -644,7 +670,7 @@
 </file>
 
 <file path=ppt/slideLayouts/slideLayout1.xml><?xml version="1.0" encoding="utf-8"?>
-<p:sldLayout xmlns:a="http://schemas.openxmlformats.org/drawingml/2006/main" xmlns:r="http://schemas.openxmlformats.org/officeDocument/2006/relationships" xmlns:p="http://schemas.openxmlformats.org/presentationml/2006/main" type="title" showMasterSp="1" showMasterPhAnim="1">
+<p:sldLayout xmlns:a="http://schemas.openxmlformats.org/drawingml/2006/main" xmlns:r="http://schemas.openxmlformats.org/officeDocument/2006/relationships" xmlns:p="http://schemas.openxmlformats.org/presentationml/2006/main" type="title">
   <p:cSld name="Title &amp; Subtitle">
     <p:spTree>
       <p:nvGrpSpPr>
@@ -663,7 +689,9 @@
       <p:sp>
         <p:nvSpPr>
           <p:cNvPr id="11" name="Shape 11"/>
-          <p:cNvSpPr/>
+          <p:cNvSpPr>
+            <a:spLocks noGrp="1"/>
+          </p:cNvSpPr>
           <p:nvPr>
             <p:ph type="title"/>
           </p:nvPr>
@@ -681,7 +709,6 @@
           <a:bodyPr anchor="b"/>
           <a:lstStyle/>
           <a:p>
-            <a:pPr/>
             <a:r>
               <a:t>Title Text</a:t>
             </a:r>
@@ -691,7 +718,9 @@
       <p:sp>
         <p:nvSpPr>
           <p:cNvPr id="12" name="Shape 12"/>
-          <p:cNvSpPr/>
+          <p:cNvSpPr>
+            <a:spLocks noGrp="1"/>
+          </p:cNvSpPr>
           <p:nvPr>
             <p:ph type="body" sz="quarter" idx="1"/>
           </p:nvPr>
@@ -750,7 +779,6 @@
             </a:lvl5pPr>
           </a:lstStyle>
           <a:p>
-            <a:pPr/>
             <a:r>
               <a:t>Body Level One</a:t>
             </a:r>
@@ -784,7 +812,9 @@
       <p:sp>
         <p:nvSpPr>
           <p:cNvPr id="13" name="Shape 13"/>
-          <p:cNvSpPr/>
+          <p:cNvSpPr>
+            <a:spLocks noGrp="1"/>
+          </p:cNvSpPr>
           <p:nvPr>
             <p:ph type="sldNum" sz="quarter" idx="2"/>
           </p:nvPr>
@@ -798,8 +828,10 @@
           <a:bodyPr/>
           <a:lstStyle/>
           <a:p>
-            <a:pPr/>
-            <a:fld id="{86CB4B4D-7CA3-9044-876B-883B54F8677D}" type="slidenum"/>
+            <a:fld id="{86CB4B4D-7CA3-9044-876B-883B54F8677D}" type="slidenum">
+              <a:t>‹#›</a:t>
+            </a:fld>
+            <a:endParaRPr/>
           </a:p>
         </p:txBody>
       </p:sp>
@@ -808,12 +840,12 @@
   <p:clrMapOvr>
     <a:masterClrMapping/>
   </p:clrMapOvr>
-  <p:transition xmlns:p14="http://schemas.microsoft.com/office/powerpoint/2010/main" spd="med" advClick="1"/>
+  <p:transition spd="med"/>
 </p:sldLayout>
 </file>
 
 <file path=ppt/slideLayouts/slideLayout10.xml><?xml version="1.0" encoding="utf-8"?>
-<p:sldLayout xmlns:a="http://schemas.openxmlformats.org/drawingml/2006/main" xmlns:r="http://schemas.openxmlformats.org/officeDocument/2006/relationships" xmlns:p="http://schemas.openxmlformats.org/presentationml/2006/main" type="tx" showMasterSp="1" showMasterPhAnim="1">
+<p:sldLayout xmlns:a="http://schemas.openxmlformats.org/drawingml/2006/main" xmlns:r="http://schemas.openxmlformats.org/officeDocument/2006/relationships" xmlns:p="http://schemas.openxmlformats.org/presentationml/2006/main" type="tx">
   <p:cSld name="Quote">
     <p:spTree>
       <p:nvGrpSpPr>
@@ -832,7 +864,9 @@
       <p:sp>
         <p:nvSpPr>
           <p:cNvPr id="93" name="Shape 93"/>
-          <p:cNvSpPr/>
+          <p:cNvSpPr>
+            <a:spLocks noGrp="1"/>
+          </p:cNvSpPr>
           <p:nvPr>
             <p:ph type="body" sz="quarter" idx="1"/>
           </p:nvPr>
@@ -883,7 +917,6 @@
             </a:lvl5pPr>
           </a:lstStyle>
           <a:p>
-            <a:pPr/>
             <a:r>
               <a:t>Body Level One</a:t>
             </a:r>
@@ -917,7 +950,9 @@
       <p:sp>
         <p:nvSpPr>
           <p:cNvPr id="94" name="Shape 94"/>
-          <p:cNvSpPr/>
+          <p:cNvSpPr>
+            <a:spLocks noGrp="1"/>
+          </p:cNvSpPr>
           <p:nvPr>
             <p:ph type="body" sz="quarter" idx="13"/>
           </p:nvPr>
@@ -942,13 +977,16 @@
               <a:buSzTx/>
               <a:buNone/>
             </a:pPr>
+            <a:endParaRPr/>
           </a:p>
         </p:txBody>
       </p:sp>
       <p:sp>
         <p:nvSpPr>
           <p:cNvPr id="95" name="Shape 95"/>
-          <p:cNvSpPr/>
+          <p:cNvSpPr>
+            <a:spLocks noGrp="1"/>
+          </p:cNvSpPr>
           <p:nvPr>
             <p:ph type="sldNum" sz="quarter" idx="2"/>
           </p:nvPr>
@@ -962,8 +1000,10 @@
           <a:bodyPr/>
           <a:lstStyle/>
           <a:p>
-            <a:pPr/>
-            <a:fld id="{86CB4B4D-7CA3-9044-876B-883B54F8677D}" type="slidenum"/>
+            <a:fld id="{86CB4B4D-7CA3-9044-876B-883B54F8677D}" type="slidenum">
+              <a:t>‹#›</a:t>
+            </a:fld>
+            <a:endParaRPr/>
           </a:p>
         </p:txBody>
       </p:sp>
@@ -972,12 +1012,12 @@
   <p:clrMapOvr>
     <a:masterClrMapping/>
   </p:clrMapOvr>
-  <p:transition xmlns:p14="http://schemas.microsoft.com/office/powerpoint/2010/main" spd="med" advClick="1"/>
+  <p:transition spd="med"/>
 </p:sldLayout>
 </file>
 
 <file path=ppt/slideLayouts/slideLayout11.xml><?xml version="1.0" encoding="utf-8"?>
-<p:sldLayout xmlns:a="http://schemas.openxmlformats.org/drawingml/2006/main" xmlns:r="http://schemas.openxmlformats.org/officeDocument/2006/relationships" xmlns:p="http://schemas.openxmlformats.org/presentationml/2006/main" type="tx" showMasterSp="1" showMasterPhAnim="1">
+<p:sldLayout xmlns:a="http://schemas.openxmlformats.org/drawingml/2006/main" xmlns:r="http://schemas.openxmlformats.org/officeDocument/2006/relationships" xmlns:p="http://schemas.openxmlformats.org/presentationml/2006/main" type="tx">
   <p:cSld name="Photo">
     <p:spTree>
       <p:nvGrpSpPr>
@@ -996,7 +1036,9 @@
       <p:sp>
         <p:nvSpPr>
           <p:cNvPr id="102" name="Shape 102"/>
-          <p:cNvSpPr/>
+          <p:cNvSpPr>
+            <a:spLocks noGrp="1"/>
+          </p:cNvSpPr>
           <p:nvPr>
             <p:ph type="pic" idx="13"/>
           </p:nvPr>
@@ -1016,14 +1058,16 @@
           </a:bodyPr>
           <a:lstStyle/>
           <a:p>
-            <a:pPr/>
+            <a:endParaRPr/>
           </a:p>
         </p:txBody>
       </p:sp>
       <p:sp>
         <p:nvSpPr>
           <p:cNvPr id="103" name="Shape 103"/>
-          <p:cNvSpPr/>
+          <p:cNvSpPr>
+            <a:spLocks noGrp="1"/>
+          </p:cNvSpPr>
           <p:nvPr>
             <p:ph type="sldNum" sz="quarter" idx="2"/>
           </p:nvPr>
@@ -1037,8 +1081,10 @@
           <a:bodyPr/>
           <a:lstStyle/>
           <a:p>
-            <a:pPr/>
-            <a:fld id="{86CB4B4D-7CA3-9044-876B-883B54F8677D}" type="slidenum"/>
+            <a:fld id="{86CB4B4D-7CA3-9044-876B-883B54F8677D}" type="slidenum">
+              <a:t>‹#›</a:t>
+            </a:fld>
+            <a:endParaRPr/>
           </a:p>
         </p:txBody>
       </p:sp>
@@ -1047,18 +1093,19 @@
   <p:clrMapOvr>
     <a:masterClrMapping/>
   </p:clrMapOvr>
-  <p:transition xmlns:p14="http://schemas.microsoft.com/office/powerpoint/2010/main" spd="med" advClick="1"/>
+  <p:transition spd="med"/>
 </p:sldLayout>
 </file>
 
 <file path=ppt/slideLayouts/slideLayout12.xml><?xml version="1.0" encoding="utf-8"?>
-<p:sldLayout xmlns:a="http://schemas.openxmlformats.org/drawingml/2006/main" xmlns:r="http://schemas.openxmlformats.org/officeDocument/2006/relationships" xmlns:p="http://schemas.openxmlformats.org/presentationml/2006/main" type="tx" showMasterSp="1" showMasterPhAnim="1">
+<p:sldLayout xmlns:a="http://schemas.openxmlformats.org/drawingml/2006/main" xmlns:r="http://schemas.openxmlformats.org/officeDocument/2006/relationships" xmlns:p="http://schemas.openxmlformats.org/presentationml/2006/main" type="tx">
   <p:cSld name="Blank">
     <p:bg>
       <p:bgPr>
         <a:solidFill>
           <a:srgbClr val="D6D6D6"/>
         </a:solidFill>
+        <a:effectLst/>
       </p:bgPr>
     </p:bg>
     <p:spTree>
@@ -1078,7 +1125,9 @@
       <p:sp>
         <p:nvSpPr>
           <p:cNvPr id="110" name="Shape 110"/>
-          <p:cNvSpPr/>
+          <p:cNvSpPr>
+            <a:spLocks noGrp="1"/>
+          </p:cNvSpPr>
           <p:nvPr>
             <p:ph type="sldNum" sz="quarter" idx="2"/>
           </p:nvPr>
@@ -1092,8 +1141,10 @@
           <a:bodyPr/>
           <a:lstStyle/>
           <a:p>
-            <a:pPr/>
-            <a:fld id="{86CB4B4D-7CA3-9044-876B-883B54F8677D}" type="slidenum"/>
+            <a:fld id="{86CB4B4D-7CA3-9044-876B-883B54F8677D}" type="slidenum">
+              <a:t>‹#›</a:t>
+            </a:fld>
+            <a:endParaRPr/>
           </a:p>
         </p:txBody>
       </p:sp>
@@ -1102,12 +1153,12 @@
   <p:clrMapOvr>
     <a:masterClrMapping/>
   </p:clrMapOvr>
-  <p:transition xmlns:p14="http://schemas.microsoft.com/office/powerpoint/2010/main" spd="med" advClick="1"/>
+  <p:transition spd="med"/>
 </p:sldLayout>
 </file>
 
 <file path=ppt/slideLayouts/slideLayout13.xml><?xml version="1.0" encoding="utf-8"?>
-<p:sldLayout xmlns:a="http://schemas.openxmlformats.org/drawingml/2006/main" xmlns:r="http://schemas.openxmlformats.org/officeDocument/2006/relationships" xmlns:p="http://schemas.openxmlformats.org/presentationml/2006/main" type="tx" showMasterSp="1" showMasterPhAnim="1">
+<p:sldLayout xmlns:a="http://schemas.openxmlformats.org/drawingml/2006/main" xmlns:r="http://schemas.openxmlformats.org/officeDocument/2006/relationships" xmlns:p="http://schemas.openxmlformats.org/presentationml/2006/main" type="tx">
   <p:cSld name="Title &amp; Bullets">
     <p:spTree>
       <p:nvGrpSpPr>
@@ -1126,7 +1177,9 @@
       <p:sp>
         <p:nvSpPr>
           <p:cNvPr id="117" name="Shape 117"/>
-          <p:cNvSpPr/>
+          <p:cNvSpPr>
+            <a:spLocks noGrp="1"/>
+          </p:cNvSpPr>
           <p:nvPr>
             <p:ph type="title"/>
           </p:nvPr>
@@ -1146,7 +1199,6 @@
             <a:lvl1pPr defTabSz="821530"/>
           </a:lstStyle>
           <a:p>
-            <a:pPr/>
             <a:r>
               <a:t>Title Text</a:t>
             </a:r>
@@ -1156,7 +1208,9 @@
       <p:sp>
         <p:nvSpPr>
           <p:cNvPr id="118" name="Shape 118"/>
-          <p:cNvSpPr/>
+          <p:cNvSpPr>
+            <a:spLocks noGrp="1"/>
+          </p:cNvSpPr>
           <p:nvPr>
             <p:ph type="body" idx="1"/>
           </p:nvPr>
@@ -1190,7 +1244,6 @@
             </a:lvl5pPr>
           </a:lstStyle>
           <a:p>
-            <a:pPr/>
             <a:r>
               <a:t>Body Level One</a:t>
             </a:r>
@@ -1224,7 +1277,9 @@
       <p:sp>
         <p:nvSpPr>
           <p:cNvPr id="119" name="Shape 119"/>
-          <p:cNvSpPr/>
+          <p:cNvSpPr>
+            <a:spLocks noGrp="1"/>
+          </p:cNvSpPr>
           <p:nvPr>
             <p:ph type="sldNum" sz="quarter" idx="2"/>
           </p:nvPr>
@@ -1244,8 +1299,10 @@
             <a:lvl1pPr defTabSz="821530"/>
           </a:lstStyle>
           <a:p>
-            <a:pPr/>
-            <a:fld id="{86CB4B4D-7CA3-9044-876B-883B54F8677D}" type="slidenum"/>
+            <a:fld id="{86CB4B4D-7CA3-9044-876B-883B54F8677D}" type="slidenum">
+              <a:t>‹#›</a:t>
+            </a:fld>
+            <a:endParaRPr/>
           </a:p>
         </p:txBody>
       </p:sp>
@@ -1254,12 +1311,12 @@
   <p:clrMapOvr>
     <a:masterClrMapping/>
   </p:clrMapOvr>
-  <p:transition xmlns:p14="http://schemas.microsoft.com/office/powerpoint/2010/main" spd="med" advClick="1"/>
+  <p:transition spd="med"/>
 </p:sldLayout>
 </file>
 
 <file path=ppt/slideLayouts/slideLayout14.xml><?xml version="1.0" encoding="utf-8"?>
-<p:sldLayout xmlns:a="http://schemas.openxmlformats.org/drawingml/2006/main" xmlns:r="http://schemas.openxmlformats.org/officeDocument/2006/relationships" xmlns:p="http://schemas.openxmlformats.org/presentationml/2006/main" type="tx" showMasterSp="1" showMasterPhAnim="1">
+<p:sldLayout xmlns:a="http://schemas.openxmlformats.org/drawingml/2006/main" xmlns:r="http://schemas.openxmlformats.org/officeDocument/2006/relationships" xmlns:p="http://schemas.openxmlformats.org/presentationml/2006/main" type="tx">
   <p:cSld name="Title &amp; Subtitle">
     <p:spTree>
       <p:nvGrpSpPr>
@@ -1278,7 +1335,9 @@
       <p:sp>
         <p:nvSpPr>
           <p:cNvPr id="126" name="Shape 126"/>
-          <p:cNvSpPr/>
+          <p:cNvSpPr>
+            <a:spLocks noGrp="1"/>
+          </p:cNvSpPr>
           <p:nvPr>
             <p:ph type="title"/>
           </p:nvPr>
@@ -1298,7 +1357,6 @@
             <a:lvl1pPr defTabSz="821530"/>
           </a:lstStyle>
           <a:p>
-            <a:pPr/>
             <a:r>
               <a:t>Title Text</a:t>
             </a:r>
@@ -1308,7 +1366,9 @@
       <p:sp>
         <p:nvSpPr>
           <p:cNvPr id="127" name="Shape 127"/>
-          <p:cNvSpPr/>
+          <p:cNvSpPr>
+            <a:spLocks noGrp="1"/>
+          </p:cNvSpPr>
           <p:nvPr>
             <p:ph type="body" sz="quarter" idx="1"/>
           </p:nvPr>
@@ -1367,7 +1427,6 @@
             </a:lvl5pPr>
           </a:lstStyle>
           <a:p>
-            <a:pPr/>
             <a:r>
               <a:t>Body Level One</a:t>
             </a:r>
@@ -1401,7 +1460,9 @@
       <p:sp>
         <p:nvSpPr>
           <p:cNvPr id="128" name="Shape 128"/>
-          <p:cNvSpPr/>
+          <p:cNvSpPr>
+            <a:spLocks noGrp="1"/>
+          </p:cNvSpPr>
           <p:nvPr>
             <p:ph type="sldNum" sz="quarter" idx="2"/>
           </p:nvPr>
@@ -1421,8 +1482,10 @@
             <a:lvl1pPr defTabSz="821530"/>
           </a:lstStyle>
           <a:p>
-            <a:pPr/>
-            <a:fld id="{86CB4B4D-7CA3-9044-876B-883B54F8677D}" type="slidenum"/>
+            <a:fld id="{86CB4B4D-7CA3-9044-876B-883B54F8677D}" type="slidenum">
+              <a:t>‹#›</a:t>
+            </a:fld>
+            <a:endParaRPr/>
           </a:p>
         </p:txBody>
       </p:sp>
@@ -1431,12 +1494,12 @@
   <p:clrMapOvr>
     <a:masterClrMapping/>
   </p:clrMapOvr>
-  <p:transition xmlns:p14="http://schemas.microsoft.com/office/powerpoint/2010/main" spd="med" advClick="1"/>
+  <p:transition spd="med"/>
 </p:sldLayout>
 </file>
 
 <file path=ppt/slideLayouts/slideLayout2.xml><?xml version="1.0" encoding="utf-8"?>
-<p:sldLayout xmlns:a="http://schemas.openxmlformats.org/drawingml/2006/main" xmlns:r="http://schemas.openxmlformats.org/officeDocument/2006/relationships" xmlns:p="http://schemas.openxmlformats.org/presentationml/2006/main" type="tx" showMasterSp="1" showMasterPhAnim="1">
+<p:sldLayout xmlns:a="http://schemas.openxmlformats.org/drawingml/2006/main" xmlns:r="http://schemas.openxmlformats.org/officeDocument/2006/relationships" xmlns:p="http://schemas.openxmlformats.org/presentationml/2006/main" type="tx">
   <p:cSld name="Photo - Horizontal">
     <p:spTree>
       <p:nvGrpSpPr>
@@ -1455,7 +1518,9 @@
       <p:sp>
         <p:nvSpPr>
           <p:cNvPr id="20" name="Shape 20"/>
-          <p:cNvSpPr/>
+          <p:cNvSpPr>
+            <a:spLocks noGrp="1"/>
+          </p:cNvSpPr>
           <p:nvPr>
             <p:ph type="pic" idx="13"/>
           </p:nvPr>
@@ -1475,14 +1540,16 @@
           </a:bodyPr>
           <a:lstStyle/>
           <a:p>
-            <a:pPr/>
+            <a:endParaRPr/>
           </a:p>
         </p:txBody>
       </p:sp>
       <p:sp>
         <p:nvSpPr>
           <p:cNvPr id="21" name="Shape 21"/>
-          <p:cNvSpPr/>
+          <p:cNvSpPr>
+            <a:spLocks noGrp="1"/>
+          </p:cNvSpPr>
           <p:nvPr>
             <p:ph type="title"/>
           </p:nvPr>
@@ -1500,7 +1567,6 @@
           <a:bodyPr anchor="b"/>
           <a:lstStyle/>
           <a:p>
-            <a:pPr/>
             <a:r>
               <a:t>Title Text</a:t>
             </a:r>
@@ -1510,7 +1576,9 @@
       <p:sp>
         <p:nvSpPr>
           <p:cNvPr id="22" name="Shape 22"/>
-          <p:cNvSpPr/>
+          <p:cNvSpPr>
+            <a:spLocks noGrp="1"/>
+          </p:cNvSpPr>
           <p:nvPr>
             <p:ph type="body" sz="quarter" idx="1"/>
           </p:nvPr>
@@ -1569,7 +1637,6 @@
             </a:lvl5pPr>
           </a:lstStyle>
           <a:p>
-            <a:pPr/>
             <a:r>
               <a:t>Body Level One</a:t>
             </a:r>
@@ -1603,7 +1670,9 @@
       <p:sp>
         <p:nvSpPr>
           <p:cNvPr id="23" name="Shape 23"/>
-          <p:cNvSpPr/>
+          <p:cNvSpPr>
+            <a:spLocks noGrp="1"/>
+          </p:cNvSpPr>
           <p:nvPr>
             <p:ph type="sldNum" sz="quarter" idx="2"/>
           </p:nvPr>
@@ -1617,8 +1686,10 @@
           <a:bodyPr/>
           <a:lstStyle/>
           <a:p>
-            <a:pPr/>
-            <a:fld id="{86CB4B4D-7CA3-9044-876B-883B54F8677D}" type="slidenum"/>
+            <a:fld id="{86CB4B4D-7CA3-9044-876B-883B54F8677D}" type="slidenum">
+              <a:t>‹#›</a:t>
+            </a:fld>
+            <a:endParaRPr/>
           </a:p>
         </p:txBody>
       </p:sp>
@@ -1627,12 +1698,12 @@
   <p:clrMapOvr>
     <a:masterClrMapping/>
   </p:clrMapOvr>
-  <p:transition xmlns:p14="http://schemas.microsoft.com/office/powerpoint/2010/main" spd="med" advClick="1"/>
+  <p:transition spd="med"/>
 </p:sldLayout>
 </file>
 
 <file path=ppt/slideLayouts/slideLayout3.xml><?xml version="1.0" encoding="utf-8"?>
-<p:sldLayout xmlns:a="http://schemas.openxmlformats.org/drawingml/2006/main" xmlns:r="http://schemas.openxmlformats.org/officeDocument/2006/relationships" xmlns:p="http://schemas.openxmlformats.org/presentationml/2006/main" type="tx" showMasterSp="1" showMasterPhAnim="1">
+<p:sldLayout xmlns:a="http://schemas.openxmlformats.org/drawingml/2006/main" xmlns:r="http://schemas.openxmlformats.org/officeDocument/2006/relationships" xmlns:p="http://schemas.openxmlformats.org/presentationml/2006/main" type="tx">
   <p:cSld name="Title - Center">
     <p:spTree>
       <p:nvGrpSpPr>
@@ -1651,7 +1722,9 @@
       <p:sp>
         <p:nvSpPr>
           <p:cNvPr id="30" name="Shape 30"/>
-          <p:cNvSpPr/>
+          <p:cNvSpPr>
+            <a:spLocks noGrp="1"/>
+          </p:cNvSpPr>
           <p:nvPr>
             <p:ph type="title"/>
           </p:nvPr>
@@ -1669,7 +1742,6 @@
           <a:bodyPr/>
           <a:lstStyle/>
           <a:p>
-            <a:pPr/>
             <a:r>
               <a:t>Title Text</a:t>
             </a:r>
@@ -1679,7 +1751,9 @@
       <p:sp>
         <p:nvSpPr>
           <p:cNvPr id="31" name="Shape 31"/>
-          <p:cNvSpPr/>
+          <p:cNvSpPr>
+            <a:spLocks noGrp="1"/>
+          </p:cNvSpPr>
           <p:nvPr>
             <p:ph type="sldNum" sz="quarter" idx="2"/>
           </p:nvPr>
@@ -1693,8 +1767,10 @@
           <a:bodyPr/>
           <a:lstStyle/>
           <a:p>
-            <a:pPr/>
-            <a:fld id="{86CB4B4D-7CA3-9044-876B-883B54F8677D}" type="slidenum"/>
+            <a:fld id="{86CB4B4D-7CA3-9044-876B-883B54F8677D}" type="slidenum">
+              <a:t>‹#›</a:t>
+            </a:fld>
+            <a:endParaRPr/>
           </a:p>
         </p:txBody>
       </p:sp>
@@ -1703,12 +1779,12 @@
   <p:clrMapOvr>
     <a:masterClrMapping/>
   </p:clrMapOvr>
-  <p:transition xmlns:p14="http://schemas.microsoft.com/office/powerpoint/2010/main" spd="med" advClick="1"/>
+  <p:transition spd="med"/>
 </p:sldLayout>
 </file>
 
 <file path=ppt/slideLayouts/slideLayout4.xml><?xml version="1.0" encoding="utf-8"?>
-<p:sldLayout xmlns:a="http://schemas.openxmlformats.org/drawingml/2006/main" xmlns:r="http://schemas.openxmlformats.org/officeDocument/2006/relationships" xmlns:p="http://schemas.openxmlformats.org/presentationml/2006/main" type="tx" showMasterSp="1" showMasterPhAnim="1">
+<p:sldLayout xmlns:a="http://schemas.openxmlformats.org/drawingml/2006/main" xmlns:r="http://schemas.openxmlformats.org/officeDocument/2006/relationships" xmlns:p="http://schemas.openxmlformats.org/presentationml/2006/main" type="tx">
   <p:cSld name="Photo - Vertical">
     <p:spTree>
       <p:nvGrpSpPr>
@@ -1727,7 +1803,9 @@
       <p:sp>
         <p:nvSpPr>
           <p:cNvPr id="38" name="Shape 38"/>
-          <p:cNvSpPr/>
+          <p:cNvSpPr>
+            <a:spLocks noGrp="1"/>
+          </p:cNvSpPr>
           <p:nvPr>
             <p:ph type="pic" sz="half" idx="13"/>
           </p:nvPr>
@@ -1747,14 +1825,16 @@
           </a:bodyPr>
           <a:lstStyle/>
           <a:p>
-            <a:pPr/>
+            <a:endParaRPr/>
           </a:p>
         </p:txBody>
       </p:sp>
       <p:sp>
         <p:nvSpPr>
           <p:cNvPr id="39" name="Shape 39"/>
-          <p:cNvSpPr/>
+          <p:cNvSpPr>
+            <a:spLocks noGrp="1"/>
+          </p:cNvSpPr>
           <p:nvPr>
             <p:ph type="title"/>
           </p:nvPr>
@@ -1776,7 +1856,6 @@
             </a:lvl1pPr>
           </a:lstStyle>
           <a:p>
-            <a:pPr/>
             <a:r>
               <a:t>Title Text</a:t>
             </a:r>
@@ -1786,7 +1865,9 @@
       <p:sp>
         <p:nvSpPr>
           <p:cNvPr id="40" name="Shape 40"/>
-          <p:cNvSpPr/>
+          <p:cNvSpPr>
+            <a:spLocks noGrp="1"/>
+          </p:cNvSpPr>
           <p:nvPr>
             <p:ph type="body" sz="quarter" idx="1"/>
           </p:nvPr>
@@ -1845,7 +1926,6 @@
             </a:lvl5pPr>
           </a:lstStyle>
           <a:p>
-            <a:pPr/>
             <a:r>
               <a:t>Body Level One</a:t>
             </a:r>
@@ -1879,7 +1959,9 @@
       <p:sp>
         <p:nvSpPr>
           <p:cNvPr id="41" name="Shape 41"/>
-          <p:cNvSpPr/>
+          <p:cNvSpPr>
+            <a:spLocks noGrp="1"/>
+          </p:cNvSpPr>
           <p:nvPr>
             <p:ph type="sldNum" sz="quarter" idx="2"/>
           </p:nvPr>
@@ -1893,8 +1975,10 @@
           <a:bodyPr/>
           <a:lstStyle/>
           <a:p>
-            <a:pPr/>
-            <a:fld id="{86CB4B4D-7CA3-9044-876B-883B54F8677D}" type="slidenum"/>
+            <a:fld id="{86CB4B4D-7CA3-9044-876B-883B54F8677D}" type="slidenum">
+              <a:t>‹#›</a:t>
+            </a:fld>
+            <a:endParaRPr/>
           </a:p>
         </p:txBody>
       </p:sp>
@@ -1903,12 +1987,12 @@
   <p:clrMapOvr>
     <a:masterClrMapping/>
   </p:clrMapOvr>
-  <p:transition xmlns:p14="http://schemas.microsoft.com/office/powerpoint/2010/main" spd="med" advClick="1"/>
+  <p:transition spd="med"/>
 </p:sldLayout>
 </file>
 
 <file path=ppt/slideLayouts/slideLayout5.xml><?xml version="1.0" encoding="utf-8"?>
-<p:sldLayout xmlns:a="http://schemas.openxmlformats.org/drawingml/2006/main" xmlns:r="http://schemas.openxmlformats.org/officeDocument/2006/relationships" xmlns:p="http://schemas.openxmlformats.org/presentationml/2006/main" type="tx" showMasterSp="1" showMasterPhAnim="1">
+<p:sldLayout xmlns:a="http://schemas.openxmlformats.org/drawingml/2006/main" xmlns:r="http://schemas.openxmlformats.org/officeDocument/2006/relationships" xmlns:p="http://schemas.openxmlformats.org/presentationml/2006/main" type="tx">
   <p:cSld name="Title - Top">
     <p:spTree>
       <p:nvGrpSpPr>
@@ -1927,7 +2011,9 @@
       <p:sp>
         <p:nvSpPr>
           <p:cNvPr id="48" name="Shape 48"/>
-          <p:cNvSpPr/>
+          <p:cNvSpPr>
+            <a:spLocks noGrp="1"/>
+          </p:cNvSpPr>
           <p:nvPr>
             <p:ph type="title"/>
           </p:nvPr>
@@ -1941,7 +2027,6 @@
           <a:bodyPr/>
           <a:lstStyle/>
           <a:p>
-            <a:pPr/>
             <a:r>
               <a:t>Title Text</a:t>
             </a:r>
@@ -1951,7 +2036,9 @@
       <p:sp>
         <p:nvSpPr>
           <p:cNvPr id="49" name="Shape 49"/>
-          <p:cNvSpPr/>
+          <p:cNvSpPr>
+            <a:spLocks noGrp="1"/>
+          </p:cNvSpPr>
           <p:nvPr>
             <p:ph type="sldNum" sz="quarter" idx="2"/>
           </p:nvPr>
@@ -1965,8 +2052,10 @@
           <a:bodyPr/>
           <a:lstStyle/>
           <a:p>
-            <a:pPr/>
-            <a:fld id="{86CB4B4D-7CA3-9044-876B-883B54F8677D}" type="slidenum"/>
+            <a:fld id="{86CB4B4D-7CA3-9044-876B-883B54F8677D}" type="slidenum">
+              <a:t>‹#›</a:t>
+            </a:fld>
+            <a:endParaRPr/>
           </a:p>
         </p:txBody>
       </p:sp>
@@ -1975,12 +2064,12 @@
   <p:clrMapOvr>
     <a:masterClrMapping/>
   </p:clrMapOvr>
-  <p:transition xmlns:p14="http://schemas.microsoft.com/office/powerpoint/2010/main" spd="med" advClick="1"/>
+  <p:transition spd="med"/>
 </p:sldLayout>
 </file>
 
 <file path=ppt/slideLayouts/slideLayout6.xml><?xml version="1.0" encoding="utf-8"?>
-<p:sldLayout xmlns:a="http://schemas.openxmlformats.org/drawingml/2006/main" xmlns:r="http://schemas.openxmlformats.org/officeDocument/2006/relationships" xmlns:p="http://schemas.openxmlformats.org/presentationml/2006/main" type="tx" showMasterSp="1" showMasterPhAnim="1">
+<p:sldLayout xmlns:a="http://schemas.openxmlformats.org/drawingml/2006/main" xmlns:r="http://schemas.openxmlformats.org/officeDocument/2006/relationships" xmlns:p="http://schemas.openxmlformats.org/presentationml/2006/main" type="tx">
   <p:cSld name="Title &amp; Bullets">
     <p:spTree>
       <p:nvGrpSpPr>
@@ -1999,7 +2088,9 @@
       <p:sp>
         <p:nvSpPr>
           <p:cNvPr id="56" name="Shape 56"/>
-          <p:cNvSpPr/>
+          <p:cNvSpPr>
+            <a:spLocks noGrp="1"/>
+          </p:cNvSpPr>
           <p:nvPr>
             <p:ph type="title"/>
           </p:nvPr>
@@ -2013,7 +2104,6 @@
           <a:bodyPr/>
           <a:lstStyle/>
           <a:p>
-            <a:pPr/>
             <a:r>
               <a:t>Title Text</a:t>
             </a:r>
@@ -2023,7 +2113,9 @@
       <p:sp>
         <p:nvSpPr>
           <p:cNvPr id="57" name="Shape 57"/>
-          <p:cNvSpPr/>
+          <p:cNvSpPr>
+            <a:spLocks noGrp="1"/>
+          </p:cNvSpPr>
           <p:nvPr>
             <p:ph type="body" idx="1"/>
           </p:nvPr>
@@ -2037,7 +2129,6 @@
           <a:bodyPr/>
           <a:lstStyle/>
           <a:p>
-            <a:pPr/>
             <a:r>
               <a:t>Body Level One</a:t>
             </a:r>
@@ -2071,7 +2162,9 @@
       <p:sp>
         <p:nvSpPr>
           <p:cNvPr id="58" name="Shape 58"/>
-          <p:cNvSpPr/>
+          <p:cNvSpPr>
+            <a:spLocks noGrp="1"/>
+          </p:cNvSpPr>
           <p:nvPr>
             <p:ph type="sldNum" sz="quarter" idx="2"/>
           </p:nvPr>
@@ -2085,8 +2178,10 @@
           <a:bodyPr/>
           <a:lstStyle/>
           <a:p>
-            <a:pPr/>
-            <a:fld id="{86CB4B4D-7CA3-9044-876B-883B54F8677D}" type="slidenum"/>
+            <a:fld id="{86CB4B4D-7CA3-9044-876B-883B54F8677D}" type="slidenum">
+              <a:t>‹#›</a:t>
+            </a:fld>
+            <a:endParaRPr/>
           </a:p>
         </p:txBody>
       </p:sp>
@@ -2095,12 +2190,12 @@
   <p:clrMapOvr>
     <a:masterClrMapping/>
   </p:clrMapOvr>
-  <p:transition xmlns:p14="http://schemas.microsoft.com/office/powerpoint/2010/main" spd="med" advClick="1"/>
+  <p:transition spd="med"/>
 </p:sldLayout>
 </file>
 
 <file path=ppt/slideLayouts/slideLayout7.xml><?xml version="1.0" encoding="utf-8"?>
-<p:sldLayout xmlns:a="http://schemas.openxmlformats.org/drawingml/2006/main" xmlns:r="http://schemas.openxmlformats.org/officeDocument/2006/relationships" xmlns:p="http://schemas.openxmlformats.org/presentationml/2006/main" type="tx" showMasterSp="1" showMasterPhAnim="1">
+<p:sldLayout xmlns:a="http://schemas.openxmlformats.org/drawingml/2006/main" xmlns:r="http://schemas.openxmlformats.org/officeDocument/2006/relationships" xmlns:p="http://schemas.openxmlformats.org/presentationml/2006/main" type="tx">
   <p:cSld name="Title, Bullets &amp; Photo">
     <p:spTree>
       <p:nvGrpSpPr>
@@ -2119,7 +2214,9 @@
       <p:sp>
         <p:nvSpPr>
           <p:cNvPr id="65" name="Shape 65"/>
-          <p:cNvSpPr/>
+          <p:cNvSpPr>
+            <a:spLocks noGrp="1"/>
+          </p:cNvSpPr>
           <p:nvPr>
             <p:ph type="pic" sz="half" idx="13"/>
           </p:nvPr>
@@ -2139,14 +2236,16 @@
           </a:bodyPr>
           <a:lstStyle/>
           <a:p>
-            <a:pPr/>
+            <a:endParaRPr/>
           </a:p>
         </p:txBody>
       </p:sp>
       <p:sp>
         <p:nvSpPr>
           <p:cNvPr id="66" name="Shape 66"/>
-          <p:cNvSpPr/>
+          <p:cNvSpPr>
+            <a:spLocks noGrp="1"/>
+          </p:cNvSpPr>
           <p:nvPr>
             <p:ph type="title"/>
           </p:nvPr>
@@ -2160,7 +2259,6 @@
           <a:bodyPr/>
           <a:lstStyle/>
           <a:p>
-            <a:pPr/>
             <a:r>
               <a:t>Title Text</a:t>
             </a:r>
@@ -2170,7 +2268,9 @@
       <p:sp>
         <p:nvSpPr>
           <p:cNvPr id="67" name="Shape 67"/>
-          <p:cNvSpPr/>
+          <p:cNvSpPr>
+            <a:spLocks noGrp="1"/>
+          </p:cNvSpPr>
           <p:nvPr>
             <p:ph type="body" sz="half" idx="1"/>
           </p:nvPr>
@@ -2219,7 +2319,6 @@
             </a:lvl5pPr>
           </a:lstStyle>
           <a:p>
-            <a:pPr/>
             <a:r>
               <a:t>Body Level One</a:t>
             </a:r>
@@ -2253,7 +2352,9 @@
       <p:sp>
         <p:nvSpPr>
           <p:cNvPr id="68" name="Shape 68"/>
-          <p:cNvSpPr/>
+          <p:cNvSpPr>
+            <a:spLocks noGrp="1"/>
+          </p:cNvSpPr>
           <p:nvPr>
             <p:ph type="sldNum" sz="quarter" idx="2"/>
           </p:nvPr>
@@ -2267,8 +2368,10 @@
           <a:bodyPr/>
           <a:lstStyle/>
           <a:p>
-            <a:pPr/>
-            <a:fld id="{86CB4B4D-7CA3-9044-876B-883B54F8677D}" type="slidenum"/>
+            <a:fld id="{86CB4B4D-7CA3-9044-876B-883B54F8677D}" type="slidenum">
+              <a:t>‹#›</a:t>
+            </a:fld>
+            <a:endParaRPr/>
           </a:p>
         </p:txBody>
       </p:sp>
@@ -2277,12 +2380,12 @@
   <p:clrMapOvr>
     <a:masterClrMapping/>
   </p:clrMapOvr>
-  <p:transition xmlns:p14="http://schemas.microsoft.com/office/powerpoint/2010/main" spd="med" advClick="1"/>
+  <p:transition spd="med"/>
 </p:sldLayout>
 </file>
 
 <file path=ppt/slideLayouts/slideLayout8.xml><?xml version="1.0" encoding="utf-8"?>
-<p:sldLayout xmlns:a="http://schemas.openxmlformats.org/drawingml/2006/main" xmlns:r="http://schemas.openxmlformats.org/officeDocument/2006/relationships" xmlns:p="http://schemas.openxmlformats.org/presentationml/2006/main" type="tx" showMasterSp="1" showMasterPhAnim="1">
+<p:sldLayout xmlns:a="http://schemas.openxmlformats.org/drawingml/2006/main" xmlns:r="http://schemas.openxmlformats.org/officeDocument/2006/relationships" xmlns:p="http://schemas.openxmlformats.org/presentationml/2006/main" type="tx">
   <p:cSld name="Bullets">
     <p:spTree>
       <p:nvGrpSpPr>
@@ -2301,7 +2404,9 @@
       <p:sp>
         <p:nvSpPr>
           <p:cNvPr id="75" name="Shape 75"/>
-          <p:cNvSpPr/>
+          <p:cNvSpPr>
+            <a:spLocks noGrp="1"/>
+          </p:cNvSpPr>
           <p:nvPr>
             <p:ph type="body" idx="1"/>
           </p:nvPr>
@@ -2319,7 +2424,6 @@
           <a:bodyPr/>
           <a:lstStyle/>
           <a:p>
-            <a:pPr/>
             <a:r>
               <a:t>Body Level One</a:t>
             </a:r>
@@ -2353,7 +2457,9 @@
       <p:sp>
         <p:nvSpPr>
           <p:cNvPr id="76" name="Shape 76"/>
-          <p:cNvSpPr/>
+          <p:cNvSpPr>
+            <a:spLocks noGrp="1"/>
+          </p:cNvSpPr>
           <p:nvPr>
             <p:ph type="sldNum" sz="quarter" idx="2"/>
           </p:nvPr>
@@ -2367,8 +2473,10 @@
           <a:bodyPr/>
           <a:lstStyle/>
           <a:p>
-            <a:pPr/>
-            <a:fld id="{86CB4B4D-7CA3-9044-876B-883B54F8677D}" type="slidenum"/>
+            <a:fld id="{86CB4B4D-7CA3-9044-876B-883B54F8677D}" type="slidenum">
+              <a:t>‹#›</a:t>
+            </a:fld>
+            <a:endParaRPr/>
           </a:p>
         </p:txBody>
       </p:sp>
@@ -2377,12 +2485,12 @@
   <p:clrMapOvr>
     <a:masterClrMapping/>
   </p:clrMapOvr>
-  <p:transition xmlns:p14="http://schemas.microsoft.com/office/powerpoint/2010/main" spd="med" advClick="1"/>
+  <p:transition spd="med"/>
 </p:sldLayout>
 </file>
 
 <file path=ppt/slideLayouts/slideLayout9.xml><?xml version="1.0" encoding="utf-8"?>
-<p:sldLayout xmlns:a="http://schemas.openxmlformats.org/drawingml/2006/main" xmlns:r="http://schemas.openxmlformats.org/officeDocument/2006/relationships" xmlns:p="http://schemas.openxmlformats.org/presentationml/2006/main" type="tx" showMasterSp="1" showMasterPhAnim="1">
+<p:sldLayout xmlns:a="http://schemas.openxmlformats.org/drawingml/2006/main" xmlns:r="http://schemas.openxmlformats.org/officeDocument/2006/relationships" xmlns:p="http://schemas.openxmlformats.org/presentationml/2006/main" type="tx">
   <p:cSld name="Photo - 3 Up">
     <p:spTree>
       <p:nvGrpSpPr>
@@ -2401,7 +2509,9 @@
       <p:sp>
         <p:nvSpPr>
           <p:cNvPr id="83" name="Shape 83"/>
-          <p:cNvSpPr/>
+          <p:cNvSpPr>
+            <a:spLocks noGrp="1"/>
+          </p:cNvSpPr>
           <p:nvPr>
             <p:ph type="pic" sz="quarter" idx="13"/>
           </p:nvPr>
@@ -2421,14 +2531,16 @@
           </a:bodyPr>
           <a:lstStyle/>
           <a:p>
-            <a:pPr/>
+            <a:endParaRPr/>
           </a:p>
         </p:txBody>
       </p:sp>
       <p:sp>
         <p:nvSpPr>
           <p:cNvPr id="84" name="Shape 84"/>
-          <p:cNvSpPr/>
+          <p:cNvSpPr>
+            <a:spLocks noGrp="1"/>
+          </p:cNvSpPr>
           <p:nvPr>
             <p:ph type="pic" sz="quarter" idx="14"/>
           </p:nvPr>
@@ -2448,14 +2560,16 @@
           </a:bodyPr>
           <a:lstStyle/>
           <a:p>
-            <a:pPr/>
+            <a:endParaRPr/>
           </a:p>
         </p:txBody>
       </p:sp>
       <p:sp>
         <p:nvSpPr>
           <p:cNvPr id="85" name="Shape 85"/>
-          <p:cNvSpPr/>
+          <p:cNvSpPr>
+            <a:spLocks noGrp="1"/>
+          </p:cNvSpPr>
           <p:nvPr>
             <p:ph type="pic" idx="15"/>
           </p:nvPr>
@@ -2475,14 +2589,16 @@
           </a:bodyPr>
           <a:lstStyle/>
           <a:p>
-            <a:pPr/>
+            <a:endParaRPr/>
           </a:p>
         </p:txBody>
       </p:sp>
       <p:sp>
         <p:nvSpPr>
           <p:cNvPr id="86" name="Shape 86"/>
-          <p:cNvSpPr/>
+          <p:cNvSpPr>
+            <a:spLocks noGrp="1"/>
+          </p:cNvSpPr>
           <p:nvPr>
             <p:ph type="sldNum" sz="quarter" idx="2"/>
           </p:nvPr>
@@ -2496,8 +2612,10 @@
           <a:bodyPr/>
           <a:lstStyle/>
           <a:p>
-            <a:pPr/>
-            <a:fld id="{86CB4B4D-7CA3-9044-876B-883B54F8677D}" type="slidenum"/>
+            <a:fld id="{86CB4B4D-7CA3-9044-876B-883B54F8677D}" type="slidenum">
+              <a:t>‹#›</a:t>
+            </a:fld>
+            <a:endParaRPr/>
           </a:p>
         </p:txBody>
       </p:sp>
@@ -2506,7 +2624,7 @@
   <p:clrMapOvr>
     <a:masterClrMapping/>
   </p:clrMapOvr>
-  <p:transition xmlns:p14="http://schemas.microsoft.com/office/powerpoint/2010/main" spd="med" advClick="1"/>
+  <p:transition spd="med"/>
 </p:sldLayout>
 </file>
 
@@ -2518,6 +2636,7 @@
         <a:solidFill>
           <a:srgbClr val="FFFFFF"/>
         </a:solidFill>
+        <a:effectLst/>
       </p:bgPr>
     </p:bg>
     <p:spTree>
@@ -2537,7 +2656,9 @@
       <p:sp>
         <p:nvSpPr>
           <p:cNvPr id="2" name="Shape 2"/>
-          <p:cNvSpPr/>
+          <p:cNvSpPr>
+            <a:spLocks noGrp="1"/>
+          </p:cNvSpPr>
           <p:nvPr>
             <p:ph type="title"/>
           </p:nvPr>
@@ -2561,11 +2682,10 @@
         </p:spPr>
         <p:txBody>
           <a:bodyPr lIns="50800" tIns="50800" rIns="50800" bIns="50800" anchor="ctr">
-            <a:normAutofit fontScale="100000" lnSpcReduction="0"/>
+            <a:normAutofit/>
           </a:bodyPr>
           <a:lstStyle/>
           <a:p>
-            <a:pPr/>
             <a:r>
               <a:t>Title Text</a:t>
             </a:r>
@@ -2575,7 +2695,9 @@
       <p:sp>
         <p:nvSpPr>
           <p:cNvPr id="3" name="Shape 3"/>
-          <p:cNvSpPr/>
+          <p:cNvSpPr>
+            <a:spLocks noGrp="1"/>
+          </p:cNvSpPr>
           <p:nvPr>
             <p:ph type="body" idx="1"/>
           </p:nvPr>
@@ -2599,11 +2721,10 @@
         </p:spPr>
         <p:txBody>
           <a:bodyPr lIns="50800" tIns="50800" rIns="50800" bIns="50800" anchor="ctr">
-            <a:normAutofit fontScale="100000" lnSpcReduction="0"/>
+            <a:normAutofit/>
           </a:bodyPr>
           <a:lstStyle/>
           <a:p>
-            <a:pPr/>
             <a:r>
               <a:t>Body Level One</a:t>
             </a:r>
@@ -2637,7 +2758,9 @@
       <p:sp>
         <p:nvSpPr>
           <p:cNvPr id="4" name="Shape 4"/>
-          <p:cNvSpPr/>
+          <p:cNvSpPr>
+            <a:spLocks noGrp="1"/>
+          </p:cNvSpPr>
           <p:nvPr>
             <p:ph type="sldNum" sz="quarter" idx="2"/>
           </p:nvPr>
@@ -2664,8 +2787,10 @@
             </a:lvl1pPr>
           </a:lstStyle>
           <a:p>
-            <a:pPr/>
-            <a:fld id="{86CB4B4D-7CA3-9044-876B-883B54F8677D}" type="slidenum"/>
+            <a:fld id="{86CB4B4D-7CA3-9044-876B-883B54F8677D}" type="slidenum">
+              <a:t>‹#›</a:t>
+            </a:fld>
+            <a:endParaRPr/>
           </a:p>
         </p:txBody>
       </p:sp>
@@ -2673,22 +2798,22 @@
   </p:cSld>
   <p:clrMap bg1="lt1" tx1="dk1" bg2="lt2" tx2="dk2" accent1="accent1" accent2="accent2" accent3="accent3" accent4="accent4" accent5="accent5" accent6="accent6" hlink="hlink" folHlink="folHlink"/>
   <p:sldLayoutIdLst>
-    <p:sldLayoutId id="2147483649" r:id="rId2"/>
-    <p:sldLayoutId id="2147483650" r:id="rId3"/>
-    <p:sldLayoutId id="2147483651" r:id="rId4"/>
-    <p:sldLayoutId id="2147483652" r:id="rId5"/>
-    <p:sldLayoutId id="2147483653" r:id="rId6"/>
-    <p:sldLayoutId id="2147483654" r:id="rId7"/>
-    <p:sldLayoutId id="2147483655" r:id="rId8"/>
-    <p:sldLayoutId id="2147483656" r:id="rId9"/>
-    <p:sldLayoutId id="2147483657" r:id="rId10"/>
-    <p:sldLayoutId id="2147483658" r:id="rId11"/>
-    <p:sldLayoutId id="2147483659" r:id="rId12"/>
-    <p:sldLayoutId id="2147483660" r:id="rId13"/>
-    <p:sldLayoutId id="2147483661" r:id="rId14"/>
-    <p:sldLayoutId id="2147483662" r:id="rId15"/>
+    <p:sldLayoutId id="2147483649" r:id="rId1"/>
+    <p:sldLayoutId id="2147483650" r:id="rId2"/>
+    <p:sldLayoutId id="2147483651" r:id="rId3"/>
+    <p:sldLayoutId id="2147483652" r:id="rId4"/>
+    <p:sldLayoutId id="2147483653" r:id="rId5"/>
+    <p:sldLayoutId id="2147483654" r:id="rId6"/>
+    <p:sldLayoutId id="2147483655" r:id="rId7"/>
+    <p:sldLayoutId id="2147483656" r:id="rId8"/>
+    <p:sldLayoutId id="2147483657" r:id="rId9"/>
+    <p:sldLayoutId id="2147483658" r:id="rId10"/>
+    <p:sldLayoutId id="2147483659" r:id="rId11"/>
+    <p:sldLayoutId id="2147483660" r:id="rId12"/>
+    <p:sldLayoutId id="2147483661" r:id="rId13"/>
+    <p:sldLayoutId id="2147483662" r:id="rId14"/>
   </p:sldLayoutIdLst>
-  <p:transition xmlns:p14="http://schemas.microsoft.com/office/powerpoint/2010/main" spd="med" advClick="1"/>
+  <p:transition spd="med"/>
   <p:txStyles>
     <p:titleStyle>
       <a:lvl1pPr marL="0" marR="0" indent="0" algn="ctr" defTabSz="825500" rtl="0" latinLnBrk="0">
@@ -2706,7 +2831,7 @@
         <a:buFontTx/>
         <a:buNone/>
         <a:tabLst/>
-        <a:defRPr b="0" baseline="0" cap="none" i="0" spc="0" strike="noStrike" sz="11200" u="none">
+        <a:defRPr sz="11200" b="0" i="0" u="none" strike="noStrike" cap="none" spc="0" baseline="0">
           <a:ln>
             <a:noFill/>
           </a:ln>
@@ -2735,7 +2860,7 @@
         <a:buFontTx/>
         <a:buNone/>
         <a:tabLst/>
-        <a:defRPr b="0" baseline="0" cap="none" i="0" spc="0" strike="noStrike" sz="11200" u="none">
+        <a:defRPr sz="11200" b="0" i="0" u="none" strike="noStrike" cap="none" spc="0" baseline="0">
           <a:ln>
             <a:noFill/>
           </a:ln>
@@ -2764,7 +2889,7 @@
         <a:buFontTx/>
         <a:buNone/>
         <a:tabLst/>
-        <a:defRPr b="0" baseline="0" cap="none" i="0" spc="0" strike="noStrike" sz="11200" u="none">
+        <a:defRPr sz="11200" b="0" i="0" u="none" strike="noStrike" cap="none" spc="0" baseline="0">
           <a:ln>
             <a:noFill/>
           </a:ln>
@@ -2793,7 +2918,7 @@
         <a:buFontTx/>
         <a:buNone/>
         <a:tabLst/>
-        <a:defRPr b="0" baseline="0" cap="none" i="0" spc="0" strike="noStrike" sz="11200" u="none">
+        <a:defRPr sz="11200" b="0" i="0" u="none" strike="noStrike" cap="none" spc="0" baseline="0">
           <a:ln>
             <a:noFill/>
           </a:ln>
@@ -2822,7 +2947,7 @@
         <a:buFontTx/>
         <a:buNone/>
         <a:tabLst/>
-        <a:defRPr b="0" baseline="0" cap="none" i="0" spc="0" strike="noStrike" sz="11200" u="none">
+        <a:defRPr sz="11200" b="0" i="0" u="none" strike="noStrike" cap="none" spc="0" baseline="0">
           <a:ln>
             <a:noFill/>
           </a:ln>
@@ -2851,7 +2976,7 @@
         <a:buFontTx/>
         <a:buNone/>
         <a:tabLst/>
-        <a:defRPr b="0" baseline="0" cap="none" i="0" spc="0" strike="noStrike" sz="11200" u="none">
+        <a:defRPr sz="11200" b="0" i="0" u="none" strike="noStrike" cap="none" spc="0" baseline="0">
           <a:ln>
             <a:noFill/>
           </a:ln>
@@ -2880,7 +3005,7 @@
         <a:buFontTx/>
         <a:buNone/>
         <a:tabLst/>
-        <a:defRPr b="0" baseline="0" cap="none" i="0" spc="0" strike="noStrike" sz="11200" u="none">
+        <a:defRPr sz="11200" b="0" i="0" u="none" strike="noStrike" cap="none" spc="0" baseline="0">
           <a:ln>
             <a:noFill/>
           </a:ln>
@@ -2909,7 +3034,7 @@
         <a:buFontTx/>
         <a:buNone/>
         <a:tabLst/>
-        <a:defRPr b="0" baseline="0" cap="none" i="0" spc="0" strike="noStrike" sz="11200" u="none">
+        <a:defRPr sz="11200" b="0" i="0" u="none" strike="noStrike" cap="none" spc="0" baseline="0">
           <a:ln>
             <a:noFill/>
           </a:ln>
@@ -2938,7 +3063,7 @@
         <a:buFontTx/>
         <a:buNone/>
         <a:tabLst/>
-        <a:defRPr b="0" baseline="0" cap="none" i="0" spc="0" strike="noStrike" sz="11200" u="none">
+        <a:defRPr sz="11200" b="0" i="0" u="none" strike="noStrike" cap="none" spc="0" baseline="0">
           <a:ln>
             <a:noFill/>
           </a:ln>
@@ -2969,7 +3094,7 @@
         <a:buFontTx/>
         <a:buChar char="•"/>
         <a:tabLst/>
-        <a:defRPr b="0" baseline="0" cap="none" i="0" spc="0" strike="noStrike" sz="5200" u="none">
+        <a:defRPr sz="5200" b="0" i="0" u="none" strike="noStrike" cap="none" spc="0" baseline="0">
           <a:ln>
             <a:noFill/>
           </a:ln>
@@ -2998,7 +3123,7 @@
         <a:buFontTx/>
         <a:buChar char="•"/>
         <a:tabLst/>
-        <a:defRPr b="0" baseline="0" cap="none" i="0" spc="0" strike="noStrike" sz="5200" u="none">
+        <a:defRPr sz="5200" b="0" i="0" u="none" strike="noStrike" cap="none" spc="0" baseline="0">
           <a:ln>
             <a:noFill/>
           </a:ln>
@@ -3027,7 +3152,7 @@
         <a:buFontTx/>
         <a:buChar char="•"/>
         <a:tabLst/>
-        <a:defRPr b="0" baseline="0" cap="none" i="0" spc="0" strike="noStrike" sz="5200" u="none">
+        <a:defRPr sz="5200" b="0" i="0" u="none" strike="noStrike" cap="none" spc="0" baseline="0">
           <a:ln>
             <a:noFill/>
           </a:ln>
@@ -3056,7 +3181,7 @@
         <a:buFontTx/>
         <a:buChar char="•"/>
         <a:tabLst/>
-        <a:defRPr b="0" baseline="0" cap="none" i="0" spc="0" strike="noStrike" sz="5200" u="none">
+        <a:defRPr sz="5200" b="0" i="0" u="none" strike="noStrike" cap="none" spc="0" baseline="0">
           <a:ln>
             <a:noFill/>
           </a:ln>
@@ -3085,7 +3210,7 @@
         <a:buFontTx/>
         <a:buChar char="•"/>
         <a:tabLst/>
-        <a:defRPr b="0" baseline="0" cap="none" i="0" spc="0" strike="noStrike" sz="5200" u="none">
+        <a:defRPr sz="5200" b="0" i="0" u="none" strike="noStrike" cap="none" spc="0" baseline="0">
           <a:ln>
             <a:noFill/>
           </a:ln>
@@ -3114,7 +3239,7 @@
         <a:buFontTx/>
         <a:buChar char="•"/>
         <a:tabLst/>
-        <a:defRPr b="0" baseline="0" cap="none" i="0" spc="0" strike="noStrike" sz="5200" u="none">
+        <a:defRPr sz="5200" b="0" i="0" u="none" strike="noStrike" cap="none" spc="0" baseline="0">
           <a:ln>
             <a:noFill/>
           </a:ln>
@@ -3143,7 +3268,7 @@
         <a:buFontTx/>
         <a:buChar char="•"/>
         <a:tabLst/>
-        <a:defRPr b="0" baseline="0" cap="none" i="0" spc="0" strike="noStrike" sz="5200" u="none">
+        <a:defRPr sz="5200" b="0" i="0" u="none" strike="noStrike" cap="none" spc="0" baseline="0">
           <a:ln>
             <a:noFill/>
           </a:ln>
@@ -3172,7 +3297,7 @@
         <a:buFontTx/>
         <a:buChar char="•"/>
         <a:tabLst/>
-        <a:defRPr b="0" baseline="0" cap="none" i="0" spc="0" strike="noStrike" sz="5200" u="none">
+        <a:defRPr sz="5200" b="0" i="0" u="none" strike="noStrike" cap="none" spc="0" baseline="0">
           <a:ln>
             <a:noFill/>
           </a:ln>
@@ -3201,7 +3326,7 @@
         <a:buFontTx/>
         <a:buChar char="•"/>
         <a:tabLst/>
-        <a:defRPr b="0" baseline="0" cap="none" i="0" spc="0" strike="noStrike" sz="5200" u="none">
+        <a:defRPr sz="5200" b="0" i="0" u="none" strike="noStrike" cap="none" spc="0" baseline="0">
           <a:ln>
             <a:noFill/>
           </a:ln>
@@ -3232,7 +3357,7 @@
         <a:buFontTx/>
         <a:buNone/>
         <a:tabLst/>
-        <a:defRPr b="0" baseline="0" cap="none" i="0" spc="0" strike="noStrike" sz="2400" u="none">
+        <a:defRPr sz="2400" b="0" i="0" u="none" strike="noStrike" cap="none" spc="0" baseline="0">
           <a:ln>
             <a:noFill/>
           </a:ln>
@@ -3261,7 +3386,7 @@
         <a:buFontTx/>
         <a:buNone/>
         <a:tabLst/>
-        <a:defRPr b="0" baseline="0" cap="none" i="0" spc="0" strike="noStrike" sz="2400" u="none">
+        <a:defRPr sz="2400" b="0" i="0" u="none" strike="noStrike" cap="none" spc="0" baseline="0">
           <a:ln>
             <a:noFill/>
           </a:ln>
@@ -3290,7 +3415,7 @@
         <a:buFontTx/>
         <a:buNone/>
         <a:tabLst/>
-        <a:defRPr b="0" baseline="0" cap="none" i="0" spc="0" strike="noStrike" sz="2400" u="none">
+        <a:defRPr sz="2400" b="0" i="0" u="none" strike="noStrike" cap="none" spc="0" baseline="0">
           <a:ln>
             <a:noFill/>
           </a:ln>
@@ -3319,7 +3444,7 @@
         <a:buFontTx/>
         <a:buNone/>
         <a:tabLst/>
-        <a:defRPr b="0" baseline="0" cap="none" i="0" spc="0" strike="noStrike" sz="2400" u="none">
+        <a:defRPr sz="2400" b="0" i="0" u="none" strike="noStrike" cap="none" spc="0" baseline="0">
           <a:ln>
             <a:noFill/>
           </a:ln>
@@ -3348,7 +3473,7 @@
         <a:buFontTx/>
         <a:buNone/>
         <a:tabLst/>
-        <a:defRPr b="0" baseline="0" cap="none" i="0" spc="0" strike="noStrike" sz="2400" u="none">
+        <a:defRPr sz="2400" b="0" i="0" u="none" strike="noStrike" cap="none" spc="0" baseline="0">
           <a:ln>
             <a:noFill/>
           </a:ln>
@@ -3377,7 +3502,7 @@
         <a:buFontTx/>
         <a:buNone/>
         <a:tabLst/>
-        <a:defRPr b="0" baseline="0" cap="none" i="0" spc="0" strike="noStrike" sz="2400" u="none">
+        <a:defRPr sz="2400" b="0" i="0" u="none" strike="noStrike" cap="none" spc="0" baseline="0">
           <a:ln>
             <a:noFill/>
           </a:ln>
@@ -3406,7 +3531,7 @@
         <a:buFontTx/>
         <a:buNone/>
         <a:tabLst/>
-        <a:defRPr b="0" baseline="0" cap="none" i="0" spc="0" strike="noStrike" sz="2400" u="none">
+        <a:defRPr sz="2400" b="0" i="0" u="none" strike="noStrike" cap="none" spc="0" baseline="0">
           <a:ln>
             <a:noFill/>
           </a:ln>
@@ -3435,7 +3560,7 @@
         <a:buFontTx/>
         <a:buNone/>
         <a:tabLst/>
-        <a:defRPr b="0" baseline="0" cap="none" i="0" spc="0" strike="noStrike" sz="2400" u="none">
+        <a:defRPr sz="2400" b="0" i="0" u="none" strike="noStrike" cap="none" spc="0" baseline="0">
           <a:ln>
             <a:noFill/>
           </a:ln>
@@ -3464,7 +3589,7 @@
         <a:buFontTx/>
         <a:buNone/>
         <a:tabLst/>
-        <a:defRPr b="0" baseline="0" cap="none" i="0" spc="0" strike="noStrike" sz="2400" u="none">
+        <a:defRPr sz="2400" b="0" i="0" u="none" strike="noStrike" cap="none" spc="0" baseline="0">
           <a:ln>
             <a:noFill/>
           </a:ln>
@@ -3484,7 +3609,7 @@
 </file>
 
 <file path=ppt/slides/slide1.xml><?xml version="1.0" encoding="utf-8"?>
-<p:sld xmlns:a="http://schemas.openxmlformats.org/drawingml/2006/main" xmlns:r="http://schemas.openxmlformats.org/officeDocument/2006/relationships" xmlns:p="http://schemas.openxmlformats.org/presentationml/2006/main" showMasterSp="1" showMasterPhAnim="1">
+<p:sld xmlns:a="http://schemas.openxmlformats.org/drawingml/2006/main" xmlns:r="http://schemas.openxmlformats.org/officeDocument/2006/relationships" xmlns:p="http://schemas.openxmlformats.org/presentationml/2006/main">
   <p:cSld>
     <p:spTree>
       <p:nvGrpSpPr>
@@ -3555,7 +3680,6 @@
               </a:lvl1pPr>
             </a:lstStyle>
             <a:p>
-              <a:pPr/>
               <a:r>
                 <a:t>Aware</a:t>
               </a:r>
@@ -3603,7 +3727,6 @@
               </a:lvl1pPr>
             </a:lstStyle>
             <a:p>
-              <a:pPr/>
               <a:r>
                 <a:t>the smarter employee survey</a:t>
               </a:r>
@@ -3645,20 +3768,20 @@
   <p:clrMapOvr>
     <a:masterClrMapping/>
   </p:clrMapOvr>
-  <p:transition xmlns:p14="http://schemas.microsoft.com/office/powerpoint/2010/main" spd="med" advClick="1"/>
+  <p:transition spd="med"/>
   <p:timing>
     <p:tnLst>
       <p:par>
-        <p:cTn id="1" nodeType="tmRoot" restart="never" dur="indefinite" fill="hold">
+        <p:cTn id="1" dur="indefinite" restart="never" fill="hold" nodeType="tmRoot">
           <p:childTnLst>
             <p:seq concurrent="1" prevAc="none" nextAc="seek">
-              <p:cTn id="2" nodeType="mainSeq" dur="indefinite" fill="hold">
+              <p:cTn id="2" dur="indefinite" fill="hold" nodeType="mainSeq">
                 <p:childTnLst>
                   <p:par>
                     <p:cTn id="3" fill="hold">
                       <p:stCondLst>
                         <p:cond delay="indefinite"/>
-                        <p:cond evt="onBegin">
+                        <p:cond evt="onBegin" delay="0">
                           <p:tn val="2"/>
                         </p:cond>
                       </p:stCondLst>
@@ -3670,11 +3793,11 @@
                             </p:stCondLst>
                             <p:childTnLst>
                               <p:par>
-                                <p:cTn id="5" presetClass="entr" nodeType="afterEffect" presetSubtype="8" presetID="22" grpId="1" fill="hold">
+                                <p:cTn id="5" presetID="22" presetClass="entr" presetSubtype="8" fill="hold" grpId="1" nodeType="afterEffect">
                                   <p:stCondLst>
                                     <p:cond delay="0"/>
                                   </p:stCondLst>
-                                  <p:iterate type="el" backwards="0">
+                                  <p:iterate>
                                     <p:tmAbs val="0"/>
                                   </p:iterate>
                                   <p:childTnLst>
@@ -3692,7 +3815,7 @@
                                         <p:strVal val="visible"/>
                                       </p:to>
                                     </p:set>
-                                    <p:animEffect filter="wipe(left)" transition="in">
+                                    <p:animEffect transition="in" filter="wipe(left)">
                                       <p:cBhvr>
                                         <p:cTn id="7" dur="1000"/>
                                         <p:tgtEl>
@@ -3712,14 +3835,14 @@
                 </p:childTnLst>
               </p:cTn>
               <p:prevCondLst>
-                <p:cond evt="onPrev">
+                <p:cond evt="onPrev" delay="0">
                   <p:tgtEl>
                     <p:sldTgt/>
                   </p:tgtEl>
                 </p:cond>
               </p:prevCondLst>
               <p:nextCondLst>
-                <p:cond evt="onNext">
+                <p:cond evt="onNext" delay="0">
                   <p:tgtEl>
                     <p:sldTgt/>
                   </p:tgtEl>
@@ -3731,14 +3854,14 @@
       </p:par>
     </p:tnLst>
     <p:bldLst>
-      <p:bldP build="whole" bldLvl="1" animBg="1" rev="0" advAuto="0" spid="140" grpId="1"/>
+      <p:bldP spid="140" grpId="1" animBg="1" advAuto="0"/>
     </p:bldLst>
   </p:timing>
 </p:sld>
 </file>
 
 <file path=ppt/slides/slide10.xml><?xml version="1.0" encoding="utf-8"?>
-<p:sld xmlns:a="http://schemas.openxmlformats.org/drawingml/2006/main" xmlns:r="http://schemas.openxmlformats.org/officeDocument/2006/relationships" xmlns:p="http://schemas.openxmlformats.org/presentationml/2006/main" showMasterSp="1" showMasterPhAnim="1">
+<p:sld xmlns:a="http://schemas.openxmlformats.org/drawingml/2006/main" xmlns:r="http://schemas.openxmlformats.org/officeDocument/2006/relationships" xmlns:p="http://schemas.openxmlformats.org/presentationml/2006/main">
   <p:cSld>
     <p:spTree>
       <p:nvGrpSpPr>
@@ -3756,59 +3879,14 @@
       </p:grpSpPr>
       <p:sp>
         <p:nvSpPr>
-          <p:cNvPr id="557" name="Shape 557"/>
-          <p:cNvSpPr/>
-          <p:nvPr/>
-        </p:nvSpPr>
-        <p:spPr>
-          <a:xfrm>
-            <a:off x="3700574" y="2851151"/>
-            <a:ext cx="5302821" cy="863601"/>
-          </a:xfrm>
-          <a:prstGeom prst="rect">
-            <a:avLst/>
-          </a:prstGeom>
-          <a:ln w="12700">
-            <a:miter lim="400000"/>
-          </a:ln>
-          <a:extLst>
-            <a:ext uri="{C572A759-6A51-4108-AA02-DFA0A04FC94B}">
-              <ma14:wrappingTextBoxFlag xmlns:ma14="http://schemas.microsoft.com/office/mac/drawingml/2011/main" val="1"/>
-            </a:ext>
-          </a:extLst>
-        </p:spPr>
-        <p:txBody>
-          <a:bodyPr wrap="none" lIns="50800" tIns="50800" rIns="50800" bIns="50800" anchor="ctr">
-            <a:spAutoFit/>
-          </a:bodyPr>
-          <a:lstStyle>
-            <a:lvl1pPr>
-              <a:defRPr>
-                <a:latin typeface="+mj-lt"/>
-                <a:ea typeface="+mj-ea"/>
-                <a:cs typeface="+mj-cs"/>
-                <a:sym typeface="Helvetica"/>
-              </a:defRPr>
-            </a:lvl1pPr>
-          </a:lstStyle>
-          <a:p>
-            <a:pPr/>
-            <a:r>
-              <a:t>Sample Questions</a:t>
-            </a:r>
-          </a:p>
-        </p:txBody>
-      </p:sp>
-      <p:sp>
-        <p:nvSpPr>
           <p:cNvPr id="558" name="Shape 558"/>
           <p:cNvSpPr/>
           <p:nvPr/>
         </p:nvSpPr>
         <p:spPr>
           <a:xfrm>
-            <a:off x="942463" y="4164615"/>
-            <a:ext cx="16962141" cy="3683001"/>
+            <a:off x="1358000" y="3102320"/>
+            <a:ext cx="16070105" cy="3795911"/>
           </a:xfrm>
           <a:prstGeom prst="rect">
             <a:avLst/>
@@ -3828,7 +3906,7 @@
           </a:bodyPr>
           <a:lstStyle/>
           <a:p>
-            <a:pPr marR="457200" defTabSz="457200">
+            <a:pPr marR="457200" algn="l" defTabSz="457200">
               <a:defRPr sz="4000">
                 <a:latin typeface="Calibri"/>
                 <a:ea typeface="Calibri"/>
@@ -3837,7 +3915,12 @@
               </a:defRPr>
             </a:pPr>
             <a:r>
-              <a:t>How satisfied are you with the level of gender equality at your company?</a:t>
+              <a:rPr dirty="0" smtClean="0"/>
+              <a:t>How </a:t>
+            </a:r>
+            <a:r>
+              <a:rPr dirty="0"/>
+              <a:t>satisfied are you with the level of gender equality at your company?</a:t>
             </a:r>
           </a:p>
           <a:p>
@@ -3850,6 +3933,7 @@
               </a:defRPr>
             </a:pPr>
             <a:r>
+              <a:rPr dirty="0"/>
               <a:t>How happy are you about your current job?</a:t>
             </a:r>
           </a:p>
@@ -3863,6 +3947,7 @@
               </a:defRPr>
             </a:pPr>
             <a:r>
+              <a:rPr dirty="0"/>
               <a:t>How satisfied are you with the amount of diversity at your company?</a:t>
             </a:r>
           </a:p>
@@ -3876,6 +3961,7 @@
               </a:defRPr>
             </a:pPr>
             <a:r>
+              <a:rPr dirty="0"/>
               <a:t>How confident are you when networking within your company?</a:t>
             </a:r>
           </a:p>
@@ -3889,6 +3975,7 @@
               </a:defRPr>
             </a:pPr>
             <a:r>
+              <a:rPr dirty="0"/>
               <a:t>How challenged are you in your current position?</a:t>
             </a:r>
           </a:p>
@@ -3902,6 +3989,7 @@
               </a:defRPr>
             </a:pPr>
             <a:r>
+              <a:rPr dirty="0"/>
               <a:t>How fair do you think your current salary is?</a:t>
             </a:r>
           </a:p>
@@ -3925,7 +4013,7 @@
         </p:blipFill>
         <p:spPr>
           <a:xfrm>
-            <a:off x="15383247" y="4820249"/>
+            <a:off x="16297647" y="3814409"/>
             <a:ext cx="6501230" cy="2608799"/>
           </a:xfrm>
           <a:prstGeom prst="rect">
@@ -3944,7 +4032,7 @@
         </p:nvSpPr>
         <p:spPr>
           <a:xfrm>
-            <a:off x="17133227" y="7446367"/>
+            <a:off x="18047627" y="6440527"/>
             <a:ext cx="6105129" cy="698501"/>
           </a:xfrm>
           <a:prstGeom prst="rect">
@@ -3974,7 +4062,6 @@
             </a:lvl1pPr>
           </a:lstStyle>
           <a:p>
-            <a:pPr/>
             <a:r>
               <a:t>Salary/Industry/Education</a:t>
             </a:r>
@@ -3999,7 +4086,7 @@
         </p:blipFill>
         <p:spPr>
           <a:xfrm>
-            <a:off x="10899247" y="8297479"/>
+            <a:off x="11813647" y="7291639"/>
             <a:ext cx="10692912" cy="2582767"/>
           </a:xfrm>
           <a:prstGeom prst="rect">
@@ -4018,7 +4105,7 @@
         </p:nvSpPr>
         <p:spPr>
           <a:xfrm>
-            <a:off x="7201306" y="10439796"/>
+            <a:off x="8115706" y="9433956"/>
             <a:ext cx="3505846" cy="698501"/>
           </a:xfrm>
           <a:prstGeom prst="rect">
@@ -4048,7 +4135,6 @@
             </a:lvl1pPr>
           </a:lstStyle>
           <a:p>
-            <a:pPr/>
             <a:r>
               <a:t>Fair Pay Metric</a:t>
             </a:r>
@@ -4084,7 +4170,7 @@
           </a:bodyPr>
           <a:lstStyle>
             <a:lvl1pPr>
-              <a:defRPr b="1" sz="10000">
+              <a:defRPr sz="10000" b="1">
                 <a:latin typeface="+mj-lt"/>
                 <a:ea typeface="+mj-ea"/>
                 <a:cs typeface="+mj-cs"/>
@@ -4093,7 +4179,6 @@
             </a:lvl1pPr>
           </a:lstStyle>
           <a:p>
-            <a:pPr/>
             <a:r>
               <a:t>Metric</a:t>
             </a:r>
@@ -4118,7 +4203,7 @@
         </p:blipFill>
         <p:spPr>
           <a:xfrm>
-            <a:off x="2470811" y="9918501"/>
+            <a:off x="3385211" y="8912661"/>
             <a:ext cx="6710897" cy="2999347"/>
           </a:xfrm>
           <a:prstGeom prst="rect">
@@ -4137,7 +4222,7 @@
         </p:nvSpPr>
         <p:spPr>
           <a:xfrm>
-            <a:off x="3419087" y="12495610"/>
+            <a:off x="4333487" y="11489770"/>
             <a:ext cx="8966846" cy="698501"/>
           </a:xfrm>
           <a:prstGeom prst="rect">
@@ -4167,7 +4252,6 @@
             </a:lvl1pPr>
           </a:lstStyle>
           <a:p>
-            <a:pPr/>
             <a:r>
               <a:t>“JUST Capital” (See Non-Profit in NYC)</a:t>
             </a:r>
@@ -4179,13 +4263,13 @@
   <p:clrMapOvr>
     <a:masterClrMapping/>
   </p:clrMapOvr>
-  <mc:AlternateContent xmlns:mc="http://schemas.openxmlformats.org/markup-compatibility/2006">
-    <mc:Choice xmlns:p14="http://schemas.microsoft.com/office/powerpoint/2010/main" Requires="p14">
-      <p:transition spd="fast" advClick="1" p14:dur="500">
+  <mc:AlternateContent xmlns:mc="http://schemas.openxmlformats.org/markup-compatibility/2006" xmlns:p14="http://schemas.microsoft.com/office/powerpoint/2010/main">
+    <mc:Choice Requires="p14">
+      <p:transition>
         <p:dissolve/>
       </p:transition>
     </mc:Choice>
-    <mc:Fallback>
+    <mc:Fallback xmlns="">
       <p:transition spd="fast">
         <p:fade/>
       </p:transition>
@@ -4195,7 +4279,7 @@
 </file>
 
 <file path=ppt/slides/slide11.xml><?xml version="1.0" encoding="utf-8"?>
-<p:sld xmlns:a="http://schemas.openxmlformats.org/drawingml/2006/main" xmlns:r="http://schemas.openxmlformats.org/officeDocument/2006/relationships" xmlns:p="http://schemas.openxmlformats.org/presentationml/2006/main" showMasterSp="1" showMasterPhAnim="1">
+<p:sld xmlns:a="http://schemas.openxmlformats.org/drawingml/2006/main" xmlns:r="http://schemas.openxmlformats.org/officeDocument/2006/relationships" xmlns:p="http://schemas.openxmlformats.org/presentationml/2006/main">
   <p:cSld>
     <p:spTree>
       <p:nvGrpSpPr>
@@ -4261,6 +4345,7 @@
                 <a:sym typeface="Calibri"/>
               </a:defRPr>
             </a:pPr>
+            <a:endParaRPr/>
           </a:p>
           <a:p>
             <a:pPr marR="457200" algn="l" defTabSz="457200">
@@ -4284,6 +4369,7 @@
                 <a:sym typeface="Calibri"/>
               </a:defRPr>
             </a:pPr>
+            <a:endParaRPr/>
           </a:p>
           <a:p>
             <a:pPr marR="457200" algn="l" defTabSz="457200">
@@ -4329,7 +4415,7 @@
           </a:bodyPr>
           <a:lstStyle>
             <a:lvl1pPr>
-              <a:defRPr b="1" sz="10000">
+              <a:defRPr sz="10000" b="1">
                 <a:latin typeface="+mj-lt"/>
                 <a:ea typeface="+mj-ea"/>
                 <a:cs typeface="+mj-cs"/>
@@ -4338,7 +4424,6 @@
             </a:lvl1pPr>
           </a:lstStyle>
           <a:p>
-            <a:pPr/>
             <a:r>
               <a:t>Data Used</a:t>
             </a:r>
@@ -4350,13 +4435,13 @@
   <p:clrMapOvr>
     <a:masterClrMapping/>
   </p:clrMapOvr>
-  <mc:AlternateContent xmlns:mc="http://schemas.openxmlformats.org/markup-compatibility/2006">
-    <mc:Choice xmlns:p14="http://schemas.microsoft.com/office/powerpoint/2010/main" Requires="p14">
-      <p:transition spd="fast" advClick="1" p14:dur="500">
+  <mc:AlternateContent xmlns:mc="http://schemas.openxmlformats.org/markup-compatibility/2006" xmlns:p14="http://schemas.microsoft.com/office/powerpoint/2010/main">
+    <mc:Choice Requires="p14">
+      <p:transition>
         <p:dissolve/>
       </p:transition>
     </mc:Choice>
-    <mc:Fallback>
+    <mc:Fallback xmlns="">
       <p:transition spd="fast">
         <p:fade/>
       </p:transition>
@@ -4366,7 +4451,7 @@
 </file>
 
 <file path=ppt/slides/slide12.xml><?xml version="1.0" encoding="utf-8"?>
-<p:sld xmlns:a="http://schemas.openxmlformats.org/drawingml/2006/main" xmlns:r="http://schemas.openxmlformats.org/officeDocument/2006/relationships" xmlns:p="http://schemas.openxmlformats.org/presentationml/2006/main" showMasterSp="1" showMasterPhAnim="1">
+<p:sld xmlns:a="http://schemas.openxmlformats.org/drawingml/2006/main" xmlns:r="http://schemas.openxmlformats.org/officeDocument/2006/relationships" xmlns:p="http://schemas.openxmlformats.org/presentationml/2006/main">
   <p:cSld>
     <p:spTree>
       <p:nvGrpSpPr>
@@ -4411,7 +4496,7 @@
           </a:bodyPr>
           <a:lstStyle>
             <a:lvl1pPr algn="l">
-              <a:defRPr b="1" sz="10000">
+              <a:defRPr sz="10000" b="1">
                 <a:latin typeface="+mj-lt"/>
                 <a:ea typeface="+mj-ea"/>
                 <a:cs typeface="+mj-cs"/>
@@ -4420,7 +4505,6 @@
             </a:lvl1pPr>
           </a:lstStyle>
           <a:p>
-            <a:pPr/>
             <a:r>
               <a:t>Join Us in Hacking the Pay Gap</a:t>
             </a:r>
@@ -4519,7 +4603,7 @@
                     <a:srgbClr val="0000FF"/>
                   </a:solidFill>
                 </a:uFill>
-                <a:hlinkClick r:id="rId4" invalidUrl="" action="" tgtFrame="" tooltip="" history="1" highlightClick="0" endSnd="0"/>
+                <a:hlinkClick r:id="rId4"/>
               </a:rPr>
               <a:t>awareappusa@gmail.com</a:t>
             </a:r>
@@ -4546,7 +4630,7 @@
                     <a:srgbClr val="0000FF"/>
                   </a:solidFill>
                 </a:uFill>
-                <a:hlinkClick r:id="rId5" invalidUrl="" action="" tgtFrame="" tooltip="" history="1" highlightClick="0" endSnd="0"/>
+                <a:hlinkClick r:id="rId5"/>
               </a:rPr>
               <a:t>https://medium.com/presidential-innovation-fellows/how-we-hacked-the-gender-pay-gap-1d7a9304950</a:t>
             </a:r>
@@ -4558,13 +4642,13 @@
   <p:clrMapOvr>
     <a:masterClrMapping/>
   </p:clrMapOvr>
-  <mc:AlternateContent xmlns:mc="http://schemas.openxmlformats.org/markup-compatibility/2006">
-    <mc:Choice xmlns:p14="http://schemas.microsoft.com/office/powerpoint/2010/main" Requires="p14">
-      <p:transition spd="fast" advClick="1" p14:dur="500">
+  <mc:AlternateContent xmlns:mc="http://schemas.openxmlformats.org/markup-compatibility/2006" xmlns:p14="http://schemas.microsoft.com/office/powerpoint/2010/main">
+    <mc:Choice Requires="p14">
+      <p:transition>
         <p:dissolve/>
       </p:transition>
     </mc:Choice>
-    <mc:Fallback>
+    <mc:Fallback xmlns="">
       <p:transition spd="fast">
         <p:fade/>
       </p:transition>
@@ -4574,7 +4658,7 @@
 </file>
 
 <file path=ppt/slides/slide13.xml><?xml version="1.0" encoding="utf-8"?>
-<p:sld xmlns:a="http://schemas.openxmlformats.org/drawingml/2006/main" xmlns:r="http://schemas.openxmlformats.org/officeDocument/2006/relationships" xmlns:p="http://schemas.openxmlformats.org/presentationml/2006/main" showMasterSp="1" showMasterPhAnim="1">
+<p:sld xmlns:a="http://schemas.openxmlformats.org/drawingml/2006/main" xmlns:r="http://schemas.openxmlformats.org/officeDocument/2006/relationships" xmlns:p="http://schemas.openxmlformats.org/presentationml/2006/main">
   <p:cSld>
     <p:spTree>
       <p:nvGrpSpPr>
@@ -4619,7 +4703,7 @@
           </a:bodyPr>
           <a:lstStyle>
             <a:lvl1pPr algn="l">
-              <a:defRPr b="1" sz="10000">
+              <a:defRPr sz="10000" b="1">
                 <a:latin typeface="+mj-lt"/>
                 <a:ea typeface="+mj-ea"/>
                 <a:cs typeface="+mj-cs"/>
@@ -4628,7 +4712,6 @@
             </a:lvl1pPr>
           </a:lstStyle>
           <a:p>
-            <a:pPr/>
             <a:r>
               <a:t>Thank You</a:t>
             </a:r>
@@ -4677,6 +4760,7 @@
           </a:p>
           <a:p>
             <a:pPr algn="l"/>
+            <a:endParaRPr/>
           </a:p>
           <a:p>
             <a:pPr algn="l"/>
@@ -4697,20 +4781,20 @@
   <p:clrMapOvr>
     <a:masterClrMapping/>
   </p:clrMapOvr>
-  <p:transition xmlns:p14="http://schemas.microsoft.com/office/powerpoint/2010/main" spd="med" advClick="1" p14:dur="1000"/>
+  <p:transition spd="slow"/>
   <p:timing>
     <p:tnLst>
       <p:par>
-        <p:cTn id="1" nodeType="tmRoot" restart="never" dur="indefinite" fill="hold">
+        <p:cTn id="1" dur="indefinite" restart="never" fill="hold" nodeType="tmRoot">
           <p:childTnLst>
             <p:seq concurrent="1" prevAc="none" nextAc="seek">
-              <p:cTn id="2" nodeType="mainSeq" dur="indefinite" fill="hold">
+              <p:cTn id="2" dur="indefinite" fill="hold" nodeType="mainSeq">
                 <p:childTnLst>
                   <p:par>
                     <p:cTn id="3" fill="hold">
                       <p:stCondLst>
                         <p:cond delay="indefinite"/>
-                        <p:cond evt="onBegin">
+                        <p:cond evt="onBegin" delay="0">
                           <p:tn val="2"/>
                         </p:cond>
                       </p:stCondLst>
@@ -4722,11 +4806,11 @@
                             </p:stCondLst>
                             <p:childTnLst>
                               <p:par>
-                                <p:cTn id="5" presetClass="entr" nodeType="afterEffect" presetID="9" grpId="1" fill="hold">
+                                <p:cTn id="5" presetID="9" presetClass="entr" fill="hold" grpId="1" nodeType="afterEffect">
                                   <p:stCondLst>
                                     <p:cond delay="0"/>
                                   </p:stCondLst>
-                                  <p:iterate type="el" backwards="0">
+                                  <p:iterate>
                                     <p:tmAbs val="0"/>
                                   </p:iterate>
                                   <p:childTnLst>
@@ -4744,7 +4828,7 @@
                                         <p:strVal val="visible"/>
                                       </p:to>
                                     </p:set>
-                                    <p:animEffect filter="dissolve" transition="in">
+                                    <p:animEffect transition="in" filter="dissolve">
                                       <p:cBhvr>
                                         <p:cTn id="7" dur="1000"/>
                                         <p:tgtEl>
@@ -4764,14 +4848,14 @@
                 </p:childTnLst>
               </p:cTn>
               <p:prevCondLst>
-                <p:cond evt="onPrev">
+                <p:cond evt="onPrev" delay="0">
                   <p:tgtEl>
                     <p:sldTgt/>
                   </p:tgtEl>
                 </p:cond>
               </p:prevCondLst>
               <p:nextCondLst>
-                <p:cond evt="onNext">
+                <p:cond evt="onNext" delay="0">
                   <p:tgtEl>
                     <p:sldTgt/>
                   </p:tgtEl>
@@ -4783,14 +4867,14 @@
       </p:par>
     </p:tnLst>
     <p:bldLst>
-      <p:bldP build="whole" bldLvl="1" animBg="1" rev="0" advAuto="0" spid="577" grpId="1"/>
+      <p:bldP spid="577" grpId="1" animBg="1" advAuto="0"/>
     </p:bldLst>
   </p:timing>
 </p:sld>
 </file>
 
 <file path=ppt/slides/slide2.xml><?xml version="1.0" encoding="utf-8"?>
-<p:sld xmlns:a="http://schemas.openxmlformats.org/drawingml/2006/main" xmlns:r="http://schemas.openxmlformats.org/officeDocument/2006/relationships" xmlns:p="http://schemas.openxmlformats.org/presentationml/2006/main" showMasterSp="1" showMasterPhAnim="1">
+<p:sld xmlns:a="http://schemas.openxmlformats.org/drawingml/2006/main" xmlns:r="http://schemas.openxmlformats.org/officeDocument/2006/relationships" xmlns:p="http://schemas.openxmlformats.org/presentationml/2006/main">
   <p:cSld>
     <p:spTree>
       <p:nvGrpSpPr>
@@ -4852,7 +4936,7 @@
             </a:bodyPr>
             <a:lstStyle>
               <a:lvl1pPr>
-                <a:defRPr b="1" sz="10000">
+                <a:defRPr sz="10000" b="1">
                   <a:latin typeface="+mj-lt"/>
                   <a:ea typeface="+mj-ea"/>
                   <a:cs typeface="+mj-cs"/>
@@ -4861,7 +4945,6 @@
               </a:lvl1pPr>
             </a:lstStyle>
             <a:p>
-              <a:pPr/>
               <a:r>
                 <a:t>Team</a:t>
               </a:r>
@@ -4908,6 +4991,7 @@
                   <a:sym typeface="Helvetica Neue Light"/>
                 </a:defRPr>
               </a:pPr>
+              <a:endParaRPr/>
             </a:p>
             <a:p>
               <a:pPr>
@@ -4918,6 +5002,7 @@
                   <a:sym typeface="Helvetica Neue Light"/>
                 </a:defRPr>
               </a:pPr>
+              <a:endParaRPr/>
             </a:p>
             <a:p>
               <a:pPr>
@@ -4979,13 +5064,13 @@
   <p:clrMapOvr>
     <a:masterClrMapping/>
   </p:clrMapOvr>
-  <mc:AlternateContent xmlns:mc="http://schemas.openxmlformats.org/markup-compatibility/2006">
-    <mc:Choice xmlns:p14="http://schemas.microsoft.com/office/powerpoint/2010/main" Requires="p14">
-      <p:transition spd="fast" advClick="0" advTm="0" p14:dur="500">
+  <mc:AlternateContent xmlns:mc="http://schemas.openxmlformats.org/markup-compatibility/2006" xmlns:p14="http://schemas.microsoft.com/office/powerpoint/2010/main">
+    <mc:Choice Requires="p14">
+      <p:transition advClick="0" advTm="0">
         <p:dissolve/>
       </p:transition>
     </mc:Choice>
-    <mc:Fallback>
+    <mc:Fallback xmlns="">
       <p:transition spd="fast">
         <p:fade/>
       </p:transition>
@@ -4995,7 +5080,7 @@
 </file>
 
 <file path=ppt/slides/slide3.xml><?xml version="1.0" encoding="utf-8"?>
-<p:sld xmlns:a="http://schemas.openxmlformats.org/drawingml/2006/main" xmlns:r="http://schemas.openxmlformats.org/officeDocument/2006/relationships" xmlns:p="http://schemas.openxmlformats.org/presentationml/2006/main" showMasterSp="1" showMasterPhAnim="1">
+<p:sld xmlns:a="http://schemas.openxmlformats.org/drawingml/2006/main" xmlns:r="http://schemas.openxmlformats.org/officeDocument/2006/relationships" xmlns:p="http://schemas.openxmlformats.org/presentationml/2006/main">
   <p:cSld>
     <p:spTree>
       <p:nvGrpSpPr>
@@ -8516,13 +8601,13 @@
   <p:clrMapOvr>
     <a:masterClrMapping/>
   </p:clrMapOvr>
-  <mc:AlternateContent xmlns:mc="http://schemas.openxmlformats.org/markup-compatibility/2006">
-    <mc:Choice xmlns:p14="http://schemas.microsoft.com/office/powerpoint/2010/main" Requires="p14">
-      <p:transition spd="fast" advClick="0" advTm="0" p14:dur="500">
+  <mc:AlternateContent xmlns:mc="http://schemas.openxmlformats.org/markup-compatibility/2006" xmlns:p14="http://schemas.microsoft.com/office/powerpoint/2010/main">
+    <mc:Choice Requires="p14">
+      <p:transition advClick="0" advTm="0">
         <p:dissolve/>
       </p:transition>
     </mc:Choice>
-    <mc:Fallback>
+    <mc:Fallback xmlns="">
       <p:transition spd="fast">
         <p:fade/>
       </p:transition>
@@ -8531,16 +8616,16 @@
   <p:timing>
     <p:tnLst>
       <p:par>
-        <p:cTn id="1" nodeType="tmRoot" restart="never" dur="indefinite" fill="hold">
+        <p:cTn id="1" dur="indefinite" restart="never" fill="hold" nodeType="tmRoot">
           <p:childTnLst>
             <p:seq concurrent="1" prevAc="none" nextAc="seek">
-              <p:cTn id="2" nodeType="mainSeq" dur="indefinite" fill="hold">
+              <p:cTn id="2" dur="indefinite" fill="hold" nodeType="mainSeq">
                 <p:childTnLst>
                   <p:par>
                     <p:cTn id="3" fill="hold">
                       <p:stCondLst>
                         <p:cond delay="indefinite"/>
-                        <p:cond evt="onBegin">
+                        <p:cond evt="onBegin" delay="0">
                           <p:tn val="2"/>
                         </p:cond>
                       </p:stCondLst>
@@ -8552,11 +8637,11 @@
                             </p:stCondLst>
                             <p:childTnLst>
                               <p:par>
-                                <p:cTn id="5" presetClass="entr" nodeType="afterEffect" presetID="9" grpId="1" fill="hold">
+                                <p:cTn id="5" presetID="9" presetClass="entr" fill="hold" grpId="1" nodeType="afterEffect">
                                   <p:stCondLst>
                                     <p:cond delay="0"/>
                                   </p:stCondLst>
-                                  <p:iterate type="el" backwards="0">
+                                  <p:iterate>
                                     <p:tmAbs val="0"/>
                                   </p:iterate>
                                   <p:childTnLst>
@@ -8574,7 +8659,7 @@
                                         <p:strVal val="visible"/>
                                       </p:to>
                                     </p:set>
-                                    <p:animEffect filter="dissolve" transition="in">
+                                    <p:animEffect transition="in" filter="dissolve">
                                       <p:cBhvr>
                                         <p:cTn id="7" dur="1000"/>
                                         <p:tgtEl>
@@ -8595,11 +8680,11 @@
                             </p:stCondLst>
                             <p:childTnLst>
                               <p:par>
-                                <p:cTn id="9" presetClass="entr" nodeType="afterEffect" presetID="9" grpId="2" fill="hold">
+                                <p:cTn id="9" presetID="9" presetClass="entr" fill="hold" grpId="2" nodeType="afterEffect">
                                   <p:stCondLst>
                                     <p:cond delay="0"/>
                                   </p:stCondLst>
-                                  <p:iterate type="el" backwards="0">
+                                  <p:iterate>
                                     <p:tmAbs val="0"/>
                                   </p:iterate>
                                   <p:childTnLst>
@@ -8617,7 +8702,7 @@
                                         <p:strVal val="visible"/>
                                       </p:to>
                                     </p:set>
-                                    <p:animEffect filter="dissolve" transition="in">
+                                    <p:animEffect transition="in" filter="dissolve">
                                       <p:cBhvr>
                                         <p:cTn id="11" dur="1000"/>
                                         <p:tgtEl>
@@ -8638,11 +8723,11 @@
                             </p:stCondLst>
                             <p:childTnLst>
                               <p:par>
-                                <p:cTn id="13" presetClass="entr" nodeType="afterEffect" presetID="9" grpId="3" fill="hold">
+                                <p:cTn id="13" presetID="9" presetClass="entr" fill="hold" grpId="3" nodeType="afterEffect">
                                   <p:stCondLst>
                                     <p:cond delay="0"/>
                                   </p:stCondLst>
-                                  <p:iterate type="el" backwards="0">
+                                  <p:iterate>
                                     <p:tmAbs val="0"/>
                                   </p:iterate>
                                   <p:childTnLst>
@@ -8660,7 +8745,7 @@
                                         <p:strVal val="visible"/>
                                       </p:to>
                                     </p:set>
-                                    <p:animEffect filter="dissolve" transition="in">
+                                    <p:animEffect transition="in" filter="dissolve">
                                       <p:cBhvr>
                                         <p:cTn id="15" dur="1000"/>
                                         <p:tgtEl>
@@ -8681,11 +8766,11 @@
                             </p:stCondLst>
                             <p:childTnLst>
                               <p:par>
-                                <p:cTn id="17" presetClass="entr" nodeType="afterEffect" presetID="9" grpId="4" fill="hold">
+                                <p:cTn id="17" presetID="9" presetClass="entr" fill="hold" grpId="4" nodeType="afterEffect">
                                   <p:stCondLst>
                                     <p:cond delay="0"/>
                                   </p:stCondLst>
-                                  <p:iterate type="el" backwards="0">
+                                  <p:iterate>
                                     <p:tmAbs val="0"/>
                                   </p:iterate>
                                   <p:childTnLst>
@@ -8703,7 +8788,7 @@
                                         <p:strVal val="visible"/>
                                       </p:to>
                                     </p:set>
-                                    <p:animEffect filter="dissolve" transition="in">
+                                    <p:animEffect transition="in" filter="dissolve">
                                       <p:cBhvr>
                                         <p:cTn id="19" dur="1000"/>
                                         <p:tgtEl>
@@ -8733,7 +8818,7 @@
                             </p:stCondLst>
                             <p:childTnLst>
                               <p:par>
-                                <p:cTn id="22" presetClass="emph" nodeType="clickEffect" presetID="9" grpId="5" fill="hold">
+                                <p:cTn id="22" presetID="9" presetClass="emph" fill="hold" grpId="5" nodeType="clickEffect">
                                   <p:stCondLst>
                                     <p:cond delay="0"/>
                                   </p:stCondLst>
@@ -8773,7 +8858,7 @@
                             </p:stCondLst>
                             <p:childTnLst>
                               <p:par>
-                                <p:cTn id="26" presetClass="emph" nodeType="afterEffect" presetID="9" grpId="6" fill="hold">
+                                <p:cTn id="26" presetID="9" presetClass="emph" fill="hold" grpId="6" nodeType="afterEffect">
                                   <p:stCondLst>
                                     <p:cond delay="0"/>
                                   </p:stCondLst>
@@ -8813,7 +8898,7 @@
                             </p:stCondLst>
                             <p:childTnLst>
                               <p:par>
-                                <p:cTn id="30" presetClass="emph" nodeType="afterEffect" presetID="9" grpId="7" fill="hold">
+                                <p:cTn id="30" presetID="9" presetClass="emph" fill="hold" grpId="7" nodeType="afterEffect">
                                   <p:stCondLst>
                                     <p:cond delay="0"/>
                                   </p:stCondLst>
@@ -8862,7 +8947,7 @@
                             </p:stCondLst>
                             <p:childTnLst>
                               <p:par>
-                                <p:cTn id="35" presetClass="emph" nodeType="clickEffect" presetID="9" grpId="8" fill="hold">
+                                <p:cTn id="35" presetID="9" presetClass="emph" fill="hold" grpId="8" nodeType="clickEffect">
                                   <p:stCondLst>
                                     <p:cond delay="0"/>
                                   </p:stCondLst>
@@ -8901,14 +8986,14 @@
                 </p:childTnLst>
               </p:cTn>
               <p:prevCondLst>
-                <p:cond evt="onPrev">
+                <p:cond evt="onPrev" delay="0">
                   <p:tgtEl>
                     <p:sldTgt/>
                   </p:tgtEl>
                 </p:cond>
               </p:prevCondLst>
               <p:nextCondLst>
-                <p:cond evt="onNext">
+                <p:cond evt="onNext" delay="0">
                   <p:tgtEl>
                     <p:sldTgt/>
                   </p:tgtEl>
@@ -8920,21 +9005,21 @@
       </p:par>
     </p:tnLst>
     <p:bldLst>
-      <p:bldP build="whole" bldLvl="1" animBg="1" rev="0" advAuto="0" spid="172" grpId="3"/>
-      <p:bldP build="whole" bldLvl="1" animBg="1" rev="0" advAuto="0" spid="172" grpId="6"/>
-      <p:bldP build="whole" bldLvl="1" animBg="1" rev="0" advAuto="0" spid="147" grpId="1"/>
-      <p:bldP build="whole" bldLvl="1" animBg="1" rev="0" advAuto="0" spid="146" grpId="2"/>
-      <p:bldP build="whole" bldLvl="1" animBg="1" rev="0" advAuto="0" spid="172" grpId="8"/>
-      <p:bldP build="whole" bldLvl="1" animBg="1" rev="0" advAuto="0" spid="147" grpId="5"/>
-      <p:bldP build="whole" bldLvl="1" animBg="1" rev="0" advAuto="0" spid="263" grpId="4"/>
-      <p:bldP build="whole" bldLvl="1" animBg="1" rev="0" advAuto="0" spid="146" grpId="7"/>
+      <p:bldP spid="146" grpId="2" animBg="1" advAuto="0"/>
+      <p:bldP spid="146" grpId="7" animBg="1" advAuto="0"/>
+      <p:bldP spid="147" grpId="1" animBg="1" advAuto="0"/>
+      <p:bldP spid="147" grpId="5" animBg="1" advAuto="0"/>
+      <p:bldP spid="172" grpId="3" animBg="1" advAuto="0"/>
+      <p:bldP spid="172" grpId="6" animBg="1" advAuto="0"/>
+      <p:bldP spid="172" grpId="8" animBg="1" advAuto="0"/>
+      <p:bldP spid="263" grpId="4" animBg="1" advAuto="0"/>
     </p:bldLst>
   </p:timing>
 </p:sld>
 </file>
 
 <file path=ppt/slides/slide4.xml><?xml version="1.0" encoding="utf-8"?>
-<p:sld xmlns:a="http://schemas.openxmlformats.org/drawingml/2006/main" xmlns:r="http://schemas.openxmlformats.org/officeDocument/2006/relationships" xmlns:p="http://schemas.openxmlformats.org/presentationml/2006/main" showMasterSp="1" showMasterPhAnim="1">
+<p:sld xmlns:a="http://schemas.openxmlformats.org/drawingml/2006/main" xmlns:r="http://schemas.openxmlformats.org/officeDocument/2006/relationships" xmlns:p="http://schemas.openxmlformats.org/presentationml/2006/main">
   <p:cSld>
     <p:spTree>
       <p:nvGrpSpPr>
@@ -12562,7 +12647,7 @@
           </a:bodyPr>
           <a:lstStyle>
             <a:lvl1pPr>
-              <a:defRPr b="1" sz="10000">
+              <a:defRPr sz="10000" b="1">
                 <a:latin typeface="+mj-lt"/>
                 <a:ea typeface="+mj-ea"/>
                 <a:cs typeface="+mj-cs"/>
@@ -12571,7 +12656,6 @@
             </a:lvl1pPr>
           </a:lstStyle>
           <a:p>
-            <a:pPr/>
             <a:r>
               <a:t>Did you know?</a:t>
             </a:r>
@@ -12583,13 +12667,13 @@
   <p:clrMapOvr>
     <a:masterClrMapping/>
   </p:clrMapOvr>
-  <mc:AlternateContent xmlns:mc="http://schemas.openxmlformats.org/markup-compatibility/2006">
-    <mc:Choice xmlns:p14="http://schemas.microsoft.com/office/powerpoint/2010/main" Requires="p14">
-      <p:transition spd="fast" advClick="1" p14:dur="500">
+  <mc:AlternateContent xmlns:mc="http://schemas.openxmlformats.org/markup-compatibility/2006" xmlns:p14="http://schemas.microsoft.com/office/powerpoint/2010/main">
+    <mc:Choice Requires="p14">
+      <p:transition>
         <p:dissolve/>
       </p:transition>
     </mc:Choice>
-    <mc:Fallback>
+    <mc:Fallback xmlns="">
       <p:transition spd="fast">
         <p:fade/>
       </p:transition>
@@ -12598,16 +12682,16 @@
   <p:timing>
     <p:tnLst>
       <p:par>
-        <p:cTn id="1" nodeType="tmRoot" restart="never" dur="indefinite" fill="hold">
+        <p:cTn id="1" dur="indefinite" restart="never" fill="hold" nodeType="tmRoot">
           <p:childTnLst>
             <p:seq concurrent="1" prevAc="none" nextAc="seek">
-              <p:cTn id="2" nodeType="mainSeq" dur="indefinite" fill="hold">
+              <p:cTn id="2" dur="indefinite" fill="hold" nodeType="mainSeq">
                 <p:childTnLst>
                   <p:par>
                     <p:cTn id="3" fill="hold">
                       <p:stCondLst>
                         <p:cond delay="indefinite"/>
-                        <p:cond evt="onBegin">
+                        <p:cond evt="onBegin" delay="0">
                           <p:tn val="2"/>
                         </p:cond>
                       </p:stCondLst>
@@ -12619,11 +12703,11 @@
                             </p:stCondLst>
                             <p:childTnLst>
                               <p:par>
-                                <p:cTn id="5" presetClass="entr" nodeType="afterEffect" presetID="9" grpId="1" fill="hold">
+                                <p:cTn id="5" presetID="9" presetClass="entr" fill="hold" grpId="1" nodeType="afterEffect">
                                   <p:stCondLst>
                                     <p:cond delay="0"/>
                                   </p:stCondLst>
-                                  <p:iterate type="el" backwards="0">
+                                  <p:iterate>
                                     <p:tmAbs val="0"/>
                                   </p:iterate>
                                   <p:childTnLst>
@@ -12641,7 +12725,7 @@
                                         <p:strVal val="visible"/>
                                       </p:to>
                                     </p:set>
-                                    <p:animEffect filter="dissolve" transition="in">
+                                    <p:animEffect transition="in" filter="dissolve">
                                       <p:cBhvr>
                                         <p:cTn id="7" dur="1000"/>
                                         <p:tgtEl>
@@ -12662,11 +12746,11 @@
                             </p:stCondLst>
                             <p:childTnLst>
                               <p:par>
-                                <p:cTn id="9" presetClass="entr" nodeType="afterEffect" presetID="9" grpId="2" fill="hold">
+                                <p:cTn id="9" presetID="9" presetClass="entr" fill="hold" grpId="2" nodeType="afterEffect">
                                   <p:stCondLst>
                                     <p:cond delay="0"/>
                                   </p:stCondLst>
-                                  <p:iterate type="el" backwards="0">
+                                  <p:iterate>
                                     <p:tmAbs val="0"/>
                                   </p:iterate>
                                   <p:childTnLst>
@@ -12684,7 +12768,7 @@
                                         <p:strVal val="visible"/>
                                       </p:to>
                                     </p:set>
-                                    <p:animEffect filter="dissolve" transition="in">
+                                    <p:animEffect transition="in" filter="dissolve">
                                       <p:cBhvr>
                                         <p:cTn id="11" dur="1000"/>
                                         <p:tgtEl>
@@ -12705,11 +12789,11 @@
                             </p:stCondLst>
                             <p:childTnLst>
                               <p:par>
-                                <p:cTn id="13" presetClass="entr" nodeType="afterEffect" presetID="9" grpId="3" fill="hold">
+                                <p:cTn id="13" presetID="9" presetClass="entr" fill="hold" grpId="3" nodeType="afterEffect">
                                   <p:stCondLst>
                                     <p:cond delay="0"/>
                                   </p:stCondLst>
-                                  <p:iterate type="el" backwards="0">
+                                  <p:iterate>
                                     <p:tmAbs val="0"/>
                                   </p:iterate>
                                   <p:childTnLst>
@@ -12727,7 +12811,7 @@
                                         <p:strVal val="visible"/>
                                       </p:to>
                                     </p:set>
-                                    <p:animEffect filter="dissolve" transition="in">
+                                    <p:animEffect transition="in" filter="dissolve">
                                       <p:cBhvr>
                                         <p:cTn id="15" dur="1000"/>
                                         <p:tgtEl>
@@ -12757,7 +12841,7 @@
                             </p:stCondLst>
                             <p:childTnLst>
                               <p:par>
-                                <p:cTn id="18" presetClass="emph" nodeType="clickEffect" presetID="9" grpId="4" fill="hold">
+                                <p:cTn id="18" presetID="9" presetClass="emph" fill="hold" grpId="4" nodeType="clickEffect">
                                   <p:stCondLst>
                                     <p:cond delay="0"/>
                                   </p:stCondLst>
@@ -12797,7 +12881,7 @@
                             </p:stCondLst>
                             <p:childTnLst>
                               <p:par>
-                                <p:cTn id="22" presetClass="emph" nodeType="afterEffect" presetID="9" grpId="5" fill="hold">
+                                <p:cTn id="22" presetID="9" presetClass="emph" fill="hold" grpId="5" nodeType="afterEffect">
                                   <p:stCondLst>
                                     <p:cond delay="0"/>
                                   </p:stCondLst>
@@ -12846,7 +12930,7 @@
                             </p:stCondLst>
                             <p:childTnLst>
                               <p:par>
-                                <p:cTn id="27" presetClass="emph" nodeType="clickEffect" presetID="9" grpId="6" fill="hold">
+                                <p:cTn id="27" presetID="9" presetClass="emph" fill="hold" grpId="6" nodeType="clickEffect">
                                   <p:stCondLst>
                                     <p:cond delay="0"/>
                                   </p:stCondLst>
@@ -12886,15 +12970,15 @@
                             </p:stCondLst>
                             <p:childTnLst>
                               <p:par>
-                                <p:cTn id="31" presetClass="exit" nodeType="afterEffect" presetID="9" grpId="7" fill="hold">
+                                <p:cTn id="31" presetID="9" presetClass="exit" fill="hold" grpId="7" nodeType="afterEffect">
                                   <p:stCondLst>
                                     <p:cond delay="0"/>
                                   </p:stCondLst>
-                                  <p:iterate type="el" backwards="0">
+                                  <p:iterate>
                                     <p:tmAbs val="0"/>
                                   </p:iterate>
                                   <p:childTnLst>
-                                    <p:animEffect filter="dissolve" transition="out">
+                                    <p:animEffect transition="out" filter="dissolve">
                                       <p:cBhvr>
                                         <p:cTn id="32" dur="1000" fill="hold"/>
                                         <p:tgtEl>
@@ -12932,14 +13016,14 @@
                 </p:childTnLst>
               </p:cTn>
               <p:prevCondLst>
-                <p:cond evt="onPrev">
+                <p:cond evt="onPrev" delay="0">
                   <p:tgtEl>
                     <p:sldTgt/>
                   </p:tgtEl>
                 </p:cond>
               </p:prevCondLst>
               <p:nextCondLst>
-                <p:cond evt="onNext">
+                <p:cond evt="onNext" delay="0">
                   <p:tgtEl>
                     <p:sldTgt/>
                   </p:tgtEl>
@@ -12951,20 +13035,20 @@
       </p:par>
     </p:tnLst>
     <p:bldLst>
-      <p:bldP build="whole" bldLvl="1" animBg="1" rev="0" advAuto="0" spid="290" grpId="5"/>
-      <p:bldP build="whole" bldLvl="1" animBg="1" rev="0" advAuto="0" spid="290" grpId="6"/>
-      <p:bldP build="whole" bldLvl="1" animBg="1" rev="0" advAuto="0" spid="382" grpId="7"/>
-      <p:bldP build="whole" bldLvl="1" animBg="1" rev="0" advAuto="0" spid="265" grpId="1"/>
-      <p:bldP build="whole" bldLvl="1" animBg="1" rev="0" advAuto="0" spid="290" grpId="2"/>
-      <p:bldP build="whole" bldLvl="1" animBg="1" rev="0" advAuto="0" spid="265" grpId="4"/>
-      <p:bldP build="whole" bldLvl="1" animBg="1" rev="0" advAuto="0" spid="381" grpId="3"/>
+      <p:bldP spid="265" grpId="1" animBg="1" advAuto="0"/>
+      <p:bldP spid="265" grpId="4" animBg="1" advAuto="0"/>
+      <p:bldP spid="290" grpId="2" animBg="1" advAuto="0"/>
+      <p:bldP spid="290" grpId="5" animBg="1" advAuto="0"/>
+      <p:bldP spid="290" grpId="6" animBg="1" advAuto="0"/>
+      <p:bldP spid="381" grpId="3" animBg="1" advAuto="0"/>
+      <p:bldP spid="382" grpId="7" animBg="1" advAuto="0"/>
     </p:bldLst>
   </p:timing>
 </p:sld>
 </file>
 
 <file path=ppt/slides/slide5.xml><?xml version="1.0" encoding="utf-8"?>
-<p:sld xmlns:a="http://schemas.openxmlformats.org/drawingml/2006/main" xmlns:r="http://schemas.openxmlformats.org/officeDocument/2006/relationships" xmlns:p="http://schemas.openxmlformats.org/presentationml/2006/main" showMasterSp="1" showMasterPhAnim="1">
+<p:sld xmlns:a="http://schemas.openxmlformats.org/drawingml/2006/main" xmlns:r="http://schemas.openxmlformats.org/officeDocument/2006/relationships" xmlns:p="http://schemas.openxmlformats.org/presentationml/2006/main">
   <p:cSld>
     <p:spTree>
       <p:nvGrpSpPr>
@@ -16453,7 +16537,6 @@
             </a:lvl1pPr>
           </a:lstStyle>
           <a:p>
-            <a:pPr/>
             <a:r>
               <a:t>Unconscious bias</a:t>
             </a:r>
@@ -16493,7 +16576,6 @@
             </a:lvl1pPr>
           </a:lstStyle>
           <a:p>
-            <a:pPr/>
             <a:r>
               <a:t>Motherhood penalty</a:t>
             </a:r>
@@ -16533,7 +16615,6 @@
             </a:lvl1pPr>
           </a:lstStyle>
           <a:p>
-            <a:pPr/>
             <a:r>
               <a:t>Negotiation skills</a:t>
             </a:r>
@@ -16573,7 +16654,6 @@
             </a:lvl1pPr>
           </a:lstStyle>
           <a:p>
-            <a:pPr/>
             <a:r>
               <a:t>Company culture</a:t>
             </a:r>
@@ -16613,7 +16693,6 @@
             </a:lvl1pPr>
           </a:lstStyle>
           <a:p>
-            <a:pPr/>
             <a:r>
               <a:t>Transparency</a:t>
             </a:r>
@@ -16653,7 +16732,6 @@
             </a:lvl1pPr>
           </a:lstStyle>
           <a:p>
-            <a:pPr/>
             <a:r>
               <a:t>Industry sector</a:t>
             </a:r>
@@ -16693,7 +16771,6 @@
             </a:lvl1pPr>
           </a:lstStyle>
           <a:p>
-            <a:pPr/>
             <a:r>
               <a:t>Race</a:t>
             </a:r>
@@ -16764,7 +16841,6 @@
                 </a:lvl1pPr>
               </a:lstStyle>
               <a:p>
-                <a:pPr/>
                 <a:r>
                   <a:t>    </a:t>
                 </a:r>
@@ -16881,7 +16957,7 @@
             </a:bodyPr>
             <a:lstStyle>
               <a:lvl1pPr algn="l">
-                <a:defRPr b="1" sz="10000">
+                <a:defRPr sz="10000" b="1">
                   <a:latin typeface="+mj-lt"/>
                   <a:ea typeface="+mj-ea"/>
                   <a:cs typeface="+mj-cs"/>
@@ -16890,7 +16966,6 @@
               </a:lvl1pPr>
             </a:lstStyle>
             <a:p>
-              <a:pPr/>
               <a:r>
                 <a:t>40 percent</a:t>
               </a:r>
@@ -16933,7 +17008,6 @@
               </a:lvl1pPr>
             </a:lstStyle>
             <a:p>
-              <a:pPr/>
               <a:r>
                 <a:t>of the pay gap cannot be explained by controlling for factors</a:t>
               </a:r>
@@ -16976,13 +17050,13 @@
   <p:clrMapOvr>
     <a:masterClrMapping/>
   </p:clrMapOvr>
-  <mc:AlternateContent xmlns:mc="http://schemas.openxmlformats.org/markup-compatibility/2006">
-    <mc:Choice xmlns:p14="http://schemas.microsoft.com/office/powerpoint/2010/main" Requires="p14">
-      <p:transition spd="fast" advClick="0" advTm="0" p14:dur="500">
+  <mc:AlternateContent xmlns:mc="http://schemas.openxmlformats.org/markup-compatibility/2006" xmlns:p14="http://schemas.microsoft.com/office/powerpoint/2010/main">
+    <mc:Choice Requires="p14">
+      <p:transition advClick="0" advTm="0">
         <p:dissolve/>
       </p:transition>
     </mc:Choice>
-    <mc:Fallback>
+    <mc:Fallback xmlns="">
       <p:transition spd="fast">
         <p:fade/>
       </p:transition>
@@ -16991,16 +17065,16 @@
   <p:timing>
     <p:tnLst>
       <p:par>
-        <p:cTn id="1" nodeType="tmRoot" restart="never" dur="indefinite" fill="hold">
+        <p:cTn id="1" dur="indefinite" restart="never" fill="hold" nodeType="tmRoot">
           <p:childTnLst>
             <p:seq concurrent="1" prevAc="none" nextAc="seek">
-              <p:cTn id="2" nodeType="mainSeq" dur="indefinite" fill="hold">
+              <p:cTn id="2" dur="indefinite" fill="hold" nodeType="mainSeq">
                 <p:childTnLst>
                   <p:par>
                     <p:cTn id="3" fill="hold">
                       <p:stCondLst>
                         <p:cond delay="indefinite"/>
-                        <p:cond evt="onBegin">
+                        <p:cond evt="onBegin" delay="0">
                           <p:tn val="2"/>
                         </p:cond>
                       </p:stCondLst>
@@ -17012,7 +17086,7 @@
                             </p:stCondLst>
                             <p:childTnLst>
                               <p:par>
-                                <p:cTn id="5" presetClass="emph" nodeType="afterEffect" presetID="9" grpId="1" fill="hold">
+                                <p:cTn id="5" presetID="9" presetClass="emph" fill="hold" grpId="1" nodeType="afterEffect">
                                   <p:stCondLst>
                                     <p:cond delay="0"/>
                                   </p:stCondLst>
@@ -17052,11 +17126,11 @@
                             </p:stCondLst>
                             <p:childTnLst>
                               <p:par>
-                                <p:cTn id="9" presetClass="entr" nodeType="afterEffect" presetID="9" grpId="2" fill="hold">
+                                <p:cTn id="9" presetID="9" presetClass="entr" fill="hold" grpId="2" nodeType="afterEffect">
                                   <p:stCondLst>
                                     <p:cond delay="0"/>
                                   </p:stCondLst>
-                                  <p:iterate type="el" backwards="0">
+                                  <p:iterate>
                                     <p:tmAbs val="0"/>
                                   </p:iterate>
                                   <p:childTnLst>
@@ -17074,7 +17148,7 @@
                                         <p:strVal val="visible"/>
                                       </p:to>
                                     </p:set>
-                                    <p:animEffect filter="dissolve" transition="in">
+                                    <p:animEffect transition="in" filter="dissolve">
                                       <p:cBhvr>
                                         <p:cTn id="11" dur="1000"/>
                                         <p:tgtEl>
@@ -17095,15 +17169,15 @@
                             </p:stCondLst>
                             <p:childTnLst>
                               <p:par>
-                                <p:cTn id="13" presetClass="exit" nodeType="afterEffect" presetID="9" grpId="3" fill="hold">
+                                <p:cTn id="13" presetID="9" presetClass="exit" fill="hold" grpId="3" nodeType="afterEffect">
                                   <p:stCondLst>
                                     <p:cond delay="0"/>
                                   </p:stCondLst>
-                                  <p:iterate type="el" backwards="0">
+                                  <p:iterate>
                                     <p:tmAbs val="0"/>
                                   </p:iterate>
                                   <p:childTnLst>
-                                    <p:animEffect filter="dissolve" transition="out">
+                                    <p:animEffect transition="out" filter="dissolve">
                                       <p:cBhvr>
                                         <p:cTn id="14" dur="1000" fill="hold"/>
                                         <p:tgtEl>
@@ -17142,11 +17216,11 @@
                             </p:stCondLst>
                             <p:childTnLst>
                               <p:par>
-                                <p:cTn id="17" presetClass="entr" nodeType="afterEffect" presetID="9" grpId="4" fill="hold">
+                                <p:cTn id="17" presetID="9" presetClass="entr" fill="hold" grpId="4" nodeType="afterEffect">
                                   <p:stCondLst>
                                     <p:cond delay="0"/>
                                   </p:stCondLst>
-                                  <p:iterate type="el" backwards="0">
+                                  <p:iterate>
                                     <p:tmAbs val="0"/>
                                   </p:iterate>
                                   <p:childTnLst>
@@ -17164,7 +17238,7 @@
                                         <p:strVal val="visible"/>
                                       </p:to>
                                     </p:set>
-                                    <p:animEffect filter="dissolve" transition="in">
+                                    <p:animEffect transition="in" filter="dissolve">
                                       <p:cBhvr>
                                         <p:cTn id="19" dur="1000"/>
                                         <p:tgtEl>
@@ -17185,11 +17259,11 @@
                             </p:stCondLst>
                             <p:childTnLst>
                               <p:par>
-                                <p:cTn id="21" presetClass="entr" nodeType="afterEffect" presetID="9" grpId="5" fill="hold">
+                                <p:cTn id="21" presetID="9" presetClass="entr" fill="hold" grpId="5" nodeType="afterEffect">
                                   <p:stCondLst>
                                     <p:cond delay="0"/>
                                   </p:stCondLst>
-                                  <p:iterate type="el" backwards="0">
+                                  <p:iterate>
                                     <p:tmAbs val="0"/>
                                   </p:iterate>
                                   <p:childTnLst>
@@ -17207,7 +17281,7 @@
                                         <p:strVal val="visible"/>
                                       </p:to>
                                     </p:set>
-                                    <p:animEffect filter="dissolve" transition="in">
+                                    <p:animEffect transition="in" filter="dissolve">
                                       <p:cBhvr>
                                         <p:cTn id="23" dur="1000"/>
                                         <p:tgtEl>
@@ -17228,11 +17302,11 @@
                             </p:stCondLst>
                             <p:childTnLst>
                               <p:par>
-                                <p:cTn id="25" presetClass="entr" nodeType="afterEffect" presetID="9" grpId="6" fill="hold">
+                                <p:cTn id="25" presetID="9" presetClass="entr" fill="hold" grpId="6" nodeType="afterEffect">
                                   <p:stCondLst>
                                     <p:cond delay="0"/>
                                   </p:stCondLst>
-                                  <p:iterate type="el" backwards="0">
+                                  <p:iterate>
                                     <p:tmAbs val="0"/>
                                   </p:iterate>
                                   <p:childTnLst>
@@ -17250,7 +17324,7 @@
                                         <p:strVal val="visible"/>
                                       </p:to>
                                     </p:set>
-                                    <p:animEffect filter="dissolve" transition="in">
+                                    <p:animEffect transition="in" filter="dissolve">
                                       <p:cBhvr>
                                         <p:cTn id="27" dur="1000"/>
                                         <p:tgtEl>
@@ -17271,11 +17345,11 @@
                             </p:stCondLst>
                             <p:childTnLst>
                               <p:par>
-                                <p:cTn id="29" presetClass="entr" nodeType="afterEffect" presetID="9" grpId="7" fill="hold">
+                                <p:cTn id="29" presetID="9" presetClass="entr" fill="hold" grpId="7" nodeType="afterEffect">
                                   <p:stCondLst>
                                     <p:cond delay="0"/>
                                   </p:stCondLst>
-                                  <p:iterate type="el" backwards="0">
+                                  <p:iterate>
                                     <p:tmAbs val="0"/>
                                   </p:iterate>
                                   <p:childTnLst>
@@ -17293,7 +17367,7 @@
                                         <p:strVal val="visible"/>
                                       </p:to>
                                     </p:set>
-                                    <p:animEffect filter="dissolve" transition="in">
+                                    <p:animEffect transition="in" filter="dissolve">
                                       <p:cBhvr>
                                         <p:cTn id="31" dur="1000"/>
                                         <p:tgtEl>
@@ -17314,11 +17388,11 @@
                             </p:stCondLst>
                             <p:childTnLst>
                               <p:par>
-                                <p:cTn id="33" presetClass="entr" nodeType="afterEffect" presetID="9" grpId="8" fill="hold">
+                                <p:cTn id="33" presetID="9" presetClass="entr" fill="hold" grpId="8" nodeType="afterEffect">
                                   <p:stCondLst>
                                     <p:cond delay="0"/>
                                   </p:stCondLst>
-                                  <p:iterate type="el" backwards="0">
+                                  <p:iterate>
                                     <p:tmAbs val="0"/>
                                   </p:iterate>
                                   <p:childTnLst>
@@ -17336,7 +17410,7 @@
                                         <p:strVal val="visible"/>
                                       </p:to>
                                     </p:set>
-                                    <p:animEffect filter="dissolve" transition="in">
+                                    <p:animEffect transition="in" filter="dissolve">
                                       <p:cBhvr>
                                         <p:cTn id="35" dur="1000"/>
                                         <p:tgtEl>
@@ -17357,11 +17431,11 @@
                             </p:stCondLst>
                             <p:childTnLst>
                               <p:par>
-                                <p:cTn id="37" presetClass="entr" nodeType="afterEffect" presetID="9" grpId="9" fill="hold">
+                                <p:cTn id="37" presetID="9" presetClass="entr" fill="hold" grpId="9" nodeType="afterEffect">
                                   <p:stCondLst>
                                     <p:cond delay="0"/>
                                   </p:stCondLst>
-                                  <p:iterate type="el" backwards="0">
+                                  <p:iterate>
                                     <p:tmAbs val="0"/>
                                   </p:iterate>
                                   <p:childTnLst>
@@ -17379,7 +17453,7 @@
                                         <p:strVal val="visible"/>
                                       </p:to>
                                     </p:set>
-                                    <p:animEffect filter="dissolve" transition="in">
+                                    <p:animEffect transition="in" filter="dissolve">
                                       <p:cBhvr>
                                         <p:cTn id="39" dur="1000"/>
                                         <p:tgtEl>
@@ -17400,11 +17474,11 @@
                             </p:stCondLst>
                             <p:childTnLst>
                               <p:par>
-                                <p:cTn id="41" presetClass="entr" nodeType="afterEffect" presetID="9" grpId="10" fill="hold">
+                                <p:cTn id="41" presetID="9" presetClass="entr" fill="hold" grpId="10" nodeType="afterEffect">
                                   <p:stCondLst>
                                     <p:cond delay="0"/>
                                   </p:stCondLst>
-                                  <p:iterate type="el" backwards="0">
+                                  <p:iterate>
                                     <p:tmAbs val="0"/>
                                   </p:iterate>
                                   <p:childTnLst>
@@ -17422,7 +17496,7 @@
                                         <p:strVal val="visible"/>
                                       </p:to>
                                     </p:set>
-                                    <p:animEffect filter="dissolve" transition="in">
+                                    <p:animEffect transition="in" filter="dissolve">
                                       <p:cBhvr>
                                         <p:cTn id="43" dur="1000"/>
                                         <p:tgtEl>
@@ -17452,15 +17526,15 @@
                             </p:stCondLst>
                             <p:childTnLst>
                               <p:par>
-                                <p:cTn id="46" presetClass="exit" nodeType="clickEffect" presetID="9" grpId="11" fill="hold">
+                                <p:cTn id="46" presetID="9" presetClass="exit" fill="hold" grpId="11" nodeType="clickEffect">
                                   <p:stCondLst>
                                     <p:cond delay="0"/>
                                   </p:stCondLst>
-                                  <p:iterate type="el" backwards="0">
+                                  <p:iterate>
                                     <p:tmAbs val="0"/>
                                   </p:iterate>
                                   <p:childTnLst>
-                                    <p:animEffect filter="dissolve" transition="out">
+                                    <p:animEffect transition="out" filter="dissolve">
                                       <p:cBhvr>
                                         <p:cTn id="47" dur="1000" fill="hold"/>
                                         <p:tgtEl>
@@ -17499,15 +17573,15 @@
                             </p:stCondLst>
                             <p:childTnLst>
                               <p:par>
-                                <p:cTn id="50" presetClass="exit" nodeType="afterEffect" presetID="9" grpId="12" fill="hold">
+                                <p:cTn id="50" presetID="9" presetClass="exit" fill="hold" grpId="12" nodeType="afterEffect">
                                   <p:stCondLst>
                                     <p:cond delay="0"/>
                                   </p:stCondLst>
-                                  <p:iterate type="el" backwards="0">
+                                  <p:iterate>
                                     <p:tmAbs val="0"/>
                                   </p:iterate>
                                   <p:childTnLst>
-                                    <p:animEffect filter="dissolve" transition="out">
+                                    <p:animEffect transition="out" filter="dissolve">
                                       <p:cBhvr>
                                         <p:cTn id="51" dur="1000" fill="hold"/>
                                         <p:tgtEl>
@@ -17546,15 +17620,15 @@
                             </p:stCondLst>
                             <p:childTnLst>
                               <p:par>
-                                <p:cTn id="54" presetClass="exit" nodeType="afterEffect" presetID="9" grpId="13" fill="hold">
+                                <p:cTn id="54" presetID="9" presetClass="exit" fill="hold" grpId="13" nodeType="afterEffect">
                                   <p:stCondLst>
                                     <p:cond delay="0"/>
                                   </p:stCondLst>
-                                  <p:iterate type="el" backwards="0">
+                                  <p:iterate>
                                     <p:tmAbs val="0"/>
                                   </p:iterate>
                                   <p:childTnLst>
-                                    <p:animEffect filter="dissolve" transition="out">
+                                    <p:animEffect transition="out" filter="dissolve">
                                       <p:cBhvr>
                                         <p:cTn id="55" dur="1000" fill="hold"/>
                                         <p:tgtEl>
@@ -17593,15 +17667,15 @@
                             </p:stCondLst>
                             <p:childTnLst>
                               <p:par>
-                                <p:cTn id="58" presetClass="exit" nodeType="afterEffect" presetID="9" grpId="14" fill="hold">
+                                <p:cTn id="58" presetID="9" presetClass="exit" fill="hold" grpId="14" nodeType="afterEffect">
                                   <p:stCondLst>
                                     <p:cond delay="0"/>
                                   </p:stCondLst>
-                                  <p:iterate type="el" backwards="0">
+                                  <p:iterate>
                                     <p:tmAbs val="0"/>
                                   </p:iterate>
                                   <p:childTnLst>
-                                    <p:animEffect filter="dissolve" transition="out">
+                                    <p:animEffect transition="out" filter="dissolve">
                                       <p:cBhvr>
                                         <p:cTn id="59" dur="1000" fill="hold"/>
                                         <p:tgtEl>
@@ -17640,15 +17714,15 @@
                             </p:stCondLst>
                             <p:childTnLst>
                               <p:par>
-                                <p:cTn id="62" presetClass="exit" nodeType="afterEffect" presetID="9" grpId="15" fill="hold">
+                                <p:cTn id="62" presetID="9" presetClass="exit" fill="hold" grpId="15" nodeType="afterEffect">
                                   <p:stCondLst>
                                     <p:cond delay="0"/>
                                   </p:stCondLst>
-                                  <p:iterate type="el" backwards="0">
+                                  <p:iterate>
                                     <p:tmAbs val="0"/>
                                   </p:iterate>
                                   <p:childTnLst>
-                                    <p:animEffect filter="dissolve" transition="out">
+                                    <p:animEffect transition="out" filter="dissolve">
                                       <p:cBhvr>
                                         <p:cTn id="63" dur="1000" fill="hold"/>
                                         <p:tgtEl>
@@ -17687,15 +17761,15 @@
                             </p:stCondLst>
                             <p:childTnLst>
                               <p:par>
-                                <p:cTn id="66" presetClass="exit" nodeType="afterEffect" presetID="9" grpId="16" fill="hold">
+                                <p:cTn id="66" presetID="9" presetClass="exit" fill="hold" grpId="16" nodeType="afterEffect">
                                   <p:stCondLst>
                                     <p:cond delay="0"/>
                                   </p:stCondLst>
-                                  <p:iterate type="el" backwards="0">
+                                  <p:iterate>
                                     <p:tmAbs val="0"/>
                                   </p:iterate>
                                   <p:childTnLst>
-                                    <p:animEffect filter="dissolve" transition="out">
+                                    <p:animEffect transition="out" filter="dissolve">
                                       <p:cBhvr>
                                         <p:cTn id="67" dur="1000" fill="hold"/>
                                         <p:tgtEl>
@@ -17734,15 +17808,15 @@
                             </p:stCondLst>
                             <p:childTnLst>
                               <p:par>
-                                <p:cTn id="70" presetClass="exit" nodeType="afterEffect" presetID="9" grpId="17" fill="hold">
+                                <p:cTn id="70" presetID="9" presetClass="exit" fill="hold" grpId="17" nodeType="afterEffect">
                                   <p:stCondLst>
                                     <p:cond delay="0"/>
                                   </p:stCondLst>
-                                  <p:iterate type="el" backwards="0">
+                                  <p:iterate>
                                     <p:tmAbs val="0"/>
                                   </p:iterate>
                                   <p:childTnLst>
-                                    <p:animEffect filter="dissolve" transition="out">
+                                    <p:animEffect transition="out" filter="dissolve">
                                       <p:cBhvr>
                                         <p:cTn id="71" dur="1000" fill="hold"/>
                                         <p:tgtEl>
@@ -17781,11 +17855,11 @@
                             </p:stCondLst>
                             <p:childTnLst>
                               <p:par>
-                                <p:cTn id="74" presetClass="entr" nodeType="afterEffect" presetID="9" grpId="18" fill="hold">
+                                <p:cTn id="74" presetID="9" presetClass="entr" fill="hold" grpId="18" nodeType="afterEffect">
                                   <p:stCondLst>
                                     <p:cond delay="0"/>
                                   </p:stCondLst>
-                                  <p:iterate type="el" backwards="0">
+                                  <p:iterate>
                                     <p:tmAbs val="0"/>
                                   </p:iterate>
                                   <p:childTnLst>
@@ -17803,7 +17877,7 @@
                                         <p:strVal val="visible"/>
                                       </p:to>
                                     </p:set>
-                                    <p:animEffect filter="dissolve" transition="in">
+                                    <p:animEffect transition="in" filter="dissolve">
                                       <p:cBhvr>
                                         <p:cTn id="76" dur="1000"/>
                                         <p:tgtEl>
@@ -17823,14 +17897,14 @@
                 </p:childTnLst>
               </p:cTn>
               <p:prevCondLst>
-                <p:cond evt="onPrev">
+                <p:cond evt="onPrev" delay="0">
                   <p:tgtEl>
                     <p:sldTgt/>
                   </p:tgtEl>
                 </p:cond>
               </p:prevCondLst>
               <p:nextCondLst>
-                <p:cond evt="onNext">
+                <p:cond evt="onNext" delay="0">
                   <p:tgtEl>
                     <p:sldTgt/>
                   </p:tgtEl>
@@ -17842,31 +17916,31 @@
       </p:par>
     </p:tnLst>
     <p:bldLst>
-      <p:bldP build="whole" bldLvl="1" animBg="1" rev="0" advAuto="0" spid="513" grpId="2"/>
-      <p:bldP build="whole" bldLvl="1" animBg="1" rev="0" advAuto="0" spid="501" grpId="1"/>
-      <p:bldP build="whole" bldLvl="1" animBg="1" rev="0" advAuto="0" spid="502" grpId="4"/>
-      <p:bldP build="whole" bldLvl="1" animBg="1" rev="0" advAuto="0" spid="503" grpId="5"/>
-      <p:bldP build="whole" bldLvl="1" animBg="1" rev="0" advAuto="0" spid="505" grpId="14"/>
-      <p:bldP build="whole" bldLvl="1" animBg="1" rev="0" advAuto="0" spid="516" grpId="18"/>
-      <p:bldP build="whole" bldLvl="1" animBg="1" rev="0" advAuto="0" spid="507" grpId="9"/>
-      <p:bldP build="whole" bldLvl="1" animBg="1" rev="0" advAuto="0" spid="502" grpId="11"/>
-      <p:bldP build="whole" bldLvl="1" animBg="1" rev="0" advAuto="0" spid="504" grpId="6"/>
-      <p:bldP build="whole" bldLvl="1" animBg="1" rev="0" advAuto="0" spid="503" grpId="12"/>
-      <p:bldP build="whole" bldLvl="1" animBg="1" rev="0" advAuto="0" spid="506" grpId="8"/>
-      <p:bldP build="whole" bldLvl="1" animBg="1" rev="0" advAuto="0" spid="517" grpId="3"/>
-      <p:bldP build="whole" bldLvl="1" animBg="1" rev="0" advAuto="0" spid="507" grpId="16"/>
-      <p:bldP build="whole" bldLvl="1" animBg="1" rev="0" advAuto="0" spid="508" grpId="10"/>
-      <p:bldP build="whole" bldLvl="1" animBg="1" rev="0" advAuto="0" spid="504" grpId="13"/>
-      <p:bldP build="whole" bldLvl="1" animBg="1" rev="0" advAuto="0" spid="505" grpId="7"/>
-      <p:bldP build="whole" bldLvl="1" animBg="1" rev="0" advAuto="0" spid="506" grpId="15"/>
-      <p:bldP build="whole" bldLvl="1" animBg="1" rev="0" advAuto="0" spid="508" grpId="17"/>
+      <p:bldP spid="501" grpId="1" animBg="1" advAuto="0"/>
+      <p:bldP spid="502" grpId="4" animBg="1" advAuto="0"/>
+      <p:bldP spid="502" grpId="11" animBg="1" advAuto="0"/>
+      <p:bldP spid="503" grpId="5" animBg="1" advAuto="0"/>
+      <p:bldP spid="503" grpId="12" animBg="1" advAuto="0"/>
+      <p:bldP spid="504" grpId="6" animBg="1" advAuto="0"/>
+      <p:bldP spid="504" grpId="13" animBg="1" advAuto="0"/>
+      <p:bldP spid="505" grpId="7" animBg="1" advAuto="0"/>
+      <p:bldP spid="505" grpId="14" animBg="1" advAuto="0"/>
+      <p:bldP spid="506" grpId="8" animBg="1" advAuto="0"/>
+      <p:bldP spid="506" grpId="15" animBg="1" advAuto="0"/>
+      <p:bldP spid="507" grpId="9" animBg="1" advAuto="0"/>
+      <p:bldP spid="507" grpId="16" animBg="1" advAuto="0"/>
+      <p:bldP spid="508" grpId="10" animBg="1" advAuto="0"/>
+      <p:bldP spid="508" grpId="17" animBg="1" advAuto="0"/>
+      <p:bldP spid="513" grpId="2" animBg="1" advAuto="0"/>
+      <p:bldP spid="516" grpId="18" animBg="1" advAuto="0"/>
+      <p:bldP spid="517" grpId="3" animBg="1" advAuto="0"/>
     </p:bldLst>
   </p:timing>
 </p:sld>
 </file>
 
 <file path=ppt/slides/slide6.xml><?xml version="1.0" encoding="utf-8"?>
-<p:sld xmlns:a="http://schemas.openxmlformats.org/drawingml/2006/main" xmlns:r="http://schemas.openxmlformats.org/officeDocument/2006/relationships" xmlns:p="http://schemas.openxmlformats.org/presentationml/2006/main" showMasterSp="1" showMasterPhAnim="1">
+<p:sld xmlns:a="http://schemas.openxmlformats.org/drawingml/2006/main" xmlns:r="http://schemas.openxmlformats.org/officeDocument/2006/relationships" xmlns:p="http://schemas.openxmlformats.org/presentationml/2006/main">
   <p:cSld>
     <p:spTree>
       <p:nvGrpSpPr>
@@ -17894,7 +17968,7 @@
           <a:blip r:embed="rId2">
             <a:extLst/>
           </a:blip>
-          <a:srcRect l="0" t="0" r="0" b="12849"/>
+          <a:srcRect b="12849"/>
           <a:stretch>
             <a:fillRect/>
           </a:stretch>
@@ -18113,7 +18187,7 @@
           </a:bodyPr>
           <a:lstStyle>
             <a:lvl1pPr>
-              <a:defRPr b="1" sz="10000">
+              <a:defRPr sz="10000" b="1">
                 <a:latin typeface="+mj-lt"/>
                 <a:ea typeface="+mj-ea"/>
                 <a:cs typeface="+mj-cs"/>
@@ -18122,7 +18196,6 @@
             </a:lvl1pPr>
           </a:lstStyle>
           <a:p>
-            <a:pPr/>
             <a:r>
               <a:t>Market</a:t>
             </a:r>
@@ -18134,13 +18207,13 @@
   <p:clrMapOvr>
     <a:masterClrMapping/>
   </p:clrMapOvr>
-  <mc:AlternateContent xmlns:mc="http://schemas.openxmlformats.org/markup-compatibility/2006">
-    <mc:Choice xmlns:p14="http://schemas.microsoft.com/office/powerpoint/2010/main" Requires="p14">
-      <p:transition spd="med" advClick="0" advTm="0" p14:dur="1000">
+  <mc:AlternateContent xmlns:mc="http://schemas.openxmlformats.org/markup-compatibility/2006" xmlns:p14="http://schemas.microsoft.com/office/powerpoint/2010/main">
+    <mc:Choice Requires="p14">
+      <p:transition spd="slow" advClick="0" advTm="0">
         <p:dissolve/>
       </p:transition>
     </mc:Choice>
-    <mc:Fallback>
+    <mc:Fallback xmlns="">
       <p:transition spd="med">
         <p:fade/>
       </p:transition>
@@ -18149,16 +18222,16 @@
   <p:timing>
     <p:tnLst>
       <p:par>
-        <p:cTn id="1" nodeType="tmRoot" restart="never" dur="indefinite" fill="hold">
+        <p:cTn id="1" dur="indefinite" restart="never" fill="hold" nodeType="tmRoot">
           <p:childTnLst>
             <p:seq concurrent="1" prevAc="none" nextAc="seek">
-              <p:cTn id="2" nodeType="mainSeq" dur="indefinite" fill="hold">
+              <p:cTn id="2" dur="indefinite" fill="hold" nodeType="mainSeq">
                 <p:childTnLst>
                   <p:par>
                     <p:cTn id="3" fill="hold">
                       <p:stCondLst>
                         <p:cond delay="indefinite"/>
-                        <p:cond evt="onBegin">
+                        <p:cond evt="onBegin" delay="0">
                           <p:tn val="2"/>
                         </p:cond>
                       </p:stCondLst>
@@ -18170,11 +18243,11 @@
                             </p:stCondLst>
                             <p:childTnLst>
                               <p:par>
-                                <p:cTn id="5" presetClass="entr" nodeType="afterEffect" presetID="9" grpId="1" fill="hold">
+                                <p:cTn id="5" presetID="9" presetClass="entr" fill="hold" grpId="1" nodeType="afterEffect">
                                   <p:stCondLst>
                                     <p:cond delay="0"/>
                                   </p:stCondLst>
-                                  <p:iterate type="el" backwards="0">
+                                  <p:iterate>
                                     <p:tmAbs val="0"/>
                                   </p:iterate>
                                   <p:childTnLst>
@@ -18192,7 +18265,7 @@
                                         <p:strVal val="visible"/>
                                       </p:to>
                                     </p:set>
-                                    <p:animEffect filter="dissolve" transition="in">
+                                    <p:animEffect transition="in" filter="dissolve">
                                       <p:cBhvr>
                                         <p:cTn id="7" dur="1000"/>
                                         <p:tgtEl>
@@ -18222,12 +18295,12 @@
                             </p:stCondLst>
                             <p:childTnLst>
                               <p:par>
-                                <p:cTn id="10" presetClass="path" nodeType="clickEffect" presetSubtype="0" presetID="-1" grpId="2" accel="50000" decel="50000" fill="hold">
+                                <p:cTn id="10" presetID="-1" presetClass="path" presetSubtype="0" accel="50000" decel="50000" fill="hold" nodeType="clickEffect">
                                   <p:stCondLst>
                                     <p:cond delay="0"/>
                                   </p:stCondLst>
                                   <p:childTnLst>
-                                    <p:animMotion path="M 0.000000 0.000000 L 0.260417 0.000000" origin="layout" pathEditMode="relative">
+                                    <p:animMotion origin="layout" path="M 0.000000 0.000000 L 0.260417 0.000000" pathEditMode="relative">
                                       <p:cBhvr>
                                         <p:cTn id="11" dur="1000" fill="hold"/>
                                         <p:tgtEl>
@@ -18252,11 +18325,11 @@
                             </p:stCondLst>
                             <p:childTnLst>
                               <p:par>
-                                <p:cTn id="13" presetClass="entr" nodeType="afterEffect" presetID="9" grpId="3" fill="hold">
+                                <p:cTn id="13" presetID="9" presetClass="entr" fill="hold" grpId="3" nodeType="afterEffect">
                                   <p:stCondLst>
                                     <p:cond delay="0"/>
                                   </p:stCondLst>
-                                  <p:iterate type="el" backwards="0">
+                                  <p:iterate>
                                     <p:tmAbs val="0"/>
                                   </p:iterate>
                                   <p:childTnLst>
@@ -18274,7 +18347,7 @@
                                         <p:strVal val="visible"/>
                                       </p:to>
                                     </p:set>
-                                    <p:animEffect filter="dissolve" transition="in">
+                                    <p:animEffect transition="in" filter="dissolve">
                                       <p:cBhvr>
                                         <p:cTn id="15" dur="1000"/>
                                         <p:tgtEl>
@@ -18295,11 +18368,11 @@
                             </p:stCondLst>
                             <p:childTnLst>
                               <p:par>
-                                <p:cTn id="17" presetClass="entr" nodeType="afterEffect" presetID="9" grpId="4" fill="hold">
+                                <p:cTn id="17" presetID="9" presetClass="entr" fill="hold" grpId="4" nodeType="afterEffect">
                                   <p:stCondLst>
                                     <p:cond delay="0"/>
                                   </p:stCondLst>
-                                  <p:iterate type="el" backwards="0">
+                                  <p:iterate>
                                     <p:tmAbs val="0"/>
                                   </p:iterate>
                                   <p:childTnLst>
@@ -18317,7 +18390,7 @@
                                         <p:strVal val="visible"/>
                                       </p:to>
                                     </p:set>
-                                    <p:animEffect filter="dissolve" transition="in">
+                                    <p:animEffect transition="in" filter="dissolve">
                                       <p:cBhvr>
                                         <p:cTn id="19" dur="1000"/>
                                         <p:tgtEl>
@@ -18338,11 +18411,11 @@
                             </p:stCondLst>
                             <p:childTnLst>
                               <p:par>
-                                <p:cTn id="21" presetClass="entr" nodeType="afterEffect" presetID="9" grpId="5" fill="hold">
+                                <p:cTn id="21" presetID="9" presetClass="entr" fill="hold" grpId="5" nodeType="afterEffect">
                                   <p:stCondLst>
                                     <p:cond delay="0"/>
                                   </p:stCondLst>
-                                  <p:iterate type="el" backwards="0">
+                                  <p:iterate>
                                     <p:tmAbs val="0"/>
                                   </p:iterate>
                                   <p:childTnLst>
@@ -18360,7 +18433,7 @@
                                         <p:strVal val="visible"/>
                                       </p:to>
                                     </p:set>
-                                    <p:animEffect filter="dissolve" transition="in">
+                                    <p:animEffect transition="in" filter="dissolve">
                                       <p:cBhvr>
                                         <p:cTn id="23" dur="1000"/>
                                         <p:tgtEl>
@@ -18390,15 +18463,15 @@
                             </p:stCondLst>
                             <p:childTnLst>
                               <p:par>
-                                <p:cTn id="26" presetClass="exit" nodeType="clickEffect" presetID="9" grpId="6" fill="hold">
+                                <p:cTn id="26" presetID="9" presetClass="exit" fill="hold" grpId="6" nodeType="clickEffect">
                                   <p:stCondLst>
                                     <p:cond delay="0"/>
                                   </p:stCondLst>
-                                  <p:iterate type="el" backwards="0">
+                                  <p:iterate>
                                     <p:tmAbs val="0"/>
                                   </p:iterate>
                                   <p:childTnLst>
-                                    <p:animEffect filter="dissolve" transition="out">
+                                    <p:animEffect transition="out" filter="dissolve">
                                       <p:cBhvr>
                                         <p:cTn id="27" dur="1000" fill="hold"/>
                                         <p:tgtEl>
@@ -18437,15 +18510,15 @@
                             </p:stCondLst>
                             <p:childTnLst>
                               <p:par>
-                                <p:cTn id="30" presetClass="exit" nodeType="afterEffect" presetID="9" grpId="7" fill="hold">
+                                <p:cTn id="30" presetID="9" presetClass="exit" fill="hold" grpId="7" nodeType="afterEffect">
                                   <p:stCondLst>
                                     <p:cond delay="0"/>
                                   </p:stCondLst>
-                                  <p:iterate type="el" backwards="0">
+                                  <p:iterate>
                                     <p:tmAbs val="0"/>
                                   </p:iterate>
                                   <p:childTnLst>
-                                    <p:animEffect filter="dissolve" transition="out">
+                                    <p:animEffect transition="out" filter="dissolve">
                                       <p:cBhvr>
                                         <p:cTn id="31" dur="1000" fill="hold"/>
                                         <p:tgtEl>
@@ -18484,15 +18557,15 @@
                             </p:stCondLst>
                             <p:childTnLst>
                               <p:par>
-                                <p:cTn id="34" presetClass="exit" nodeType="afterEffect" presetID="9" grpId="8" fill="hold">
+                                <p:cTn id="34" presetID="9" presetClass="exit" fill="hold" grpId="8" nodeType="afterEffect">
                                   <p:stCondLst>
                                     <p:cond delay="0"/>
                                   </p:stCondLst>
-                                  <p:iterate type="el" backwards="0">
+                                  <p:iterate>
                                     <p:tmAbs val="0"/>
                                   </p:iterate>
                                   <p:childTnLst>
-                                    <p:animEffect filter="dissolve" transition="out">
+                                    <p:animEffect transition="out" filter="dissolve">
                                       <p:cBhvr>
                                         <p:cTn id="35" dur="1000" fill="hold"/>
                                         <p:tgtEl>
@@ -18530,14 +18603,14 @@
                 </p:childTnLst>
               </p:cTn>
               <p:prevCondLst>
-                <p:cond evt="onPrev">
+                <p:cond evt="onPrev" delay="0">
                   <p:tgtEl>
                     <p:sldTgt/>
                   </p:tgtEl>
                 </p:cond>
               </p:prevCondLst>
               <p:nextCondLst>
-                <p:cond evt="onNext">
+                <p:cond evt="onNext" delay="0">
                   <p:tgtEl>
                     <p:sldTgt/>
                   </p:tgtEl>
@@ -18549,20 +18622,20 @@
       </p:par>
     </p:tnLst>
     <p:bldLst>
-      <p:bldP build="whole" bldLvl="1" animBg="1" rev="0" advAuto="0" spid="520" grpId="6"/>
-      <p:bldP build="whole" bldLvl="1" animBg="1" rev="0" advAuto="0" spid="521" grpId="4"/>
-      <p:bldP build="whole" bldLvl="1" animBg="1" rev="0" advAuto="0" spid="522" grpId="8"/>
-      <p:bldP build="whole" bldLvl="1" animBg="1" rev="0" advAuto="0" spid="521" grpId="7"/>
-      <p:bldP build="whole" bldLvl="1" animBg="1" rev="0" advAuto="0" spid="519" grpId="1"/>
-      <p:bldP build="whole" bldLvl="1" animBg="1" rev="0" advAuto="0" spid="522" grpId="5"/>
-      <p:bldP build="whole" bldLvl="1" animBg="1" rev="0" advAuto="0" spid="520" grpId="3"/>
+      <p:bldP spid="519" grpId="1" animBg="1" advAuto="0"/>
+      <p:bldP spid="520" grpId="3" animBg="1" advAuto="0"/>
+      <p:bldP spid="520" grpId="6" animBg="1" advAuto="0"/>
+      <p:bldP spid="521" grpId="4" animBg="1" advAuto="0"/>
+      <p:bldP spid="521" grpId="7" animBg="1" advAuto="0"/>
+      <p:bldP spid="522" grpId="5" animBg="1" advAuto="0"/>
+      <p:bldP spid="522" grpId="8" animBg="1" advAuto="0"/>
     </p:bldLst>
   </p:timing>
 </p:sld>
 </file>
 
 <file path=ppt/slides/slide7.xml><?xml version="1.0" encoding="utf-8"?>
-<p:sld xmlns:a="http://schemas.openxmlformats.org/drawingml/2006/main" xmlns:r="http://schemas.openxmlformats.org/officeDocument/2006/relationships" xmlns:p="http://schemas.openxmlformats.org/presentationml/2006/main" showMasterSp="1" showMasterPhAnim="1">
+<p:sld xmlns:a="http://schemas.openxmlformats.org/drawingml/2006/main" xmlns:r="http://schemas.openxmlformats.org/officeDocument/2006/relationships" xmlns:p="http://schemas.openxmlformats.org/presentationml/2006/main">
   <p:cSld>
     <p:spTree>
       <p:nvGrpSpPr>
@@ -18590,7 +18663,7 @@
           <a:blip r:embed="rId2">
             <a:extLst/>
           </a:blip>
-          <a:srcRect l="0" t="0" r="0" b="12849"/>
+          <a:srcRect b="12849"/>
           <a:stretch>
             <a:fillRect/>
           </a:stretch>
@@ -18620,7 +18693,7 @@
           <a:blip r:embed="rId3">
             <a:extLst/>
           </a:blip>
-          <a:srcRect l="0" t="7451" r="0" b="21572"/>
+          <a:srcRect t="7451" b="21572"/>
           <a:stretch>
             <a:fillRect/>
           </a:stretch>
@@ -18645,7 +18718,7 @@
           <p:nvPr/>
         </p:nvSpPr>
         <p:spPr>
-          <a:xfrm flipH="1" rot="1212739">
+          <a:xfrm rot="1212739" flipH="1">
             <a:off x="13065726" y="2001826"/>
             <a:ext cx="2143127" cy="2272508"/>
           </a:xfrm>
@@ -18669,7 +18742,7 @@
             </a:cxnLst>
             <a:rect l="0" t="0" r="r" b="b"/>
             <a:pathLst>
-              <a:path w="21600" h="21600" fill="norm" stroke="1" extrusionOk="0">
+              <a:path w="21600" h="21600" extrusionOk="0">
                 <a:moveTo>
                   <a:pt x="4164" y="0"/>
                 </a:moveTo>
@@ -18732,6 +18805,7 @@
             <a:pPr>
               <a:defRPr sz="3200"/>
             </a:pPr>
+            <a:endParaRPr/>
           </a:p>
         </p:txBody>
       </p:sp>
@@ -18764,7 +18838,7 @@
           </a:bodyPr>
           <a:lstStyle>
             <a:lvl1pPr>
-              <a:defRPr b="1" sz="20000">
+              <a:defRPr sz="20000" b="1">
                 <a:latin typeface="+mj-lt"/>
                 <a:ea typeface="+mj-ea"/>
                 <a:cs typeface="+mj-cs"/>
@@ -18773,7 +18847,6 @@
             </a:lvl1pPr>
           </a:lstStyle>
           <a:p>
-            <a:pPr/>
             <a:r>
               <a:t>?</a:t>
             </a:r>
@@ -18825,7 +18898,7 @@
               </a:cxnLst>
               <a:rect l="0" t="0" r="r" b="b"/>
               <a:pathLst>
-                <a:path w="21600" h="21600" fill="norm" stroke="1" extrusionOk="0">
+                <a:path w="21600" h="21600" extrusionOk="0">
                   <a:moveTo>
                     <a:pt x="4502" y="0"/>
                   </a:moveTo>
@@ -18893,6 +18966,7 @@
               <a:pPr>
                 <a:defRPr sz="3200"/>
               </a:pPr>
+              <a:endParaRPr/>
             </a:p>
           </p:txBody>
         </p:sp>
@@ -18927,7 +19001,7 @@
               </a:cxnLst>
               <a:rect l="0" t="0" r="r" b="b"/>
               <a:pathLst>
-                <a:path w="21600" h="21600" fill="norm" stroke="1" extrusionOk="0">
+                <a:path w="21600" h="21600" extrusionOk="0">
                   <a:moveTo>
                     <a:pt x="3851" y="0"/>
                   </a:moveTo>
@@ -18995,6 +19069,7 @@
               <a:pPr>
                 <a:defRPr sz="3200"/>
               </a:pPr>
+              <a:endParaRPr/>
             </a:p>
           </p:txBody>
         </p:sp>
@@ -19029,7 +19104,7 @@
               </a:cxnLst>
               <a:rect l="0" t="0" r="r" b="b"/>
               <a:pathLst>
-                <a:path w="21600" h="21600" fill="norm" stroke="1" extrusionOk="0">
+                <a:path w="21600" h="21600" extrusionOk="0">
                   <a:moveTo>
                     <a:pt x="4502" y="0"/>
                   </a:moveTo>
@@ -19097,6 +19172,7 @@
               <a:pPr>
                 <a:defRPr sz="3200"/>
               </a:pPr>
+              <a:endParaRPr/>
             </a:p>
           </p:txBody>
         </p:sp>
@@ -19132,7 +19208,7 @@
             </a:bodyPr>
             <a:lstStyle>
               <a:lvl1pPr>
-                <a:defRPr b="1" sz="10000">
+                <a:defRPr sz="10000" b="1">
                   <a:latin typeface="+mj-lt"/>
                   <a:ea typeface="+mj-ea"/>
                   <a:cs typeface="+mj-cs"/>
@@ -19141,7 +19217,6 @@
               </a:lvl1pPr>
             </a:lstStyle>
             <a:p>
-              <a:pPr/>
               <a:r>
                 <a:t>!</a:t>
               </a:r>
@@ -19180,7 +19255,7 @@
             </a:bodyPr>
             <a:lstStyle>
               <a:lvl1pPr>
-                <a:defRPr b="1" sz="10000">
+                <a:defRPr sz="10000" b="1">
                   <a:latin typeface="+mj-lt"/>
                   <a:ea typeface="+mj-ea"/>
                   <a:cs typeface="+mj-cs"/>
@@ -19189,7 +19264,6 @@
               </a:lvl1pPr>
             </a:lstStyle>
             <a:p>
-              <a:pPr/>
               <a:r>
                 <a:t>!</a:t>
               </a:r>
@@ -19228,7 +19302,7 @@
             </a:bodyPr>
             <a:lstStyle>
               <a:lvl1pPr>
-                <a:defRPr b="1" sz="10000">
+                <a:defRPr sz="10000" b="1">
                   <a:latin typeface="+mj-lt"/>
                   <a:ea typeface="+mj-ea"/>
                   <a:cs typeface="+mj-cs"/>
@@ -19237,7 +19311,6 @@
               </a:lvl1pPr>
             </a:lstStyle>
             <a:p>
-              <a:pPr/>
               <a:r>
                 <a:t>!</a:t>
               </a:r>
@@ -19276,7 +19349,7 @@
             </a:bodyPr>
             <a:lstStyle>
               <a:lvl1pPr>
-                <a:defRPr b="1" sz="10000">
+                <a:defRPr sz="10000" b="1">
                   <a:latin typeface="+mj-lt"/>
                   <a:ea typeface="+mj-ea"/>
                   <a:cs typeface="+mj-cs"/>
@@ -19285,7 +19358,6 @@
               </a:lvl1pPr>
             </a:lstStyle>
             <a:p>
-              <a:pPr/>
               <a:r>
                 <a:t>!</a:t>
               </a:r>
@@ -19408,7 +19480,7 @@
           </a:bodyPr>
           <a:lstStyle>
             <a:lvl1pPr>
-              <a:defRPr b="1" sz="10000">
+              <a:defRPr sz="10000" b="1">
                 <a:latin typeface="+mj-lt"/>
                 <a:ea typeface="+mj-ea"/>
                 <a:cs typeface="+mj-cs"/>
@@ -19417,7 +19489,6 @@
             </a:lvl1pPr>
           </a:lstStyle>
           <a:p>
-            <a:pPr/>
             <a:r>
               <a:t>Problem</a:t>
             </a:r>
@@ -19429,13 +19500,13 @@
   <p:clrMapOvr>
     <a:masterClrMapping/>
   </p:clrMapOvr>
-  <mc:AlternateContent xmlns:mc="http://schemas.openxmlformats.org/markup-compatibility/2006">
-    <mc:Choice xmlns:p14="http://schemas.microsoft.com/office/powerpoint/2010/main" Requires="p14">
-      <p:transition spd="fast" advClick="1" p14:dur="500">
+  <mc:AlternateContent xmlns:mc="http://schemas.openxmlformats.org/markup-compatibility/2006" xmlns:p14="http://schemas.microsoft.com/office/powerpoint/2010/main">
+    <mc:Choice Requires="p14">
+      <p:transition>
         <p:dissolve/>
       </p:transition>
     </mc:Choice>
-    <mc:Fallback>
+    <mc:Fallback xmlns="">
       <p:transition spd="fast">
         <p:fade/>
       </p:transition>
@@ -19444,16 +19515,16 @@
   <p:timing>
     <p:tnLst>
       <p:par>
-        <p:cTn id="1" nodeType="tmRoot" restart="never" dur="indefinite" fill="hold">
+        <p:cTn id="1" dur="indefinite" restart="never" fill="hold" nodeType="tmRoot">
           <p:childTnLst>
             <p:seq concurrent="1" prevAc="none" nextAc="seek">
-              <p:cTn id="2" nodeType="mainSeq" dur="indefinite" fill="hold">
+              <p:cTn id="2" dur="indefinite" fill="hold" nodeType="mainSeq">
                 <p:childTnLst>
                   <p:par>
                     <p:cTn id="3" fill="hold">
                       <p:stCondLst>
                         <p:cond delay="indefinite"/>
-                        <p:cond evt="onBegin">
+                        <p:cond evt="onBegin" delay="0">
                           <p:tn val="2"/>
                         </p:cond>
                       </p:stCondLst>
@@ -19465,11 +19536,11 @@
                             </p:stCondLst>
                             <p:childTnLst>
                               <p:par>
-                                <p:cTn id="5" presetClass="entr" nodeType="afterEffect" presetID="9" grpId="1" fill="hold">
+                                <p:cTn id="5" presetID="9" presetClass="entr" fill="hold" grpId="1" nodeType="afterEffect">
                                   <p:stCondLst>
                                     <p:cond delay="0"/>
                                   </p:stCondLst>
-                                  <p:iterate type="el" backwards="0">
+                                  <p:iterate>
                                     <p:tmAbs val="0"/>
                                   </p:iterate>
                                   <p:childTnLst>
@@ -19487,7 +19558,7 @@
                                         <p:strVal val="visible"/>
                                       </p:to>
                                     </p:set>
-                                    <p:animEffect filter="dissolve" transition="in">
+                                    <p:animEffect transition="in" filter="dissolve">
                                       <p:cBhvr>
                                         <p:cTn id="7" dur="1000"/>
                                         <p:tgtEl>
@@ -19508,11 +19579,11 @@
                             </p:stCondLst>
                             <p:childTnLst>
                               <p:par>
-                                <p:cTn id="9" presetClass="entr" nodeType="afterEffect" presetSubtype="16" presetID="23" grpId="2" fill="hold">
+                                <p:cTn id="9" presetID="23" presetClass="entr" presetSubtype="16" fill="hold" grpId="2" nodeType="afterEffect">
                                   <p:stCondLst>
                                     <p:cond delay="0"/>
                                   </p:stCondLst>
-                                  <p:iterate type="el" backwards="0">
+                                  <p:iterate>
                                     <p:tmAbs val="0"/>
                                   </p:iterate>
                                   <p:childTnLst>
@@ -19589,11 +19660,11 @@
                             </p:stCondLst>
                             <p:childTnLst>
                               <p:par>
-                                <p:cTn id="14" presetClass="entr" nodeType="afterEffect" presetSubtype="16" presetID="23" grpId="3" fill="hold">
+                                <p:cTn id="14" presetID="23" presetClass="entr" presetSubtype="16" fill="hold" grpId="3" nodeType="afterEffect">
                                   <p:stCondLst>
                                     <p:cond delay="0"/>
                                   </p:stCondLst>
-                                  <p:iterate type="el" backwards="0">
+                                  <p:iterate>
                                     <p:tmAbs val="0"/>
                                   </p:iterate>
                                   <p:childTnLst>
@@ -19670,11 +19741,11 @@
                             </p:stCondLst>
                             <p:childTnLst>
                               <p:par>
-                                <p:cTn id="19" presetClass="entr" nodeType="afterEffect" presetSubtype="16" presetID="23" grpId="4" fill="hold">
+                                <p:cTn id="19" presetID="23" presetClass="entr" presetSubtype="16" fill="hold" grpId="4" nodeType="afterEffect">
                                   <p:stCondLst>
                                     <p:cond delay="0"/>
                                   </p:stCondLst>
-                                  <p:iterate type="el" backwards="0">
+                                  <p:iterate>
                                     <p:tmAbs val="0"/>
                                   </p:iterate>
                                   <p:childTnLst>
@@ -19760,11 +19831,11 @@
                             </p:stCondLst>
                             <p:childTnLst>
                               <p:par>
-                                <p:cTn id="25" presetClass="exit" nodeType="clickEffect" presetSubtype="32" presetID="23" grpId="5" fill="hold">
+                                <p:cTn id="25" presetID="23" presetClass="exit" presetSubtype="32" fill="hold" grpId="5" nodeType="clickEffect">
                                   <p:stCondLst>
                                     <p:cond delay="0"/>
                                   </p:stCondLst>
-                                  <p:iterate type="el" backwards="0">
+                                  <p:iterate>
                                     <p:tmAbs val="0"/>
                                   </p:iterate>
                                   <p:childTnLst>
@@ -19845,11 +19916,11 @@
                             </p:stCondLst>
                             <p:childTnLst>
                               <p:par>
-                                <p:cTn id="30" presetClass="entr" nodeType="afterEffect" presetSubtype="16" presetID="23" grpId="6" fill="hold">
+                                <p:cTn id="30" presetID="23" presetClass="entr" presetSubtype="16" fill="hold" grpId="6" nodeType="afterEffect">
                                   <p:stCondLst>
                                     <p:cond delay="0"/>
                                   </p:stCondLst>
-                                  <p:iterate type="el" backwards="0">
+                                  <p:iterate>
                                     <p:tmAbs val="0"/>
                                   </p:iterate>
                                   <p:childTnLst>
@@ -19935,11 +20006,11 @@
                             </p:stCondLst>
                             <p:childTnLst>
                               <p:par>
-                                <p:cTn id="36" presetClass="exit" nodeType="clickEffect" presetSubtype="32" presetID="23" grpId="7" fill="hold">
+                                <p:cTn id="36" presetID="23" presetClass="exit" presetSubtype="32" fill="hold" grpId="7" nodeType="clickEffect">
                                   <p:stCondLst>
                                     <p:cond delay="0"/>
                                   </p:stCondLst>
-                                  <p:iterate type="el" backwards="0">
+                                  <p:iterate>
                                     <p:tmAbs val="0"/>
                                   </p:iterate>
                                   <p:childTnLst>
@@ -20020,11 +20091,11 @@
                             </p:stCondLst>
                             <p:childTnLst>
                               <p:par>
-                                <p:cTn id="41" presetClass="exit" nodeType="afterEffect" presetSubtype="32" presetID="23" grpId="8" fill="hold">
+                                <p:cTn id="41" presetID="23" presetClass="exit" presetSubtype="32" fill="hold" grpId="8" nodeType="afterEffect">
                                   <p:stCondLst>
                                     <p:cond delay="0"/>
                                   </p:stCondLst>
-                                  <p:iterate type="el" backwards="0">
+                                  <p:iterate>
                                     <p:tmAbs val="0"/>
                                   </p:iterate>
                                   <p:childTnLst>
@@ -20105,11 +20176,11 @@
                             </p:stCondLst>
                             <p:childTnLst>
                               <p:par>
-                                <p:cTn id="46" presetClass="exit" nodeType="afterEffect" presetSubtype="32" presetID="23" grpId="9" fill="hold">
+                                <p:cTn id="46" presetID="23" presetClass="exit" presetSubtype="32" fill="hold" grpId="9" nodeType="afterEffect">
                                   <p:stCondLst>
                                     <p:cond delay="0"/>
                                   </p:stCondLst>
-                                  <p:iterate type="el" backwards="0">
+                                  <p:iterate>
                                     <p:tmAbs val="0"/>
                                   </p:iterate>
                                   <p:childTnLst>
@@ -20190,11 +20261,11 @@
                             </p:stCondLst>
                             <p:childTnLst>
                               <p:par>
-                                <p:cTn id="51" presetClass="exit" nodeType="afterEffect" presetSubtype="32" presetID="23" grpId="10" fill="hold">
+                                <p:cTn id="51" presetID="23" presetClass="exit" presetSubtype="32" fill="hold" grpId="10" nodeType="afterEffect">
                                   <p:stCondLst>
                                     <p:cond delay="0"/>
                                   </p:stCondLst>
-                                  <p:iterate type="el" backwards="0">
+                                  <p:iterate>
                                     <p:tmAbs val="0"/>
                                   </p:iterate>
                                   <p:childTnLst>
@@ -20275,11 +20346,11 @@
                             </p:stCondLst>
                             <p:childTnLst>
                               <p:par>
-                                <p:cTn id="56" presetClass="exit" nodeType="afterEffect" presetSubtype="32" presetID="23" grpId="11" fill="hold">
+                                <p:cTn id="56" presetID="23" presetClass="exit" presetSubtype="32" fill="hold" grpId="11" nodeType="afterEffect">
                                   <p:stCondLst>
                                     <p:cond delay="0"/>
                                   </p:stCondLst>
-                                  <p:iterate type="el" backwards="0">
+                                  <p:iterate>
                                     <p:tmAbs val="0"/>
                                   </p:iterate>
                                   <p:childTnLst>
@@ -20359,14 +20430,14 @@
                 </p:childTnLst>
               </p:cTn>
               <p:prevCondLst>
-                <p:cond evt="onPrev">
+                <p:cond evt="onPrev" delay="0">
                   <p:tgtEl>
                     <p:sldTgt/>
                   </p:tgtEl>
                 </p:cond>
               </p:prevCondLst>
               <p:nextCondLst>
-                <p:cond evt="onNext">
+                <p:cond evt="onNext" delay="0">
                   <p:tgtEl>
                     <p:sldTgt/>
                   </p:tgtEl>
@@ -20378,24 +20449,24 @@
       </p:par>
     </p:tnLst>
     <p:bldLst>
-      <p:bldP build="whole" bldLvl="1" animBg="1" rev="0" advAuto="0" spid="528" grpId="11"/>
-      <p:bldP build="whole" bldLvl="1" animBg="1" rev="0" advAuto="0" spid="538" grpId="2"/>
-      <p:bldP build="whole" bldLvl="1" animBg="1" rev="0" advAuto="0" spid="528" grpId="1"/>
-      <p:bldP build="whole" bldLvl="1" animBg="1" rev="0" advAuto="0" spid="529" grpId="3"/>
-      <p:bldP build="whole" bldLvl="1" animBg="1" rev="0" advAuto="0" spid="527" grpId="9"/>
-      <p:bldP build="whole" bldLvl="1" animBg="1" rev="0" advAuto="0" spid="539" grpId="6"/>
-      <p:bldP build="whole" bldLvl="1" animBg="1" rev="0" advAuto="0" spid="530" grpId="5"/>
-      <p:bldP build="whole" bldLvl="1" animBg="1" rev="0" advAuto="0" spid="530" grpId="4"/>
-      <p:bldP build="whole" bldLvl="1" animBg="1" rev="0" advAuto="0" spid="539" grpId="7"/>
-      <p:bldP build="whole" bldLvl="1" animBg="1" rev="0" advAuto="0" spid="529" grpId="8"/>
-      <p:bldP build="whole" bldLvl="1" animBg="1" rev="0" advAuto="0" spid="538" grpId="10"/>
+      <p:bldP spid="527" grpId="9" animBg="1" advAuto="0"/>
+      <p:bldP spid="528" grpId="1" animBg="1" advAuto="0"/>
+      <p:bldP spid="528" grpId="11" animBg="1" advAuto="0"/>
+      <p:bldP spid="529" grpId="3" animBg="1" advAuto="0"/>
+      <p:bldP spid="529" grpId="8" animBg="1" advAuto="0"/>
+      <p:bldP spid="530" grpId="4" animBg="1" advAuto="0"/>
+      <p:bldP spid="530" grpId="5" animBg="1" advAuto="0"/>
+      <p:bldP spid="538" grpId="2" animBg="1" advAuto="0"/>
+      <p:bldP spid="538" grpId="10" animBg="1" advAuto="0"/>
+      <p:bldP spid="539" grpId="6" animBg="1" advAuto="0"/>
+      <p:bldP spid="539" grpId="7" animBg="1" advAuto="0"/>
     </p:bldLst>
   </p:timing>
 </p:sld>
 </file>
 
 <file path=ppt/slides/slide8.xml><?xml version="1.0" encoding="utf-8"?>
-<p:sld xmlns:a="http://schemas.openxmlformats.org/drawingml/2006/main" xmlns:r="http://schemas.openxmlformats.org/officeDocument/2006/relationships" xmlns:p="http://schemas.openxmlformats.org/presentationml/2006/main" showMasterSp="1" showMasterPhAnim="1">
+<p:sld xmlns:a="http://schemas.openxmlformats.org/drawingml/2006/main" xmlns:r="http://schemas.openxmlformats.org/officeDocument/2006/relationships" xmlns:p="http://schemas.openxmlformats.org/presentationml/2006/main">
   <p:cSld>
     <p:spTree>
       <p:nvGrpSpPr>
@@ -20446,8 +20517,18 @@
               </a:spcBef>
             </a:pPr>
             <a:r>
-              <a:t>Aware is essentially a survey application, and in the long term, will evolve into a data analytics platform that will help companies better understand their employees as well as provide new ways of measuring a company’s capital based on how fairly they pay and treat employees/</a:t>
+              <a:rPr dirty="0"/>
+              <a:t>Aware is essentially a survey application, and in the long term, will evolve into a data analytics platform that will help companies better understand their employees as well as provide new ways of measuring a company’s capital based on how fairly they pay and treat </a:t>
             </a:r>
+            <a:r>
+              <a:rPr dirty="0" smtClean="0"/>
+              <a:t>employees</a:t>
+            </a:r>
+            <a:r>
+              <a:rPr lang="en-US" dirty="0"/>
+              <a:t>.</a:t>
+            </a:r>
+            <a:endParaRPr dirty="0"/>
           </a:p>
           <a:p>
             <a:pPr algn="l">
@@ -20455,6 +20536,7 @@
                 <a:spcPts val="3000"/>
               </a:spcBef>
             </a:pPr>
+            <a:endParaRPr dirty="0"/>
           </a:p>
           <a:p>
             <a:pPr algn="l">
@@ -20463,6 +20545,7 @@
               </a:spcBef>
             </a:pPr>
             <a:r>
+              <a:rPr dirty="0"/>
               <a:t>As a third, intermediary party our goal is to improve the employee-employer relationship.</a:t>
             </a:r>
           </a:p>
@@ -20523,7 +20606,6 @@
               </a:lvl1pPr>
             </a:lstStyle>
             <a:p>
-              <a:pPr/>
               <a:r>
                 <a:t>Aware</a:t>
               </a:r>
@@ -20571,7 +20653,6 @@
               </a:lvl1pPr>
             </a:lstStyle>
             <a:p>
-              <a:pPr/>
               <a:r>
                 <a:t>the smarter employee survey</a:t>
               </a:r>
@@ -20637,7 +20718,7 @@
           </a:bodyPr>
           <a:lstStyle>
             <a:lvl1pPr>
-              <a:defRPr b="1" sz="10000">
+              <a:defRPr sz="10000" b="1">
                 <a:latin typeface="+mj-lt"/>
                 <a:ea typeface="+mj-ea"/>
                 <a:cs typeface="+mj-cs"/>
@@ -20646,7 +20727,6 @@
             </a:lvl1pPr>
           </a:lstStyle>
           <a:p>
-            <a:pPr/>
             <a:r>
               <a:t>Solution</a:t>
             </a:r>
@@ -20658,13 +20738,13 @@
   <p:clrMapOvr>
     <a:masterClrMapping/>
   </p:clrMapOvr>
-  <mc:AlternateContent xmlns:mc="http://schemas.openxmlformats.org/markup-compatibility/2006">
-    <mc:Choice xmlns:p14="http://schemas.microsoft.com/office/powerpoint/2010/main" Requires="p14">
-      <p:transition spd="slow" advClick="1" p14:dur="1200">
+  <mc:AlternateContent xmlns:mc="http://schemas.openxmlformats.org/markup-compatibility/2006" xmlns:p14="http://schemas.microsoft.com/office/powerpoint/2010/main">
+    <mc:Choice Requires="p14">
+      <p:transition spd="slow" p14:dur="1200">
         <p:dissolve/>
       </p:transition>
     </mc:Choice>
-    <mc:Fallback>
+    <mc:Fallback xmlns="">
       <p:transition spd="slow">
         <p:fade/>
       </p:transition>
@@ -20673,16 +20753,16 @@
   <p:timing>
     <p:tnLst>
       <p:par>
-        <p:cTn id="1" nodeType="tmRoot" restart="never" dur="indefinite" fill="hold">
+        <p:cTn id="1" dur="indefinite" restart="never" fill="hold" nodeType="tmRoot">
           <p:childTnLst>
             <p:seq concurrent="1" prevAc="none" nextAc="seek">
-              <p:cTn id="2" nodeType="mainSeq" dur="indefinite" fill="hold">
+              <p:cTn id="2" dur="indefinite" fill="hold" nodeType="mainSeq">
                 <p:childTnLst>
                   <p:par>
                     <p:cTn id="3" fill="hold">
                       <p:stCondLst>
                         <p:cond delay="indefinite"/>
-                        <p:cond evt="onBegin">
+                        <p:cond evt="onBegin" delay="0">
                           <p:tn val="2"/>
                         </p:cond>
                       </p:stCondLst>
@@ -20694,11 +20774,11 @@
                             </p:stCondLst>
                             <p:childTnLst>
                               <p:par>
-                                <p:cTn id="5" presetClass="entr" nodeType="afterEffect" presetID="9" grpId="1" fill="hold">
+                                <p:cTn id="5" presetID="9" presetClass="entr" fill="hold" grpId="1" nodeType="afterEffect">
                                   <p:stCondLst>
                                     <p:cond delay="0"/>
                                   </p:stCondLst>
-                                  <p:iterate type="el" backwards="0">
+                                  <p:iterate>
                                     <p:tmAbs val="0"/>
                                   </p:iterate>
                                   <p:childTnLst>
@@ -20716,7 +20796,7 @@
                                         <p:strVal val="visible"/>
                                       </p:to>
                                     </p:set>
-                                    <p:animEffect filter="dissolve" transition="in">
+                                    <p:animEffect transition="in" filter="dissolve">
                                       <p:cBhvr>
                                         <p:cTn id="7" dur="1000"/>
                                         <p:tgtEl>
@@ -20737,11 +20817,11 @@
                             </p:stCondLst>
                             <p:childTnLst>
                               <p:par>
-                                <p:cTn id="9" presetClass="entr" nodeType="afterEffect" presetSubtype="8" presetID="22" grpId="2" fill="hold">
+                                <p:cTn id="9" presetID="22" presetClass="entr" presetSubtype="8" fill="hold" grpId="2" nodeType="afterEffect">
                                   <p:stCondLst>
                                     <p:cond delay="0"/>
                                   </p:stCondLst>
-                                  <p:iterate type="el" backwards="0">
+                                  <p:iterate>
                                     <p:tmAbs val="0"/>
                                   </p:iterate>
                                   <p:childTnLst>
@@ -20759,7 +20839,7 @@
                                         <p:strVal val="visible"/>
                                       </p:to>
                                     </p:set>
-                                    <p:animEffect filter="wipe(left)" transition="in">
+                                    <p:animEffect transition="in" filter="wipe(left)">
                                       <p:cBhvr>
                                         <p:cTn id="11" dur="1000"/>
                                         <p:tgtEl>
@@ -20779,14 +20859,14 @@
                 </p:childTnLst>
               </p:cTn>
               <p:prevCondLst>
-                <p:cond evt="onPrev">
+                <p:cond evt="onPrev" delay="0">
                   <p:tgtEl>
                     <p:sldTgt/>
                   </p:tgtEl>
                 </p:cond>
               </p:prevCondLst>
               <p:nextCondLst>
-                <p:cond evt="onNext">
+                <p:cond evt="onNext" delay="0">
                   <p:tgtEl>
                     <p:sldTgt/>
                   </p:tgtEl>
@@ -20798,15 +20878,15 @@
       </p:par>
     </p:tnLst>
     <p:bldLst>
-      <p:bldP build="whole" bldLvl="1" animBg="1" rev="0" advAuto="0" spid="543" grpId="1"/>
-      <p:bldP build="whole" bldLvl="1" animBg="1" rev="0" advAuto="0" spid="547" grpId="2"/>
+      <p:bldP spid="543" grpId="1" animBg="1" advAuto="0"/>
+      <p:bldP spid="547" grpId="2" animBg="1" advAuto="0"/>
     </p:bldLst>
   </p:timing>
 </p:sld>
 </file>
 
 <file path=ppt/slides/slide9.xml><?xml version="1.0" encoding="utf-8"?>
-<p:sld xmlns:a="http://schemas.openxmlformats.org/drawingml/2006/main" xmlns:r="http://schemas.openxmlformats.org/officeDocument/2006/relationships" xmlns:p="http://schemas.openxmlformats.org/presentationml/2006/main" showMasterSp="1" showMasterPhAnim="1">
+<p:sld xmlns:a="http://schemas.openxmlformats.org/drawingml/2006/main" xmlns:r="http://schemas.openxmlformats.org/officeDocument/2006/relationships" xmlns:p="http://schemas.openxmlformats.org/presentationml/2006/main">
   <p:cSld>
     <p:spTree>
       <p:nvGrpSpPr>
@@ -20927,7 +21007,6 @@
               </a:lvl1pPr>
             </a:lstStyle>
             <a:p>
-              <a:pPr/>
               <a:r>
                 <a:t>Aware</a:t>
               </a:r>
@@ -20975,7 +21054,6 @@
               </a:lvl1pPr>
             </a:lstStyle>
             <a:p>
-              <a:pPr/>
               <a:r>
                 <a:t>the smarter employee survey</a:t>
               </a:r>
@@ -21041,7 +21119,7 @@
           </a:bodyPr>
           <a:lstStyle>
             <a:lvl1pPr>
-              <a:defRPr b="1" sz="10000">
+              <a:defRPr sz="10000" b="1">
                 <a:latin typeface="+mj-lt"/>
                 <a:ea typeface="+mj-ea"/>
                 <a:cs typeface="+mj-cs"/>
@@ -21050,7 +21128,6 @@
             </a:lvl1pPr>
           </a:lstStyle>
           <a:p>
-            <a:pPr/>
             <a:r>
               <a:t>Solution</a:t>
             </a:r>
@@ -21062,13 +21139,13 @@
   <p:clrMapOvr>
     <a:masterClrMapping/>
   </p:clrMapOvr>
-  <mc:AlternateContent xmlns:mc="http://schemas.openxmlformats.org/markup-compatibility/2006">
-    <mc:Choice xmlns:p14="http://schemas.microsoft.com/office/powerpoint/2010/main" Requires="p14">
-      <p:transition spd="fast" advClick="1" p14:dur="500">
+  <mc:AlternateContent xmlns:mc="http://schemas.openxmlformats.org/markup-compatibility/2006" xmlns:p14="http://schemas.microsoft.com/office/powerpoint/2010/main">
+    <mc:Choice Requires="p14">
+      <p:transition>
         <p:dissolve/>
       </p:transition>
     </mc:Choice>
-    <mc:Fallback>
+    <mc:Fallback xmlns="">
       <p:transition spd="fast">
         <p:fade/>
       </p:transition>
@@ -21077,16 +21154,16 @@
   <p:timing>
     <p:tnLst>
       <p:par>
-        <p:cTn id="1" nodeType="tmRoot" restart="never" dur="indefinite" fill="hold">
+        <p:cTn id="1" dur="indefinite" restart="never" fill="hold" nodeType="tmRoot">
           <p:childTnLst>
             <p:seq concurrent="1" prevAc="none" nextAc="seek">
-              <p:cTn id="2" nodeType="mainSeq" dur="indefinite" fill="hold">
+              <p:cTn id="2" dur="indefinite" fill="hold" nodeType="mainSeq">
                 <p:childTnLst>
                   <p:par>
                     <p:cTn id="3" fill="hold">
                       <p:stCondLst>
                         <p:cond delay="indefinite"/>
-                        <p:cond evt="onBegin">
+                        <p:cond evt="onBegin" delay="0">
                           <p:tn val="2"/>
                         </p:cond>
                       </p:stCondLst>
@@ -21098,11 +21175,11 @@
                             </p:stCondLst>
                             <p:childTnLst>
                               <p:par>
-                                <p:cTn id="5" presetClass="entr" nodeType="afterEffect" presetID="9" grpId="1" fill="hold">
+                                <p:cTn id="5" presetID="9" presetClass="entr" fill="hold" grpId="1" nodeType="afterEffect">
                                   <p:stCondLst>
                                     <p:cond delay="0"/>
                                   </p:stCondLst>
-                                  <p:iterate type="el" backwards="0">
+                                  <p:iterate>
                                     <p:tmAbs val="0"/>
                                   </p:iterate>
                                   <p:childTnLst>
@@ -21120,7 +21197,7 @@
                                         <p:strVal val="visible"/>
                                       </p:to>
                                     </p:set>
-                                    <p:animEffect filter="dissolve" transition="in">
+                                    <p:animEffect transition="in" filter="dissolve">
                                       <p:cBhvr>
                                         <p:cTn id="7" dur="1000"/>
                                         <p:tgtEl>
@@ -21141,11 +21218,11 @@
                             </p:stCondLst>
                             <p:childTnLst>
                               <p:par>
-                                <p:cTn id="9" presetClass="entr" nodeType="afterEffect" presetSubtype="8" presetID="22" grpId="2" fill="hold">
+                                <p:cTn id="9" presetID="22" presetClass="entr" presetSubtype="8" fill="hold" grpId="2" nodeType="afterEffect">
                                   <p:stCondLst>
                                     <p:cond delay="0"/>
                                   </p:stCondLst>
-                                  <p:iterate type="el" backwards="0">
+                                  <p:iterate>
                                     <p:tmAbs val="0"/>
                                   </p:iterate>
                                   <p:childTnLst>
@@ -21163,7 +21240,7 @@
                                         <p:strVal val="visible"/>
                                       </p:to>
                                     </p:set>
-                                    <p:animEffect filter="wipe(left)" transition="in">
+                                    <p:animEffect transition="in" filter="wipe(left)">
                                       <p:cBhvr>
                                         <p:cTn id="11" dur="1000"/>
                                         <p:tgtEl>
@@ -21183,14 +21260,14 @@
                 </p:childTnLst>
               </p:cTn>
               <p:prevCondLst>
-                <p:cond evt="onPrev">
+                <p:cond evt="onPrev" delay="0">
                   <p:tgtEl>
                     <p:sldTgt/>
                   </p:tgtEl>
                 </p:cond>
               </p:prevCondLst>
               <p:nextCondLst>
-                <p:cond evt="onNext">
+                <p:cond evt="onNext" delay="0">
                   <p:tgtEl>
                     <p:sldTgt/>
                   </p:tgtEl>
@@ -21202,15 +21279,15 @@
       </p:par>
     </p:tnLst>
     <p:bldLst>
-      <p:bldP build="whole" bldLvl="1" animBg="1" rev="0" advAuto="0" spid="554" grpId="2"/>
-      <p:bldP build="whole" bldLvl="1" animBg="1" rev="0" advAuto="0" spid="550" grpId="1"/>
+      <p:bldP spid="550" grpId="1" animBg="1" advAuto="0"/>
+      <p:bldP spid="554" grpId="2" animBg="1" advAuto="0"/>
     </p:bldLst>
   </p:timing>
 </p:sld>
 </file>
 
 <file path=ppt/theme/theme1.xml><?xml version="1.0" encoding="utf-8"?>
-<a:theme xmlns:a="http://schemas.openxmlformats.org/drawingml/2006/main" xmlns:r="http://schemas.openxmlformats.org/officeDocument/2006/relationships" name="White">
+<a:theme xmlns:a="http://schemas.openxmlformats.org/drawingml/2006/main" name="White">
   <a:themeElements>
     <a:clrScheme name="White">
       <a:dk1>
@@ -21336,7 +21413,7 @@
       <a:effectStyleLst>
         <a:effectStyle>
           <a:effectLst>
-            <a:outerShdw sx="100000" sy="100000" kx="0" ky="0" algn="b" rotWithShape="0" blurRad="38100" dist="25400" dir="5400000">
+            <a:outerShdw blurRad="38100" dist="25400" dir="5400000" rotWithShape="0">
               <a:srgbClr val="000000">
                 <a:alpha val="50000"/>
               </a:srgbClr>
@@ -21345,7 +21422,7 @@
         </a:effectStyle>
         <a:effectStyle>
           <a:effectLst>
-            <a:outerShdw sx="100000" sy="100000" kx="0" ky="0" algn="b" rotWithShape="0" blurRad="38100" dist="25400" dir="5400000">
+            <a:outerShdw blurRad="38100" dist="25400" dir="5400000" rotWithShape="0">
               <a:srgbClr val="000000">
                 <a:alpha val="50000"/>
               </a:srgbClr>
@@ -21354,7 +21431,7 @@
         </a:effectStyle>
         <a:effectStyle>
           <a:effectLst>
-            <a:outerShdw sx="100000" sy="100000" kx="0" ky="0" algn="b" rotWithShape="0" blurRad="38100" dist="25400" dir="5400000">
+            <a:outerShdw blurRad="38100" dist="25400" dir="5400000" rotWithShape="0">
               <a:srgbClr val="000000">
                 <a:alpha val="50000"/>
               </a:srgbClr>
@@ -21428,7 +21505,7 @@
           <a:round/>
         </a:ln>
         <a:effectLst>
-          <a:outerShdw sx="100000" sy="100000" kx="0" ky="0" algn="b" rotWithShape="0" blurRad="38100" dist="25400" dir="5400000">
+          <a:outerShdw blurRad="38100" dist="25400" dir="5400000" rotWithShape="0">
             <a:srgbClr val="000000">
               <a:alpha val="50000"/>
             </a:srgbClr>
@@ -21436,7 +21513,7 @@
         </a:effectLst>
         <a:sp3d/>
       </a:spPr>
-      <a:bodyPr rot="0" spcFirstLastPara="1" vertOverflow="overflow" horzOverflow="overflow" vert="horz" wrap="square" lIns="50800" tIns="50800" rIns="50800" bIns="50800" numCol="1" spcCol="38100" rtlCol="0" anchor="ctr" upright="0">
+      <a:bodyPr rot="0" spcFirstLastPara="1" vertOverflow="overflow" horzOverflow="overflow" vert="horz" wrap="square" lIns="50800" tIns="50800" rIns="50800" bIns="50800" numCol="1" spcCol="38100" rtlCol="0" anchor="ctr">
         <a:spAutoFit/>
       </a:bodyPr>
       <a:lstStyle>
@@ -21455,7 +21532,7 @@
           <a:buFontTx/>
           <a:buNone/>
           <a:tabLst/>
-          <a:defRPr b="0" baseline="0" cap="none" i="0" spc="0" strike="noStrike" sz="5000" u="none" kumimoji="0" normalizeH="0">
+          <a:defRPr kumimoji="0" sz="5000" b="0" i="0" u="none" strike="noStrike" cap="none" spc="0" normalizeH="0" baseline="0">
             <a:ln>
               <a:noFill/>
             </a:ln>
@@ -21485,7 +21562,7 @@
           <a:buFontTx/>
           <a:buNone/>
           <a:tabLst/>
-          <a:defRPr b="0" baseline="0" cap="none" i="0" spc="0" strike="noStrike" sz="1800" u="none" kumimoji="0" normalizeH="0">
+          <a:defRPr kumimoji="0" sz="1800" b="0" i="0" u="none" strike="noStrike" cap="none" spc="0" normalizeH="0" baseline="0">
             <a:ln>
               <a:noFill/>
             </a:ln>
@@ -21511,7 +21588,7 @@
           <a:buFontTx/>
           <a:buNone/>
           <a:tabLst/>
-          <a:defRPr b="0" baseline="0" cap="none" i="0" spc="0" strike="noStrike" sz="1800" u="none" kumimoji="0" normalizeH="0">
+          <a:defRPr kumimoji="0" sz="1800" b="0" i="0" u="none" strike="noStrike" cap="none" spc="0" normalizeH="0" baseline="0">
             <a:ln>
               <a:noFill/>
             </a:ln>
@@ -21537,7 +21614,7 @@
           <a:buFontTx/>
           <a:buNone/>
           <a:tabLst/>
-          <a:defRPr b="0" baseline="0" cap="none" i="0" spc="0" strike="noStrike" sz="1800" u="none" kumimoji="0" normalizeH="0">
+          <a:defRPr kumimoji="0" sz="1800" b="0" i="0" u="none" strike="noStrike" cap="none" spc="0" normalizeH="0" baseline="0">
             <a:ln>
               <a:noFill/>
             </a:ln>
@@ -21563,7 +21640,7 @@
           <a:buFontTx/>
           <a:buNone/>
           <a:tabLst/>
-          <a:defRPr b="0" baseline="0" cap="none" i="0" spc="0" strike="noStrike" sz="1800" u="none" kumimoji="0" normalizeH="0">
+          <a:defRPr kumimoji="0" sz="1800" b="0" i="0" u="none" strike="noStrike" cap="none" spc="0" normalizeH="0" baseline="0">
             <a:ln>
               <a:noFill/>
             </a:ln>
@@ -21589,7 +21666,7 @@
           <a:buFontTx/>
           <a:buNone/>
           <a:tabLst/>
-          <a:defRPr b="0" baseline="0" cap="none" i="0" spc="0" strike="noStrike" sz="1800" u="none" kumimoji="0" normalizeH="0">
+          <a:defRPr kumimoji="0" sz="1800" b="0" i="0" u="none" strike="noStrike" cap="none" spc="0" normalizeH="0" baseline="0">
             <a:ln>
               <a:noFill/>
             </a:ln>
@@ -21615,7 +21692,7 @@
           <a:buFontTx/>
           <a:buNone/>
           <a:tabLst/>
-          <a:defRPr b="0" baseline="0" cap="none" i="0" spc="0" strike="noStrike" sz="1800" u="none" kumimoji="0" normalizeH="0">
+          <a:defRPr kumimoji="0" sz="1800" b="0" i="0" u="none" strike="noStrike" cap="none" spc="0" normalizeH="0" baseline="0">
             <a:ln>
               <a:noFill/>
             </a:ln>
@@ -21641,7 +21718,7 @@
           <a:buFontTx/>
           <a:buNone/>
           <a:tabLst/>
-          <a:defRPr b="0" baseline="0" cap="none" i="0" spc="0" strike="noStrike" sz="1800" u="none" kumimoji="0" normalizeH="0">
+          <a:defRPr kumimoji="0" sz="1800" b="0" i="0" u="none" strike="noStrike" cap="none" spc="0" normalizeH="0" baseline="0">
             <a:ln>
               <a:noFill/>
             </a:ln>
@@ -21667,7 +21744,7 @@
           <a:buFontTx/>
           <a:buNone/>
           <a:tabLst/>
-          <a:defRPr b="0" baseline="0" cap="none" i="0" spc="0" strike="noStrike" sz="1800" u="none" kumimoji="0" normalizeH="0">
+          <a:defRPr kumimoji="0" sz="1800" b="0" i="0" u="none" strike="noStrike" cap="none" spc="0" normalizeH="0" baseline="0">
             <a:ln>
               <a:noFill/>
             </a:ln>
@@ -21693,7 +21770,7 @@
           <a:buFontTx/>
           <a:buNone/>
           <a:tabLst/>
-          <a:defRPr b="0" baseline="0" cap="none" i="0" spc="0" strike="noStrike" sz="1800" u="none" kumimoji="0" normalizeH="0">
+          <a:defRPr kumimoji="0" sz="1800" b="0" i="0" u="none" strike="noStrike" cap="none" spc="0" normalizeH="0" baseline="0">
             <a:ln>
               <a:noFill/>
             </a:ln>
@@ -21706,9 +21783,15 @@
         </a:lvl9pPr>
       </a:lstStyle>
       <a:style>
-        <a:lnRef idx="0"/>
-        <a:fillRef idx="0"/>
-        <a:effectRef idx="0"/>
+        <a:lnRef idx="0">
+          <a:scrgbClr r="0" g="0" b="0"/>
+        </a:lnRef>
+        <a:fillRef idx="0">
+          <a:scrgbClr r="0" g="0" b="0"/>
+        </a:fillRef>
+        <a:effectRef idx="0">
+          <a:scrgbClr r="0" g="0" b="0"/>
+        </a:effectRef>
         <a:fontRef idx="none"/>
       </a:style>
     </a:spDef>
@@ -21723,7 +21806,7 @@
           <a:round/>
         </a:ln>
         <a:effectLst>
-          <a:outerShdw sx="100000" sy="100000" kx="0" ky="0" algn="b" rotWithShape="0" blurRad="38100" dist="25400" dir="5400000">
+          <a:outerShdw blurRad="38100" dist="25400" dir="5400000" rotWithShape="0">
             <a:srgbClr val="000000">
               <a:alpha val="50000"/>
             </a:srgbClr>
@@ -21731,7 +21814,7 @@
         </a:effectLst>
         <a:sp3d/>
       </a:spPr>
-      <a:bodyPr rot="0" spcFirstLastPara="1" vertOverflow="overflow" horzOverflow="overflow" vert="horz" wrap="square" lIns="91439" tIns="45719" rIns="91439" bIns="45719" numCol="1" spcCol="38100" rtlCol="0" anchor="t" upright="0">
+      <a:bodyPr rot="0" spcFirstLastPara="1" vertOverflow="overflow" horzOverflow="overflow" vert="horz" wrap="square" lIns="91439" tIns="45719" rIns="91439" bIns="45719" numCol="1" spcCol="38100" rtlCol="0" anchor="t">
         <a:noAutofit/>
       </a:bodyPr>
       <a:lstStyle>
@@ -21750,7 +21833,7 @@
           <a:buFontTx/>
           <a:buNone/>
           <a:tabLst/>
-          <a:defRPr b="0" baseline="0" cap="none" i="0" spc="0" strike="noStrike" sz="1800" u="none" kumimoji="0" normalizeH="0">
+          <a:defRPr kumimoji="0" sz="1800" b="0" i="0" u="none" strike="noStrike" cap="none" spc="0" normalizeH="0" baseline="0">
             <a:ln>
               <a:noFill/>
             </a:ln>
@@ -21776,7 +21859,7 @@
           <a:buFontTx/>
           <a:buNone/>
           <a:tabLst/>
-          <a:defRPr b="0" baseline="0" cap="none" i="0" spc="0" strike="noStrike" sz="1800" u="none" kumimoji="0" normalizeH="0">
+          <a:defRPr kumimoji="0" sz="1800" b="0" i="0" u="none" strike="noStrike" cap="none" spc="0" normalizeH="0" baseline="0">
             <a:ln>
               <a:noFill/>
             </a:ln>
@@ -21802,7 +21885,7 @@
           <a:buFontTx/>
           <a:buNone/>
           <a:tabLst/>
-          <a:defRPr b="0" baseline="0" cap="none" i="0" spc="0" strike="noStrike" sz="1800" u="none" kumimoji="0" normalizeH="0">
+          <a:defRPr kumimoji="0" sz="1800" b="0" i="0" u="none" strike="noStrike" cap="none" spc="0" normalizeH="0" baseline="0">
             <a:ln>
               <a:noFill/>
             </a:ln>
@@ -21828,7 +21911,7 @@
           <a:buFontTx/>
           <a:buNone/>
           <a:tabLst/>
-          <a:defRPr b="0" baseline="0" cap="none" i="0" spc="0" strike="noStrike" sz="1800" u="none" kumimoji="0" normalizeH="0">
+          <a:defRPr kumimoji="0" sz="1800" b="0" i="0" u="none" strike="noStrike" cap="none" spc="0" normalizeH="0" baseline="0">
             <a:ln>
               <a:noFill/>
             </a:ln>
@@ -21854,7 +21937,7 @@
           <a:buFontTx/>
           <a:buNone/>
           <a:tabLst/>
-          <a:defRPr b="0" baseline="0" cap="none" i="0" spc="0" strike="noStrike" sz="1800" u="none" kumimoji="0" normalizeH="0">
+          <a:defRPr kumimoji="0" sz="1800" b="0" i="0" u="none" strike="noStrike" cap="none" spc="0" normalizeH="0" baseline="0">
             <a:ln>
               <a:noFill/>
             </a:ln>
@@ -21880,7 +21963,7 @@
           <a:buFontTx/>
           <a:buNone/>
           <a:tabLst/>
-          <a:defRPr b="0" baseline="0" cap="none" i="0" spc="0" strike="noStrike" sz="1800" u="none" kumimoji="0" normalizeH="0">
+          <a:defRPr kumimoji="0" sz="1800" b="0" i="0" u="none" strike="noStrike" cap="none" spc="0" normalizeH="0" baseline="0">
             <a:ln>
               <a:noFill/>
             </a:ln>
@@ -21906,7 +21989,7 @@
           <a:buFontTx/>
           <a:buNone/>
           <a:tabLst/>
-          <a:defRPr b="0" baseline="0" cap="none" i="0" spc="0" strike="noStrike" sz="1800" u="none" kumimoji="0" normalizeH="0">
+          <a:defRPr kumimoji="0" sz="1800" b="0" i="0" u="none" strike="noStrike" cap="none" spc="0" normalizeH="0" baseline="0">
             <a:ln>
               <a:noFill/>
             </a:ln>
@@ -21932,7 +22015,7 @@
           <a:buFontTx/>
           <a:buNone/>
           <a:tabLst/>
-          <a:defRPr b="0" baseline="0" cap="none" i="0" spc="0" strike="noStrike" sz="1800" u="none" kumimoji="0" normalizeH="0">
+          <a:defRPr kumimoji="0" sz="1800" b="0" i="0" u="none" strike="noStrike" cap="none" spc="0" normalizeH="0" baseline="0">
             <a:ln>
               <a:noFill/>
             </a:ln>
@@ -21958,7 +22041,7 @@
           <a:buFontTx/>
           <a:buNone/>
           <a:tabLst/>
-          <a:defRPr b="0" baseline="0" cap="none" i="0" spc="0" strike="noStrike" sz="1800" u="none" kumimoji="0" normalizeH="0">
+          <a:defRPr kumimoji="0" sz="1800" b="0" i="0" u="none" strike="noStrike" cap="none" spc="0" normalizeH="0" baseline="0">
             <a:ln>
               <a:noFill/>
             </a:ln>
@@ -21984,7 +22067,7 @@
           <a:buFontTx/>
           <a:buNone/>
           <a:tabLst/>
-          <a:defRPr b="0" baseline="0" cap="none" i="0" spc="0" strike="noStrike" sz="1800" u="none" kumimoji="0" normalizeH="0">
+          <a:defRPr kumimoji="0" sz="1800" b="0" i="0" u="none" strike="noStrike" cap="none" spc="0" normalizeH="0" baseline="0">
             <a:ln>
               <a:noFill/>
             </a:ln>
@@ -21997,9 +22080,15 @@
         </a:lvl9pPr>
       </a:lstStyle>
       <a:style>
-        <a:lnRef idx="0"/>
-        <a:fillRef idx="0"/>
-        <a:effectRef idx="0"/>
+        <a:lnRef idx="0">
+          <a:scrgbClr r="0" g="0" b="0"/>
+        </a:lnRef>
+        <a:fillRef idx="0">
+          <a:scrgbClr r="0" g="0" b="0"/>
+        </a:fillRef>
+        <a:effectRef idx="0">
+          <a:scrgbClr r="0" g="0" b="0"/>
+        </a:effectRef>
         <a:fontRef idx="none"/>
       </a:style>
     </a:lnDef>
@@ -22013,7 +22102,7 @@
         <a:effectLst/>
         <a:sp3d/>
       </a:spPr>
-      <a:bodyPr rot="0" spcFirstLastPara="1" vertOverflow="overflow" horzOverflow="overflow" vert="horz" wrap="square" lIns="50800" tIns="50800" rIns="50800" bIns="50800" numCol="1" spcCol="38100" rtlCol="0" anchor="ctr" upright="0">
+      <a:bodyPr rot="0" spcFirstLastPara="1" vertOverflow="overflow" horzOverflow="overflow" vert="horz" wrap="square" lIns="50800" tIns="50800" rIns="50800" bIns="50800" numCol="1" spcCol="38100" rtlCol="0" anchor="ctr">
         <a:spAutoFit/>
       </a:bodyPr>
       <a:lstStyle>
@@ -22032,7 +22121,7 @@
           <a:buFontTx/>
           <a:buNone/>
           <a:tabLst/>
-          <a:defRPr b="0" baseline="0" cap="none" i="0" spc="0" strike="noStrike" sz="5000" u="none" kumimoji="0" normalizeH="0">
+          <a:defRPr kumimoji="0" sz="5000" b="0" i="0" u="none" strike="noStrike" cap="none" spc="0" normalizeH="0" baseline="0">
             <a:ln>
               <a:noFill/>
             </a:ln>
@@ -22062,7 +22151,7 @@
           <a:buFontTx/>
           <a:buNone/>
           <a:tabLst/>
-          <a:defRPr b="0" baseline="0" cap="none" i="0" spc="0" strike="noStrike" sz="1800" u="none" kumimoji="0" normalizeH="0">
+          <a:defRPr kumimoji="0" sz="1800" b="0" i="0" u="none" strike="noStrike" cap="none" spc="0" normalizeH="0" baseline="0">
             <a:ln>
               <a:noFill/>
             </a:ln>
@@ -22088,7 +22177,7 @@
           <a:buFontTx/>
           <a:buNone/>
           <a:tabLst/>
-          <a:defRPr b="0" baseline="0" cap="none" i="0" spc="0" strike="noStrike" sz="1800" u="none" kumimoji="0" normalizeH="0">
+          <a:defRPr kumimoji="0" sz="1800" b="0" i="0" u="none" strike="noStrike" cap="none" spc="0" normalizeH="0" baseline="0">
             <a:ln>
               <a:noFill/>
             </a:ln>
@@ -22114,7 +22203,7 @@
           <a:buFontTx/>
           <a:buNone/>
           <a:tabLst/>
-          <a:defRPr b="0" baseline="0" cap="none" i="0" spc="0" strike="noStrike" sz="1800" u="none" kumimoji="0" normalizeH="0">
+          <a:defRPr kumimoji="0" sz="1800" b="0" i="0" u="none" strike="noStrike" cap="none" spc="0" normalizeH="0" baseline="0">
             <a:ln>
               <a:noFill/>
             </a:ln>
@@ -22140,7 +22229,7 @@
           <a:buFontTx/>
           <a:buNone/>
           <a:tabLst/>
-          <a:defRPr b="0" baseline="0" cap="none" i="0" spc="0" strike="noStrike" sz="1800" u="none" kumimoji="0" normalizeH="0">
+          <a:defRPr kumimoji="0" sz="1800" b="0" i="0" u="none" strike="noStrike" cap="none" spc="0" normalizeH="0" baseline="0">
             <a:ln>
               <a:noFill/>
             </a:ln>
@@ -22166,7 +22255,7 @@
           <a:buFontTx/>
           <a:buNone/>
           <a:tabLst/>
-          <a:defRPr b="0" baseline="0" cap="none" i="0" spc="0" strike="noStrike" sz="1800" u="none" kumimoji="0" normalizeH="0">
+          <a:defRPr kumimoji="0" sz="1800" b="0" i="0" u="none" strike="noStrike" cap="none" spc="0" normalizeH="0" baseline="0">
             <a:ln>
               <a:noFill/>
             </a:ln>
@@ -22192,7 +22281,7 @@
           <a:buFontTx/>
           <a:buNone/>
           <a:tabLst/>
-          <a:defRPr b="0" baseline="0" cap="none" i="0" spc="0" strike="noStrike" sz="1800" u="none" kumimoji="0" normalizeH="0">
+          <a:defRPr kumimoji="0" sz="1800" b="0" i="0" u="none" strike="noStrike" cap="none" spc="0" normalizeH="0" baseline="0">
             <a:ln>
               <a:noFill/>
             </a:ln>
@@ -22218,7 +22307,7 @@
           <a:buFontTx/>
           <a:buNone/>
           <a:tabLst/>
-          <a:defRPr b="0" baseline="0" cap="none" i="0" spc="0" strike="noStrike" sz="1800" u="none" kumimoji="0" normalizeH="0">
+          <a:defRPr kumimoji="0" sz="1800" b="0" i="0" u="none" strike="noStrike" cap="none" spc="0" normalizeH="0" baseline="0">
             <a:ln>
               <a:noFill/>
             </a:ln>
@@ -22244,7 +22333,7 @@
           <a:buFontTx/>
           <a:buNone/>
           <a:tabLst/>
-          <a:defRPr b="0" baseline="0" cap="none" i="0" spc="0" strike="noStrike" sz="1800" u="none" kumimoji="0" normalizeH="0">
+          <a:defRPr kumimoji="0" sz="1800" b="0" i="0" u="none" strike="noStrike" cap="none" spc="0" normalizeH="0" baseline="0">
             <a:ln>
               <a:noFill/>
             </a:ln>
@@ -22270,7 +22359,7 @@
           <a:buFontTx/>
           <a:buNone/>
           <a:tabLst/>
-          <a:defRPr b="0" baseline="0" cap="none" i="0" spc="0" strike="noStrike" sz="1800" u="none" kumimoji="0" normalizeH="0">
+          <a:defRPr kumimoji="0" sz="1800" b="0" i="0" u="none" strike="noStrike" cap="none" spc="0" normalizeH="0" baseline="0">
             <a:ln>
               <a:noFill/>
             </a:ln>
@@ -22283,18 +22372,25 @@
         </a:lvl9pPr>
       </a:lstStyle>
       <a:style>
-        <a:lnRef idx="0"/>
-        <a:fillRef idx="0"/>
-        <a:effectRef idx="0"/>
+        <a:lnRef idx="0">
+          <a:scrgbClr r="0" g="0" b="0"/>
+        </a:lnRef>
+        <a:fillRef idx="0">
+          <a:scrgbClr r="0" g="0" b="0"/>
+        </a:fillRef>
+        <a:effectRef idx="0">
+          <a:scrgbClr r="0" g="0" b="0"/>
+        </a:effectRef>
         <a:fontRef idx="none"/>
       </a:style>
     </a:txDef>
   </a:objectDefaults>
+  <a:extraClrSchemeLst/>
 </a:theme>
 </file>
 
 <file path=ppt/theme/theme2.xml><?xml version="1.0" encoding="utf-8"?>
-<a:theme xmlns:a="http://schemas.openxmlformats.org/drawingml/2006/main" xmlns:r="http://schemas.openxmlformats.org/officeDocument/2006/relationships" name="White">
+<a:theme xmlns:a="http://schemas.openxmlformats.org/drawingml/2006/main" name="White">
   <a:themeElements>
     <a:clrScheme name="White">
       <a:dk1>
@@ -22420,7 +22516,7 @@
       <a:effectStyleLst>
         <a:effectStyle>
           <a:effectLst>
-            <a:outerShdw sx="100000" sy="100000" kx="0" ky="0" algn="b" rotWithShape="0" blurRad="38100" dist="25400" dir="5400000">
+            <a:outerShdw blurRad="38100" dist="25400" dir="5400000" rotWithShape="0">
               <a:srgbClr val="000000">
                 <a:alpha val="50000"/>
               </a:srgbClr>
@@ -22429,7 +22525,7 @@
         </a:effectStyle>
         <a:effectStyle>
           <a:effectLst>
-            <a:outerShdw sx="100000" sy="100000" kx="0" ky="0" algn="b" rotWithShape="0" blurRad="38100" dist="25400" dir="5400000">
+            <a:outerShdw blurRad="38100" dist="25400" dir="5400000" rotWithShape="0">
               <a:srgbClr val="000000">
                 <a:alpha val="50000"/>
               </a:srgbClr>
@@ -22438,7 +22534,7 @@
         </a:effectStyle>
         <a:effectStyle>
           <a:effectLst>
-            <a:outerShdw sx="100000" sy="100000" kx="0" ky="0" algn="b" rotWithShape="0" blurRad="38100" dist="25400" dir="5400000">
+            <a:outerShdw blurRad="38100" dist="25400" dir="5400000" rotWithShape="0">
               <a:srgbClr val="000000">
                 <a:alpha val="50000"/>
               </a:srgbClr>
@@ -22512,7 +22608,7 @@
           <a:round/>
         </a:ln>
         <a:effectLst>
-          <a:outerShdw sx="100000" sy="100000" kx="0" ky="0" algn="b" rotWithShape="0" blurRad="38100" dist="25400" dir="5400000">
+          <a:outerShdw blurRad="38100" dist="25400" dir="5400000" rotWithShape="0">
             <a:srgbClr val="000000">
               <a:alpha val="50000"/>
             </a:srgbClr>
@@ -22520,7 +22616,7 @@
         </a:effectLst>
         <a:sp3d/>
       </a:spPr>
-      <a:bodyPr rot="0" spcFirstLastPara="1" vertOverflow="overflow" horzOverflow="overflow" vert="horz" wrap="square" lIns="50800" tIns="50800" rIns="50800" bIns="50800" numCol="1" spcCol="38100" rtlCol="0" anchor="ctr" upright="0">
+      <a:bodyPr rot="0" spcFirstLastPara="1" vertOverflow="overflow" horzOverflow="overflow" vert="horz" wrap="square" lIns="50800" tIns="50800" rIns="50800" bIns="50800" numCol="1" spcCol="38100" rtlCol="0" anchor="ctr">
         <a:spAutoFit/>
       </a:bodyPr>
       <a:lstStyle>
@@ -22539,7 +22635,7 @@
           <a:buFontTx/>
           <a:buNone/>
           <a:tabLst/>
-          <a:defRPr b="0" baseline="0" cap="none" i="0" spc="0" strike="noStrike" sz="5000" u="none" kumimoji="0" normalizeH="0">
+          <a:defRPr kumimoji="0" sz="5000" b="0" i="0" u="none" strike="noStrike" cap="none" spc="0" normalizeH="0" baseline="0">
             <a:ln>
               <a:noFill/>
             </a:ln>
@@ -22569,7 +22665,7 @@
           <a:buFontTx/>
           <a:buNone/>
           <a:tabLst/>
-          <a:defRPr b="0" baseline="0" cap="none" i="0" spc="0" strike="noStrike" sz="1800" u="none" kumimoji="0" normalizeH="0">
+          <a:defRPr kumimoji="0" sz="1800" b="0" i="0" u="none" strike="noStrike" cap="none" spc="0" normalizeH="0" baseline="0">
             <a:ln>
               <a:noFill/>
             </a:ln>
@@ -22595,7 +22691,7 @@
           <a:buFontTx/>
           <a:buNone/>
           <a:tabLst/>
-          <a:defRPr b="0" baseline="0" cap="none" i="0" spc="0" strike="noStrike" sz="1800" u="none" kumimoji="0" normalizeH="0">
+          <a:defRPr kumimoji="0" sz="1800" b="0" i="0" u="none" strike="noStrike" cap="none" spc="0" normalizeH="0" baseline="0">
             <a:ln>
               <a:noFill/>
             </a:ln>
@@ -22621,7 +22717,7 @@
           <a:buFontTx/>
           <a:buNone/>
           <a:tabLst/>
-          <a:defRPr b="0" baseline="0" cap="none" i="0" spc="0" strike="noStrike" sz="1800" u="none" kumimoji="0" normalizeH="0">
+          <a:defRPr kumimoji="0" sz="1800" b="0" i="0" u="none" strike="noStrike" cap="none" spc="0" normalizeH="0" baseline="0">
             <a:ln>
               <a:noFill/>
             </a:ln>
@@ -22647,7 +22743,7 @@
           <a:buFontTx/>
           <a:buNone/>
           <a:tabLst/>
-          <a:defRPr b="0" baseline="0" cap="none" i="0" spc="0" strike="noStrike" sz="1800" u="none" kumimoji="0" normalizeH="0">
+          <a:defRPr kumimoji="0" sz="1800" b="0" i="0" u="none" strike="noStrike" cap="none" spc="0" normalizeH="0" baseline="0">
             <a:ln>
               <a:noFill/>
             </a:ln>
@@ -22673,7 +22769,7 @@
           <a:buFontTx/>
           <a:buNone/>
           <a:tabLst/>
-          <a:defRPr b="0" baseline="0" cap="none" i="0" spc="0" strike="noStrike" sz="1800" u="none" kumimoji="0" normalizeH="0">
+          <a:defRPr kumimoji="0" sz="1800" b="0" i="0" u="none" strike="noStrike" cap="none" spc="0" normalizeH="0" baseline="0">
             <a:ln>
               <a:noFill/>
             </a:ln>
@@ -22699,7 +22795,7 @@
           <a:buFontTx/>
           <a:buNone/>
           <a:tabLst/>
-          <a:defRPr b="0" baseline="0" cap="none" i="0" spc="0" strike="noStrike" sz="1800" u="none" kumimoji="0" normalizeH="0">
+          <a:defRPr kumimoji="0" sz="1800" b="0" i="0" u="none" strike="noStrike" cap="none" spc="0" normalizeH="0" baseline="0">
             <a:ln>
               <a:noFill/>
             </a:ln>
@@ -22725,7 +22821,7 @@
           <a:buFontTx/>
           <a:buNone/>
           <a:tabLst/>
-          <a:defRPr b="0" baseline="0" cap="none" i="0" spc="0" strike="noStrike" sz="1800" u="none" kumimoji="0" normalizeH="0">
+          <a:defRPr kumimoji="0" sz="1800" b="0" i="0" u="none" strike="noStrike" cap="none" spc="0" normalizeH="0" baseline="0">
             <a:ln>
               <a:noFill/>
             </a:ln>
@@ -22751,7 +22847,7 @@
           <a:buFontTx/>
           <a:buNone/>
           <a:tabLst/>
-          <a:defRPr b="0" baseline="0" cap="none" i="0" spc="0" strike="noStrike" sz="1800" u="none" kumimoji="0" normalizeH="0">
+          <a:defRPr kumimoji="0" sz="1800" b="0" i="0" u="none" strike="noStrike" cap="none" spc="0" normalizeH="0" baseline="0">
             <a:ln>
               <a:noFill/>
             </a:ln>
@@ -22777,7 +22873,7 @@
           <a:buFontTx/>
           <a:buNone/>
           <a:tabLst/>
-          <a:defRPr b="0" baseline="0" cap="none" i="0" spc="0" strike="noStrike" sz="1800" u="none" kumimoji="0" normalizeH="0">
+          <a:defRPr kumimoji="0" sz="1800" b="0" i="0" u="none" strike="noStrike" cap="none" spc="0" normalizeH="0" baseline="0">
             <a:ln>
               <a:noFill/>
             </a:ln>
@@ -22790,9 +22886,15 @@
         </a:lvl9pPr>
       </a:lstStyle>
       <a:style>
-        <a:lnRef idx="0"/>
-        <a:fillRef idx="0"/>
-        <a:effectRef idx="0"/>
+        <a:lnRef idx="0">
+          <a:scrgbClr r="0" g="0" b="0"/>
+        </a:lnRef>
+        <a:fillRef idx="0">
+          <a:scrgbClr r="0" g="0" b="0"/>
+        </a:fillRef>
+        <a:effectRef idx="0">
+          <a:scrgbClr r="0" g="0" b="0"/>
+        </a:effectRef>
         <a:fontRef idx="none"/>
       </a:style>
     </a:spDef>
@@ -22807,7 +22909,7 @@
           <a:round/>
         </a:ln>
         <a:effectLst>
-          <a:outerShdw sx="100000" sy="100000" kx="0" ky="0" algn="b" rotWithShape="0" blurRad="38100" dist="25400" dir="5400000">
+          <a:outerShdw blurRad="38100" dist="25400" dir="5400000" rotWithShape="0">
             <a:srgbClr val="000000">
               <a:alpha val="50000"/>
             </a:srgbClr>
@@ -22815,7 +22917,7 @@
         </a:effectLst>
         <a:sp3d/>
       </a:spPr>
-      <a:bodyPr rot="0" spcFirstLastPara="1" vertOverflow="overflow" horzOverflow="overflow" vert="horz" wrap="square" lIns="91439" tIns="45719" rIns="91439" bIns="45719" numCol="1" spcCol="38100" rtlCol="0" anchor="t" upright="0">
+      <a:bodyPr rot="0" spcFirstLastPara="1" vertOverflow="overflow" horzOverflow="overflow" vert="horz" wrap="square" lIns="91439" tIns="45719" rIns="91439" bIns="45719" numCol="1" spcCol="38100" rtlCol="0" anchor="t">
         <a:noAutofit/>
       </a:bodyPr>
       <a:lstStyle>
@@ -22834,7 +22936,7 @@
           <a:buFontTx/>
           <a:buNone/>
           <a:tabLst/>
-          <a:defRPr b="0" baseline="0" cap="none" i="0" spc="0" strike="noStrike" sz="1800" u="none" kumimoji="0" normalizeH="0">
+          <a:defRPr kumimoji="0" sz="1800" b="0" i="0" u="none" strike="noStrike" cap="none" spc="0" normalizeH="0" baseline="0">
             <a:ln>
               <a:noFill/>
             </a:ln>
@@ -22860,7 +22962,7 @@
           <a:buFontTx/>
           <a:buNone/>
           <a:tabLst/>
-          <a:defRPr b="0" baseline="0" cap="none" i="0" spc="0" strike="noStrike" sz="1800" u="none" kumimoji="0" normalizeH="0">
+          <a:defRPr kumimoji="0" sz="1800" b="0" i="0" u="none" strike="noStrike" cap="none" spc="0" normalizeH="0" baseline="0">
             <a:ln>
               <a:noFill/>
             </a:ln>
@@ -22886,7 +22988,7 @@
           <a:buFontTx/>
           <a:buNone/>
           <a:tabLst/>
-          <a:defRPr b="0" baseline="0" cap="none" i="0" spc="0" strike="noStrike" sz="1800" u="none" kumimoji="0" normalizeH="0">
+          <a:defRPr kumimoji="0" sz="1800" b="0" i="0" u="none" strike="noStrike" cap="none" spc="0" normalizeH="0" baseline="0">
             <a:ln>
               <a:noFill/>
             </a:ln>
@@ -22912,7 +23014,7 @@
           <a:buFontTx/>
           <a:buNone/>
           <a:tabLst/>
-          <a:defRPr b="0" baseline="0" cap="none" i="0" spc="0" strike="noStrike" sz="1800" u="none" kumimoji="0" normalizeH="0">
+          <a:defRPr kumimoji="0" sz="1800" b="0" i="0" u="none" strike="noStrike" cap="none" spc="0" normalizeH="0" baseline="0">
             <a:ln>
               <a:noFill/>
             </a:ln>
@@ -22938,7 +23040,7 @@
           <a:buFontTx/>
           <a:buNone/>
           <a:tabLst/>
-          <a:defRPr b="0" baseline="0" cap="none" i="0" spc="0" strike="noStrike" sz="1800" u="none" kumimoji="0" normalizeH="0">
+          <a:defRPr kumimoji="0" sz="1800" b="0" i="0" u="none" strike="noStrike" cap="none" spc="0" normalizeH="0" baseline="0">
             <a:ln>
               <a:noFill/>
             </a:ln>
@@ -22964,7 +23066,7 @@
           <a:buFontTx/>
           <a:buNone/>
           <a:tabLst/>
-          <a:defRPr b="0" baseline="0" cap="none" i="0" spc="0" strike="noStrike" sz="1800" u="none" kumimoji="0" normalizeH="0">
+          <a:defRPr kumimoji="0" sz="1800" b="0" i="0" u="none" strike="noStrike" cap="none" spc="0" normalizeH="0" baseline="0">
             <a:ln>
               <a:noFill/>
             </a:ln>
@@ -22990,7 +23092,7 @@
           <a:buFontTx/>
           <a:buNone/>
           <a:tabLst/>
-          <a:defRPr b="0" baseline="0" cap="none" i="0" spc="0" strike="noStrike" sz="1800" u="none" kumimoji="0" normalizeH="0">
+          <a:defRPr kumimoji="0" sz="1800" b="0" i="0" u="none" strike="noStrike" cap="none" spc="0" normalizeH="0" baseline="0">
             <a:ln>
               <a:noFill/>
             </a:ln>
@@ -23016,7 +23118,7 @@
           <a:buFontTx/>
           <a:buNone/>
           <a:tabLst/>
-          <a:defRPr b="0" baseline="0" cap="none" i="0" spc="0" strike="noStrike" sz="1800" u="none" kumimoji="0" normalizeH="0">
+          <a:defRPr kumimoji="0" sz="1800" b="0" i="0" u="none" strike="noStrike" cap="none" spc="0" normalizeH="0" baseline="0">
             <a:ln>
               <a:noFill/>
             </a:ln>
@@ -23042,7 +23144,7 @@
           <a:buFontTx/>
           <a:buNone/>
           <a:tabLst/>
-          <a:defRPr b="0" baseline="0" cap="none" i="0" spc="0" strike="noStrike" sz="1800" u="none" kumimoji="0" normalizeH="0">
+          <a:defRPr kumimoji="0" sz="1800" b="0" i="0" u="none" strike="noStrike" cap="none" spc="0" normalizeH="0" baseline="0">
             <a:ln>
               <a:noFill/>
             </a:ln>
@@ -23068,7 +23170,7 @@
           <a:buFontTx/>
           <a:buNone/>
           <a:tabLst/>
-          <a:defRPr b="0" baseline="0" cap="none" i="0" spc="0" strike="noStrike" sz="1800" u="none" kumimoji="0" normalizeH="0">
+          <a:defRPr kumimoji="0" sz="1800" b="0" i="0" u="none" strike="noStrike" cap="none" spc="0" normalizeH="0" baseline="0">
             <a:ln>
               <a:noFill/>
             </a:ln>
@@ -23081,9 +23183,15 @@
         </a:lvl9pPr>
       </a:lstStyle>
       <a:style>
-        <a:lnRef idx="0"/>
-        <a:fillRef idx="0"/>
-        <a:effectRef idx="0"/>
+        <a:lnRef idx="0">
+          <a:scrgbClr r="0" g="0" b="0"/>
+        </a:lnRef>
+        <a:fillRef idx="0">
+          <a:scrgbClr r="0" g="0" b="0"/>
+        </a:fillRef>
+        <a:effectRef idx="0">
+          <a:scrgbClr r="0" g="0" b="0"/>
+        </a:effectRef>
         <a:fontRef idx="none"/>
       </a:style>
     </a:lnDef>
@@ -23097,7 +23205,7 @@
         <a:effectLst/>
         <a:sp3d/>
       </a:spPr>
-      <a:bodyPr rot="0" spcFirstLastPara="1" vertOverflow="overflow" horzOverflow="overflow" vert="horz" wrap="square" lIns="50800" tIns="50800" rIns="50800" bIns="50800" numCol="1" spcCol="38100" rtlCol="0" anchor="ctr" upright="0">
+      <a:bodyPr rot="0" spcFirstLastPara="1" vertOverflow="overflow" horzOverflow="overflow" vert="horz" wrap="square" lIns="50800" tIns="50800" rIns="50800" bIns="50800" numCol="1" spcCol="38100" rtlCol="0" anchor="ctr">
         <a:spAutoFit/>
       </a:bodyPr>
       <a:lstStyle>
@@ -23116,7 +23224,7 @@
           <a:buFontTx/>
           <a:buNone/>
           <a:tabLst/>
-          <a:defRPr b="0" baseline="0" cap="none" i="0" spc="0" strike="noStrike" sz="5000" u="none" kumimoji="0" normalizeH="0">
+          <a:defRPr kumimoji="0" sz="5000" b="0" i="0" u="none" strike="noStrike" cap="none" spc="0" normalizeH="0" baseline="0">
             <a:ln>
               <a:noFill/>
             </a:ln>
@@ -23146,7 +23254,7 @@
           <a:buFontTx/>
           <a:buNone/>
           <a:tabLst/>
-          <a:defRPr b="0" baseline="0" cap="none" i="0" spc="0" strike="noStrike" sz="1800" u="none" kumimoji="0" normalizeH="0">
+          <a:defRPr kumimoji="0" sz="1800" b="0" i="0" u="none" strike="noStrike" cap="none" spc="0" normalizeH="0" baseline="0">
             <a:ln>
               <a:noFill/>
             </a:ln>
@@ -23172,7 +23280,7 @@
           <a:buFontTx/>
           <a:buNone/>
           <a:tabLst/>
-          <a:defRPr b="0" baseline="0" cap="none" i="0" spc="0" strike="noStrike" sz="1800" u="none" kumimoji="0" normalizeH="0">
+          <a:defRPr kumimoji="0" sz="1800" b="0" i="0" u="none" strike="noStrike" cap="none" spc="0" normalizeH="0" baseline="0">
             <a:ln>
               <a:noFill/>
             </a:ln>
@@ -23198,7 +23306,7 @@
           <a:buFontTx/>
           <a:buNone/>
           <a:tabLst/>
-          <a:defRPr b="0" baseline="0" cap="none" i="0" spc="0" strike="noStrike" sz="1800" u="none" kumimoji="0" normalizeH="0">
+          <a:defRPr kumimoji="0" sz="1800" b="0" i="0" u="none" strike="noStrike" cap="none" spc="0" normalizeH="0" baseline="0">
             <a:ln>
               <a:noFill/>
             </a:ln>
@@ -23224,7 +23332,7 @@
           <a:buFontTx/>
           <a:buNone/>
           <a:tabLst/>
-          <a:defRPr b="0" baseline="0" cap="none" i="0" spc="0" strike="noStrike" sz="1800" u="none" kumimoji="0" normalizeH="0">
+          <a:defRPr kumimoji="0" sz="1800" b="0" i="0" u="none" strike="noStrike" cap="none" spc="0" normalizeH="0" baseline="0">
             <a:ln>
               <a:noFill/>
             </a:ln>
@@ -23250,7 +23358,7 @@
           <a:buFontTx/>
           <a:buNone/>
           <a:tabLst/>
-          <a:defRPr b="0" baseline="0" cap="none" i="0" spc="0" strike="noStrike" sz="1800" u="none" kumimoji="0" normalizeH="0">
+          <a:defRPr kumimoji="0" sz="1800" b="0" i="0" u="none" strike="noStrike" cap="none" spc="0" normalizeH="0" baseline="0">
             <a:ln>
               <a:noFill/>
             </a:ln>
@@ -23276,7 +23384,7 @@
           <a:buFontTx/>
           <a:buNone/>
           <a:tabLst/>
-          <a:defRPr b="0" baseline="0" cap="none" i="0" spc="0" strike="noStrike" sz="1800" u="none" kumimoji="0" normalizeH="0">
+          <a:defRPr kumimoji="0" sz="1800" b="0" i="0" u="none" strike="noStrike" cap="none" spc="0" normalizeH="0" baseline="0">
             <a:ln>
               <a:noFill/>
             </a:ln>
@@ -23302,7 +23410,7 @@
           <a:buFontTx/>
           <a:buNone/>
           <a:tabLst/>
-          <a:defRPr b="0" baseline="0" cap="none" i="0" spc="0" strike="noStrike" sz="1800" u="none" kumimoji="0" normalizeH="0">
+          <a:defRPr kumimoji="0" sz="1800" b="0" i="0" u="none" strike="noStrike" cap="none" spc="0" normalizeH="0" baseline="0">
             <a:ln>
               <a:noFill/>
             </a:ln>
@@ -23328,7 +23436,7 @@
           <a:buFontTx/>
           <a:buNone/>
           <a:tabLst/>
-          <a:defRPr b="0" baseline="0" cap="none" i="0" spc="0" strike="noStrike" sz="1800" u="none" kumimoji="0" normalizeH="0">
+          <a:defRPr kumimoji="0" sz="1800" b="0" i="0" u="none" strike="noStrike" cap="none" spc="0" normalizeH="0" baseline="0">
             <a:ln>
               <a:noFill/>
             </a:ln>
@@ -23354,7 +23462,7 @@
           <a:buFontTx/>
           <a:buNone/>
           <a:tabLst/>
-          <a:defRPr b="0" baseline="0" cap="none" i="0" spc="0" strike="noStrike" sz="1800" u="none" kumimoji="0" normalizeH="0">
+          <a:defRPr kumimoji="0" sz="1800" b="0" i="0" u="none" strike="noStrike" cap="none" spc="0" normalizeH="0" baseline="0">
             <a:ln>
               <a:noFill/>
             </a:ln>
@@ -23367,12 +23475,19 @@
         </a:lvl9pPr>
       </a:lstStyle>
       <a:style>
-        <a:lnRef idx="0"/>
-        <a:fillRef idx="0"/>
-        <a:effectRef idx="0"/>
+        <a:lnRef idx="0">
+          <a:scrgbClr r="0" g="0" b="0"/>
+        </a:lnRef>
+        <a:fillRef idx="0">
+          <a:scrgbClr r="0" g="0" b="0"/>
+        </a:fillRef>
+        <a:effectRef idx="0">
+          <a:scrgbClr r="0" g="0" b="0"/>
+        </a:effectRef>
         <a:fontRef idx="none"/>
       </a:style>
     </a:txDef>
   </a:objectDefaults>
+  <a:extraClrSchemeLst/>
 </a:theme>
 </file>